--- a/slide/week2/2.Neural Network.pptx
+++ b/slide/week2/2.Neural Network.pptx
@@ -5,7 +5,7 @@
     <p:sldMasterId id="2147483659" r:id="rId1"/>
   </p:sldMasterIdLst>
   <p:notesMasterIdLst>
-    <p:notesMasterId r:id="rId30"/>
+    <p:notesMasterId r:id="rId41"/>
   </p:notesMasterIdLst>
   <p:sldIdLst>
     <p:sldId id="256" r:id="rId2"/>
@@ -25,17 +25,28 @@
     <p:sldId id="273" r:id="rId16"/>
     <p:sldId id="286" r:id="rId17"/>
     <p:sldId id="270" r:id="rId18"/>
-    <p:sldId id="287" r:id="rId19"/>
-    <p:sldId id="276" r:id="rId20"/>
-    <p:sldId id="277" r:id="rId21"/>
-    <p:sldId id="291" r:id="rId22"/>
-    <p:sldId id="262" r:id="rId23"/>
-    <p:sldId id="263" r:id="rId24"/>
-    <p:sldId id="264" r:id="rId25"/>
-    <p:sldId id="271" r:id="rId26"/>
-    <p:sldId id="274" r:id="rId27"/>
-    <p:sldId id="272" r:id="rId28"/>
-    <p:sldId id="275" r:id="rId29"/>
+    <p:sldId id="263" r:id="rId19"/>
+    <p:sldId id="264" r:id="rId20"/>
+    <p:sldId id="262" r:id="rId21"/>
+    <p:sldId id="298" r:id="rId22"/>
+    <p:sldId id="299" r:id="rId23"/>
+    <p:sldId id="300" r:id="rId24"/>
+    <p:sldId id="301" r:id="rId25"/>
+    <p:sldId id="302" r:id="rId26"/>
+    <p:sldId id="303" r:id="rId27"/>
+    <p:sldId id="304" r:id="rId28"/>
+    <p:sldId id="305" r:id="rId29"/>
+    <p:sldId id="306" r:id="rId30"/>
+    <p:sldId id="307" r:id="rId31"/>
+    <p:sldId id="308" r:id="rId32"/>
+    <p:sldId id="287" r:id="rId33"/>
+    <p:sldId id="276" r:id="rId34"/>
+    <p:sldId id="277" r:id="rId35"/>
+    <p:sldId id="291" r:id="rId36"/>
+    <p:sldId id="271" r:id="rId37"/>
+    <p:sldId id="274" r:id="rId38"/>
+    <p:sldId id="272" r:id="rId39"/>
+    <p:sldId id="275" r:id="rId40"/>
   </p:sldIdLst>
   <p:sldSz cx="9144000" cy="5143500" type="screen16x9"/>
   <p:notesSz cx="6858000" cy="9144000"/>
@@ -833,11 +844,11 @@
 </file>
 
 <file path=ppt/notesSlides/notesSlide10.xml><?xml version="1.0" encoding="utf-8"?>
-<p:notes xmlns:a="http://schemas.openxmlformats.org/drawingml/2006/main" xmlns:r="http://schemas.openxmlformats.org/officeDocument/2006/relationships" xmlns:p="http://schemas.openxmlformats.org/presentationml/2006/main">
+<p:notes xmlns:a="http://schemas.openxmlformats.org/drawingml/2006/main" xmlns:r="http://schemas.openxmlformats.org/officeDocument/2006/relationships" xmlns:p="http://schemas.openxmlformats.org/presentationml/2006/main" showMasterSp="0" showMasterPhAnim="0">
   <p:cSld>
     <p:spTree>
       <p:nvGrpSpPr>
-        <p:cNvPr id="1" name=""/>
+        <p:cNvPr id="1" name="Shape 89"/>
         <p:cNvGrpSpPr/>
         <p:nvPr/>
       </p:nvGrpSpPr>
@@ -851,220 +862,7 @@
       </p:grpSpPr>
       <p:sp>
         <p:nvSpPr>
-          <p:cNvPr id="2" name="Slide Image Placeholder 1"/>
-          <p:cNvSpPr>
-            <a:spLocks noGrp="1" noRot="1" noChangeAspect="1"/>
-          </p:cNvSpPr>
-          <p:nvPr>
-            <p:ph type="sldImg"/>
-          </p:nvPr>
-        </p:nvSpPr>
-        <p:spPr>
-          <a:xfrm>
-            <a:off x="381000" y="685800"/>
-            <a:ext cx="6096000" cy="3429000"/>
-          </a:xfrm>
-        </p:spPr>
-      </p:sp>
-      <p:sp>
-        <p:nvSpPr>
-          <p:cNvPr id="3" name="Notes Placeholder 2"/>
-          <p:cNvSpPr>
-            <a:spLocks noGrp="1"/>
-          </p:cNvSpPr>
-          <p:nvPr>
-            <p:ph type="body" idx="1"/>
-          </p:nvPr>
-        </p:nvSpPr>
-        <p:spPr/>
-        <p:txBody>
-          <a:bodyPr/>
-          <a:lstStyle/>
-          <a:p>
-            <a:pPr marL="158750" indent="0">
-              <a:buNone/>
-            </a:pPr>
-            <a:r>
-              <a:rPr lang="en-US" dirty="0" smtClean="0"/>
-              <a:t>https://d2l.ai/chapter_multilayer-perceptrons/numerical-stability-and-init.html</a:t>
-            </a:r>
-            <a:endParaRPr lang="en-US" dirty="0"/>
-          </a:p>
-        </p:txBody>
-      </p:sp>
-    </p:spTree>
-    <p:extLst>
-      <p:ext uri="{BB962C8B-B14F-4D97-AF65-F5344CB8AC3E}">
-        <p14:creationId xmlns:p14="http://schemas.microsoft.com/office/powerpoint/2010/main" val="3264462187"/>
-      </p:ext>
-    </p:extLst>
-  </p:cSld>
-  <p:clrMapOvr>
-    <a:masterClrMapping/>
-  </p:clrMapOvr>
-</p:notes>
-</file>
-
-<file path=ppt/notesSlides/notesSlide11.xml><?xml version="1.0" encoding="utf-8"?>
-<p:notes xmlns:a="http://schemas.openxmlformats.org/drawingml/2006/main" xmlns:r="http://schemas.openxmlformats.org/officeDocument/2006/relationships" xmlns:p="http://schemas.openxmlformats.org/presentationml/2006/main">
-  <p:cSld>
-    <p:spTree>
-      <p:nvGrpSpPr>
-        <p:cNvPr id="1" name=""/>
-        <p:cNvGrpSpPr/>
-        <p:nvPr/>
-      </p:nvGrpSpPr>
-      <p:grpSpPr>
-        <a:xfrm>
-          <a:off x="0" y="0"/>
-          <a:ext cx="0" cy="0"/>
-          <a:chOff x="0" y="0"/>
-          <a:chExt cx="0" cy="0"/>
-        </a:xfrm>
-      </p:grpSpPr>
-      <p:sp>
-        <p:nvSpPr>
-          <p:cNvPr id="2" name="Slide Image Placeholder 1"/>
-          <p:cNvSpPr>
-            <a:spLocks noGrp="1" noRot="1" noChangeAspect="1"/>
-          </p:cNvSpPr>
-          <p:nvPr>
-            <p:ph type="sldImg"/>
-          </p:nvPr>
-        </p:nvSpPr>
-        <p:spPr>
-          <a:xfrm>
-            <a:off x="381000" y="685800"/>
-            <a:ext cx="6096000" cy="3429000"/>
-          </a:xfrm>
-        </p:spPr>
-      </p:sp>
-      <p:sp>
-        <p:nvSpPr>
-          <p:cNvPr id="3" name="Notes Placeholder 2"/>
-          <p:cNvSpPr>
-            <a:spLocks noGrp="1"/>
-          </p:cNvSpPr>
-          <p:nvPr>
-            <p:ph type="body" idx="1"/>
-          </p:nvPr>
-        </p:nvSpPr>
-        <p:spPr/>
-        <p:txBody>
-          <a:bodyPr/>
-          <a:lstStyle/>
-          <a:p>
-            <a:r>
-              <a:rPr lang="en-US" dirty="0" smtClean="0"/>
-              <a:t>https://d2l.ai/chapter_multilayer-perceptrons/environment.html </a:t>
-            </a:r>
-            <a:endParaRPr lang="en-US" dirty="0"/>
-          </a:p>
-        </p:txBody>
-      </p:sp>
-    </p:spTree>
-    <p:extLst>
-      <p:ext uri="{BB962C8B-B14F-4D97-AF65-F5344CB8AC3E}">
-        <p14:creationId xmlns:p14="http://schemas.microsoft.com/office/powerpoint/2010/main" val="3967434164"/>
-      </p:ext>
-    </p:extLst>
-  </p:cSld>
-  <p:clrMapOvr>
-    <a:masterClrMapping/>
-  </p:clrMapOvr>
-</p:notes>
-</file>
-
-<file path=ppt/notesSlides/notesSlide12.xml><?xml version="1.0" encoding="utf-8"?>
-<p:notes xmlns:a="http://schemas.openxmlformats.org/drawingml/2006/main" xmlns:r="http://schemas.openxmlformats.org/officeDocument/2006/relationships" xmlns:p="http://schemas.openxmlformats.org/presentationml/2006/main">
-  <p:cSld>
-    <p:spTree>
-      <p:nvGrpSpPr>
-        <p:cNvPr id="1" name=""/>
-        <p:cNvGrpSpPr/>
-        <p:nvPr/>
-      </p:nvGrpSpPr>
-      <p:grpSpPr>
-        <a:xfrm>
-          <a:off x="0" y="0"/>
-          <a:ext cx="0" cy="0"/>
-          <a:chOff x="0" y="0"/>
-          <a:chExt cx="0" cy="0"/>
-        </a:xfrm>
-      </p:grpSpPr>
-      <p:sp>
-        <p:nvSpPr>
-          <p:cNvPr id="2" name="Slide Image Placeholder 1"/>
-          <p:cNvSpPr>
-            <a:spLocks noGrp="1" noRot="1" noChangeAspect="1"/>
-          </p:cNvSpPr>
-          <p:nvPr>
-            <p:ph type="sldImg"/>
-          </p:nvPr>
-        </p:nvSpPr>
-        <p:spPr>
-          <a:xfrm>
-            <a:off x="381000" y="685800"/>
-            <a:ext cx="6096000" cy="3429000"/>
-          </a:xfrm>
-        </p:spPr>
-      </p:sp>
-      <p:sp>
-        <p:nvSpPr>
-          <p:cNvPr id="3" name="Notes Placeholder 2"/>
-          <p:cNvSpPr>
-            <a:spLocks noGrp="1"/>
-          </p:cNvSpPr>
-          <p:nvPr>
-            <p:ph type="body" idx="1"/>
-          </p:nvPr>
-        </p:nvSpPr>
-        <p:spPr/>
-        <p:txBody>
-          <a:bodyPr/>
-          <a:lstStyle/>
-          <a:p>
-            <a:r>
-              <a:rPr lang="en-US" dirty="0" smtClean="0"/>
-              <a:t>https://d2l.ai/chapter_computational-performance/async-computation.html</a:t>
-            </a:r>
-            <a:endParaRPr lang="en-US" dirty="0"/>
-          </a:p>
-        </p:txBody>
-      </p:sp>
-    </p:spTree>
-    <p:extLst>
-      <p:ext uri="{BB962C8B-B14F-4D97-AF65-F5344CB8AC3E}">
-        <p14:creationId xmlns:p14="http://schemas.microsoft.com/office/powerpoint/2010/main" val="173991605"/>
-      </p:ext>
-    </p:extLst>
-  </p:cSld>
-  <p:clrMapOvr>
-    <a:masterClrMapping/>
-  </p:clrMapOvr>
-</p:notes>
-</file>
-
-<file path=ppt/notesSlides/notesSlide13.xml><?xml version="1.0" encoding="utf-8"?>
-<p:notes xmlns:a="http://schemas.openxmlformats.org/drawingml/2006/main" xmlns:r="http://schemas.openxmlformats.org/officeDocument/2006/relationships" xmlns:p="http://schemas.openxmlformats.org/presentationml/2006/main" showMasterSp="0" showMasterPhAnim="0">
-  <p:cSld>
-    <p:spTree>
-      <p:nvGrpSpPr>
-        <p:cNvPr id="1" name="Shape 83"/>
-        <p:cNvGrpSpPr/>
-        <p:nvPr/>
-      </p:nvGrpSpPr>
-      <p:grpSpPr>
-        <a:xfrm>
-          <a:off x="0" y="0"/>
-          <a:ext cx="0" cy="0"/>
-          <a:chOff x="0" y="0"/>
-          <a:chExt cx="0" cy="0"/>
-        </a:xfrm>
-      </p:grpSpPr>
-      <p:sp>
-        <p:nvSpPr>
-          <p:cNvPr id="84" name="Google Shape;84;g112c5be6094_0_47:notes"/>
+          <p:cNvPr id="90" name="Google Shape;90;g112c5be6094_0_52:notes"/>
           <p:cNvSpPr>
             <a:spLocks noGrp="1" noRot="1" noChangeAspect="1"/>
           </p:cNvSpPr>
@@ -1105,7 +903,7 @@
       </p:sp>
       <p:sp>
         <p:nvSpPr>
-          <p:cNvPr id="85" name="Google Shape;85;g112c5be6094_0_47:notes"/>
+          <p:cNvPr id="91" name="Google Shape;91;g112c5be6094_0_52:notes"/>
           <p:cNvSpPr txBox="1">
             <a:spLocks noGrp="1"/>
           </p:cNvSpPr>
@@ -1137,11 +935,7 @@
               </a:spcAft>
               <a:buNone/>
             </a:pPr>
-            <a:r>
-              <a:rPr lang="en-US" dirty="0" smtClean="0"/>
-              <a:t>https://scikit-learn.org/stable/modules/cross_validation.html</a:t>
-            </a:r>
-            <a:endParaRPr dirty="0"/>
+            <a:endParaRPr/>
           </a:p>
         </p:txBody>
       </p:sp>
@@ -1153,12 +947,12 @@
 </p:notes>
 </file>
 
-<file path=ppt/notesSlides/notesSlide14.xml><?xml version="1.0" encoding="utf-8"?>
+<file path=ppt/notesSlides/notesSlide11.xml><?xml version="1.0" encoding="utf-8"?>
 <p:notes xmlns:a="http://schemas.openxmlformats.org/drawingml/2006/main" xmlns:r="http://schemas.openxmlformats.org/officeDocument/2006/relationships" xmlns:p="http://schemas.openxmlformats.org/presentationml/2006/main" showMasterSp="0" showMasterPhAnim="0">
   <p:cSld>
     <p:spTree>
       <p:nvGrpSpPr>
-        <p:cNvPr id="1" name="Shape 89"/>
+        <p:cNvPr id="1" name="Shape 95"/>
         <p:cNvGrpSpPr/>
         <p:nvPr/>
       </p:nvGrpSpPr>
@@ -1172,7 +966,7 @@
       </p:grpSpPr>
       <p:sp>
         <p:nvSpPr>
-          <p:cNvPr id="90" name="Google Shape;90;g112c5be6094_0_52:notes"/>
+          <p:cNvPr id="96" name="Google Shape;96;g112c5be6094_0_57:notes"/>
           <p:cNvSpPr>
             <a:spLocks noGrp="1" noRot="1" noChangeAspect="1"/>
           </p:cNvSpPr>
@@ -1213,7 +1007,7 @@
       </p:sp>
       <p:sp>
         <p:nvSpPr>
-          <p:cNvPr id="91" name="Google Shape;91;g112c5be6094_0_52:notes"/>
+          <p:cNvPr id="97" name="Google Shape;97;g112c5be6094_0_57:notes"/>
           <p:cNvSpPr txBox="1">
             <a:spLocks noGrp="1"/>
           </p:cNvSpPr>
@@ -1257,12 +1051,12 @@
 </p:notes>
 </file>
 
-<file path=ppt/notesSlides/notesSlide15.xml><?xml version="1.0" encoding="utf-8"?>
+<file path=ppt/notesSlides/notesSlide12.xml><?xml version="1.0" encoding="utf-8"?>
 <p:notes xmlns:a="http://schemas.openxmlformats.org/drawingml/2006/main" xmlns:r="http://schemas.openxmlformats.org/officeDocument/2006/relationships" xmlns:p="http://schemas.openxmlformats.org/presentationml/2006/main" showMasterSp="0" showMasterPhAnim="0">
   <p:cSld>
     <p:spTree>
       <p:nvGrpSpPr>
-        <p:cNvPr id="1" name="Shape 95"/>
+        <p:cNvPr id="1" name="Shape 83"/>
         <p:cNvGrpSpPr/>
         <p:nvPr/>
       </p:nvGrpSpPr>
@@ -1276,7 +1070,7 @@
       </p:grpSpPr>
       <p:sp>
         <p:nvSpPr>
-          <p:cNvPr id="96" name="Google Shape;96;g112c5be6094_0_57:notes"/>
+          <p:cNvPr id="84" name="Google Shape;84;g112c5be6094_0_47:notes"/>
           <p:cNvSpPr>
             <a:spLocks noGrp="1" noRot="1" noChangeAspect="1"/>
           </p:cNvSpPr>
@@ -1317,7 +1111,7 @@
       </p:sp>
       <p:sp>
         <p:nvSpPr>
-          <p:cNvPr id="97" name="Google Shape;97;g112c5be6094_0_57:notes"/>
+          <p:cNvPr id="85" name="Google Shape;85;g112c5be6094_0_47:notes"/>
           <p:cNvSpPr txBox="1">
             <a:spLocks noGrp="1"/>
           </p:cNvSpPr>
@@ -1349,7 +1143,11 @@
               </a:spcAft>
               <a:buNone/>
             </a:pPr>
-            <a:endParaRPr/>
+            <a:r>
+              <a:rPr lang="en-US" dirty="0" smtClean="0"/>
+              <a:t>https://scikit-learn.org/stable/modules/cross_validation.html</a:t>
+            </a:r>
+            <a:endParaRPr dirty="0"/>
           </a:p>
         </p:txBody>
       </p:sp>
@@ -1361,7 +1159,406 @@
 </p:notes>
 </file>
 
+<file path=ppt/notesSlides/notesSlide13.xml><?xml version="1.0" encoding="utf-8"?>
+<p:notes xmlns:a="http://schemas.openxmlformats.org/drawingml/2006/main" xmlns:r="http://schemas.openxmlformats.org/officeDocument/2006/relationships" xmlns:p="http://schemas.openxmlformats.org/presentationml/2006/main">
+  <p:cSld>
+    <p:spTree>
+      <p:nvGrpSpPr>
+        <p:cNvPr id="1" name=""/>
+        <p:cNvGrpSpPr/>
+        <p:nvPr/>
+      </p:nvGrpSpPr>
+      <p:grpSpPr>
+        <a:xfrm>
+          <a:off x="0" y="0"/>
+          <a:ext cx="0" cy="0"/>
+          <a:chOff x="0" y="0"/>
+          <a:chExt cx="0" cy="0"/>
+        </a:xfrm>
+      </p:grpSpPr>
+      <p:sp>
+        <p:nvSpPr>
+          <p:cNvPr id="2" name="Slide Image Placeholder 1"/>
+          <p:cNvSpPr>
+            <a:spLocks noGrp="1" noRot="1" noChangeAspect="1"/>
+          </p:cNvSpPr>
+          <p:nvPr>
+            <p:ph type="sldImg"/>
+          </p:nvPr>
+        </p:nvSpPr>
+        <p:spPr>
+          <a:xfrm>
+            <a:off x="381000" y="685800"/>
+            <a:ext cx="6096000" cy="3429000"/>
+          </a:xfrm>
+        </p:spPr>
+      </p:sp>
+      <p:sp>
+        <p:nvSpPr>
+          <p:cNvPr id="3" name="Notes Placeholder 2"/>
+          <p:cNvSpPr>
+            <a:spLocks noGrp="1"/>
+          </p:cNvSpPr>
+          <p:nvPr>
+            <p:ph type="body" idx="1"/>
+          </p:nvPr>
+        </p:nvSpPr>
+        <p:spPr/>
+        <p:txBody>
+          <a:bodyPr/>
+          <a:lstStyle/>
+          <a:p>
+            <a:r>
+              <a:rPr lang="en-US" dirty="0" smtClean="0"/>
+              <a:t>https://d2l.ai/chapter_optimization/convexity.html</a:t>
+            </a:r>
+            <a:endParaRPr lang="en-US" dirty="0"/>
+          </a:p>
+        </p:txBody>
+      </p:sp>
+      <p:sp>
+        <p:nvSpPr>
+          <p:cNvPr id="4" name="Slide Number Placeholder 3"/>
+          <p:cNvSpPr>
+            <a:spLocks noGrp="1"/>
+          </p:cNvSpPr>
+          <p:nvPr>
+            <p:ph type="sldNum" sz="quarter" idx="10"/>
+          </p:nvPr>
+        </p:nvSpPr>
+        <p:spPr/>
+        <p:txBody>
+          <a:bodyPr/>
+          <a:lstStyle/>
+          <a:p>
+            <a:fld id="{74668BCF-21A2-461F-AAC6-16B7FF9C72B7}" type="slidenum">
+              <a:rPr lang="en-US" smtClean="0"/>
+              <a:t>24</a:t>
+            </a:fld>
+            <a:endParaRPr lang="en-US"/>
+          </a:p>
+        </p:txBody>
+      </p:sp>
+    </p:spTree>
+    <p:extLst>
+      <p:ext uri="{BB962C8B-B14F-4D97-AF65-F5344CB8AC3E}">
+        <p14:creationId xmlns:p14="http://schemas.microsoft.com/office/powerpoint/2010/main" val="4189244502"/>
+      </p:ext>
+    </p:extLst>
+  </p:cSld>
+  <p:clrMapOvr>
+    <a:masterClrMapping/>
+  </p:clrMapOvr>
+</p:notes>
+</file>
+
+<file path=ppt/notesSlides/notesSlide14.xml><?xml version="1.0" encoding="utf-8"?>
+<p:notes xmlns:a="http://schemas.openxmlformats.org/drawingml/2006/main" xmlns:r="http://schemas.openxmlformats.org/officeDocument/2006/relationships" xmlns:p="http://schemas.openxmlformats.org/presentationml/2006/main">
+  <p:cSld>
+    <p:spTree>
+      <p:nvGrpSpPr>
+        <p:cNvPr id="1" name=""/>
+        <p:cNvGrpSpPr/>
+        <p:nvPr/>
+      </p:nvGrpSpPr>
+      <p:grpSpPr>
+        <a:xfrm>
+          <a:off x="0" y="0"/>
+          <a:ext cx="0" cy="0"/>
+          <a:chOff x="0" y="0"/>
+          <a:chExt cx="0" cy="0"/>
+        </a:xfrm>
+      </p:grpSpPr>
+      <p:sp>
+        <p:nvSpPr>
+          <p:cNvPr id="2" name="Slide Image Placeholder 1"/>
+          <p:cNvSpPr>
+            <a:spLocks noGrp="1" noRot="1" noChangeAspect="1"/>
+          </p:cNvSpPr>
+          <p:nvPr>
+            <p:ph type="sldImg"/>
+          </p:nvPr>
+        </p:nvSpPr>
+        <p:spPr>
+          <a:xfrm>
+            <a:off x="381000" y="685800"/>
+            <a:ext cx="6096000" cy="3429000"/>
+          </a:xfrm>
+        </p:spPr>
+      </p:sp>
+      <p:sp>
+        <p:nvSpPr>
+          <p:cNvPr id="3" name="Notes Placeholder 2"/>
+          <p:cNvSpPr>
+            <a:spLocks noGrp="1"/>
+          </p:cNvSpPr>
+          <p:nvPr>
+            <p:ph type="body" idx="1"/>
+          </p:nvPr>
+        </p:nvSpPr>
+        <p:spPr/>
+        <p:txBody>
+          <a:bodyPr/>
+          <a:lstStyle/>
+          <a:p>
+            <a:r>
+              <a:rPr lang="en-US" dirty="0" smtClean="0"/>
+              <a:t>https://d2l.ai/chapter_optimization/momentum.html</a:t>
+            </a:r>
+            <a:endParaRPr lang="en-US" dirty="0"/>
+          </a:p>
+        </p:txBody>
+      </p:sp>
+      <p:sp>
+        <p:nvSpPr>
+          <p:cNvPr id="4" name="Slide Number Placeholder 3"/>
+          <p:cNvSpPr>
+            <a:spLocks noGrp="1"/>
+          </p:cNvSpPr>
+          <p:nvPr>
+            <p:ph type="sldNum" sz="quarter" idx="10"/>
+          </p:nvPr>
+        </p:nvSpPr>
+        <p:spPr/>
+        <p:txBody>
+          <a:bodyPr/>
+          <a:lstStyle/>
+          <a:p>
+            <a:fld id="{74668BCF-21A2-461F-AAC6-16B7FF9C72B7}" type="slidenum">
+              <a:rPr lang="en-US" smtClean="0"/>
+              <a:t>26</a:t>
+            </a:fld>
+            <a:endParaRPr lang="en-US"/>
+          </a:p>
+        </p:txBody>
+      </p:sp>
+    </p:spTree>
+    <p:extLst>
+      <p:ext uri="{BB962C8B-B14F-4D97-AF65-F5344CB8AC3E}">
+        <p14:creationId xmlns:p14="http://schemas.microsoft.com/office/powerpoint/2010/main" val="3336622898"/>
+      </p:ext>
+    </p:extLst>
+  </p:cSld>
+  <p:clrMapOvr>
+    <a:masterClrMapping/>
+  </p:clrMapOvr>
+</p:notes>
+</file>
+
+<file path=ppt/notesSlides/notesSlide15.xml><?xml version="1.0" encoding="utf-8"?>
+<p:notes xmlns:a="http://schemas.openxmlformats.org/drawingml/2006/main" xmlns:r="http://schemas.openxmlformats.org/officeDocument/2006/relationships" xmlns:p="http://schemas.openxmlformats.org/presentationml/2006/main">
+  <p:cSld>
+    <p:spTree>
+      <p:nvGrpSpPr>
+        <p:cNvPr id="1" name=""/>
+        <p:cNvGrpSpPr/>
+        <p:nvPr/>
+      </p:nvGrpSpPr>
+      <p:grpSpPr>
+        <a:xfrm>
+          <a:off x="0" y="0"/>
+          <a:ext cx="0" cy="0"/>
+          <a:chOff x="0" y="0"/>
+          <a:chExt cx="0" cy="0"/>
+        </a:xfrm>
+      </p:grpSpPr>
+      <p:sp>
+        <p:nvSpPr>
+          <p:cNvPr id="2" name="Slide Image Placeholder 1"/>
+          <p:cNvSpPr>
+            <a:spLocks noGrp="1" noRot="1" noChangeAspect="1"/>
+          </p:cNvSpPr>
+          <p:nvPr>
+            <p:ph type="sldImg"/>
+          </p:nvPr>
+        </p:nvSpPr>
+        <p:spPr>
+          <a:xfrm>
+            <a:off x="381000" y="685800"/>
+            <a:ext cx="6096000" cy="3429000"/>
+          </a:xfrm>
+        </p:spPr>
+      </p:sp>
+      <p:sp>
+        <p:nvSpPr>
+          <p:cNvPr id="3" name="Notes Placeholder 2"/>
+          <p:cNvSpPr>
+            <a:spLocks noGrp="1"/>
+          </p:cNvSpPr>
+          <p:nvPr>
+            <p:ph type="body" idx="1"/>
+          </p:nvPr>
+        </p:nvSpPr>
+        <p:spPr/>
+        <p:txBody>
+          <a:bodyPr/>
+          <a:lstStyle/>
+          <a:p>
+            <a:pPr marL="158750" indent="0">
+              <a:buNone/>
+            </a:pPr>
+            <a:r>
+              <a:rPr lang="en-US" dirty="0" smtClean="0"/>
+              <a:t>https://d2l.ai/chapter_multilayer-perceptrons/numerical-stability-and-init.html</a:t>
+            </a:r>
+            <a:endParaRPr lang="en-US" dirty="0"/>
+          </a:p>
+        </p:txBody>
+      </p:sp>
+    </p:spTree>
+    <p:extLst>
+      <p:ext uri="{BB962C8B-B14F-4D97-AF65-F5344CB8AC3E}">
+        <p14:creationId xmlns:p14="http://schemas.microsoft.com/office/powerpoint/2010/main" val="3264462187"/>
+      </p:ext>
+    </p:extLst>
+  </p:cSld>
+  <p:clrMapOvr>
+    <a:masterClrMapping/>
+  </p:clrMapOvr>
+</p:notes>
+</file>
+
 <file path=ppt/notesSlides/notesSlide16.xml><?xml version="1.0" encoding="utf-8"?>
+<p:notes xmlns:a="http://schemas.openxmlformats.org/drawingml/2006/main" xmlns:r="http://schemas.openxmlformats.org/officeDocument/2006/relationships" xmlns:p="http://schemas.openxmlformats.org/presentationml/2006/main">
+  <p:cSld>
+    <p:spTree>
+      <p:nvGrpSpPr>
+        <p:cNvPr id="1" name=""/>
+        <p:cNvGrpSpPr/>
+        <p:nvPr/>
+      </p:nvGrpSpPr>
+      <p:grpSpPr>
+        <a:xfrm>
+          <a:off x="0" y="0"/>
+          <a:ext cx="0" cy="0"/>
+          <a:chOff x="0" y="0"/>
+          <a:chExt cx="0" cy="0"/>
+        </a:xfrm>
+      </p:grpSpPr>
+      <p:sp>
+        <p:nvSpPr>
+          <p:cNvPr id="2" name="Slide Image Placeholder 1"/>
+          <p:cNvSpPr>
+            <a:spLocks noGrp="1" noRot="1" noChangeAspect="1"/>
+          </p:cNvSpPr>
+          <p:nvPr>
+            <p:ph type="sldImg"/>
+          </p:nvPr>
+        </p:nvSpPr>
+        <p:spPr>
+          <a:xfrm>
+            <a:off x="381000" y="685800"/>
+            <a:ext cx="6096000" cy="3429000"/>
+          </a:xfrm>
+        </p:spPr>
+      </p:sp>
+      <p:sp>
+        <p:nvSpPr>
+          <p:cNvPr id="3" name="Notes Placeholder 2"/>
+          <p:cNvSpPr>
+            <a:spLocks noGrp="1"/>
+          </p:cNvSpPr>
+          <p:nvPr>
+            <p:ph type="body" idx="1"/>
+          </p:nvPr>
+        </p:nvSpPr>
+        <p:spPr/>
+        <p:txBody>
+          <a:bodyPr/>
+          <a:lstStyle/>
+          <a:p>
+            <a:r>
+              <a:rPr lang="en-US" dirty="0" smtClean="0"/>
+              <a:t>https://d2l.ai/chapter_multilayer-perceptrons/environment.html </a:t>
+            </a:r>
+            <a:endParaRPr lang="en-US" dirty="0"/>
+          </a:p>
+        </p:txBody>
+      </p:sp>
+    </p:spTree>
+    <p:extLst>
+      <p:ext uri="{BB962C8B-B14F-4D97-AF65-F5344CB8AC3E}">
+        <p14:creationId xmlns:p14="http://schemas.microsoft.com/office/powerpoint/2010/main" val="3967434164"/>
+      </p:ext>
+    </p:extLst>
+  </p:cSld>
+  <p:clrMapOvr>
+    <a:masterClrMapping/>
+  </p:clrMapOvr>
+</p:notes>
+</file>
+
+<file path=ppt/notesSlides/notesSlide17.xml><?xml version="1.0" encoding="utf-8"?>
+<p:notes xmlns:a="http://schemas.openxmlformats.org/drawingml/2006/main" xmlns:r="http://schemas.openxmlformats.org/officeDocument/2006/relationships" xmlns:p="http://schemas.openxmlformats.org/presentationml/2006/main">
+  <p:cSld>
+    <p:spTree>
+      <p:nvGrpSpPr>
+        <p:cNvPr id="1" name=""/>
+        <p:cNvGrpSpPr/>
+        <p:nvPr/>
+      </p:nvGrpSpPr>
+      <p:grpSpPr>
+        <a:xfrm>
+          <a:off x="0" y="0"/>
+          <a:ext cx="0" cy="0"/>
+          <a:chOff x="0" y="0"/>
+          <a:chExt cx="0" cy="0"/>
+        </a:xfrm>
+      </p:grpSpPr>
+      <p:sp>
+        <p:nvSpPr>
+          <p:cNvPr id="2" name="Slide Image Placeholder 1"/>
+          <p:cNvSpPr>
+            <a:spLocks noGrp="1" noRot="1" noChangeAspect="1"/>
+          </p:cNvSpPr>
+          <p:nvPr>
+            <p:ph type="sldImg"/>
+          </p:nvPr>
+        </p:nvSpPr>
+        <p:spPr>
+          <a:xfrm>
+            <a:off x="381000" y="685800"/>
+            <a:ext cx="6096000" cy="3429000"/>
+          </a:xfrm>
+        </p:spPr>
+      </p:sp>
+      <p:sp>
+        <p:nvSpPr>
+          <p:cNvPr id="3" name="Notes Placeholder 2"/>
+          <p:cNvSpPr>
+            <a:spLocks noGrp="1"/>
+          </p:cNvSpPr>
+          <p:nvPr>
+            <p:ph type="body" idx="1"/>
+          </p:nvPr>
+        </p:nvSpPr>
+        <p:spPr/>
+        <p:txBody>
+          <a:bodyPr/>
+          <a:lstStyle/>
+          <a:p>
+            <a:r>
+              <a:rPr lang="en-US" dirty="0" smtClean="0"/>
+              <a:t>https://d2l.ai/chapter_computational-performance/async-computation.html</a:t>
+            </a:r>
+            <a:endParaRPr lang="en-US" dirty="0"/>
+          </a:p>
+        </p:txBody>
+      </p:sp>
+    </p:spTree>
+    <p:extLst>
+      <p:ext uri="{BB962C8B-B14F-4D97-AF65-F5344CB8AC3E}">
+        <p14:creationId xmlns:p14="http://schemas.microsoft.com/office/powerpoint/2010/main" val="173991605"/>
+      </p:ext>
+    </p:extLst>
+  </p:cSld>
+  <p:clrMapOvr>
+    <a:masterClrMapping/>
+  </p:clrMapOvr>
+</p:notes>
+</file>
+
+<file path=ppt/notesSlides/notesSlide18.xml><?xml version="1.0" encoding="utf-8"?>
 <p:notes xmlns:a="http://schemas.openxmlformats.org/drawingml/2006/main" xmlns:r="http://schemas.openxmlformats.org/officeDocument/2006/relationships" xmlns:p="http://schemas.openxmlformats.org/presentationml/2006/main" showMasterSp="0" showMasterPhAnim="0">
   <p:cSld>
     <p:spTree>
@@ -1465,7 +1662,7 @@
 </p:notes>
 </file>
 
-<file path=ppt/notesSlides/notesSlide17.xml><?xml version="1.0" encoding="utf-8"?>
+<file path=ppt/notesSlides/notesSlide19.xml><?xml version="1.0" encoding="utf-8"?>
 <p:notes xmlns:a="http://schemas.openxmlformats.org/drawingml/2006/main" xmlns:r="http://schemas.openxmlformats.org/officeDocument/2006/relationships" xmlns:p="http://schemas.openxmlformats.org/presentationml/2006/main" showMasterSp="0" showMasterPhAnim="0">
   <p:cSld>
     <p:spTree>
@@ -1565,223 +1762,6 @@
     <p:extLst>
       <p:ext uri="{BB962C8B-B14F-4D97-AF65-F5344CB8AC3E}">
         <p14:creationId xmlns:p14="http://schemas.microsoft.com/office/powerpoint/2010/main" val="4288741051"/>
-      </p:ext>
-    </p:extLst>
-  </p:cSld>
-  <p:clrMapOvr>
-    <a:masterClrMapping/>
-  </p:clrMapOvr>
-</p:notes>
-</file>
-
-<file path=ppt/notesSlides/notesSlide18.xml><?xml version="1.0" encoding="utf-8"?>
-<p:notes xmlns:a="http://schemas.openxmlformats.org/drawingml/2006/main" xmlns:r="http://schemas.openxmlformats.org/officeDocument/2006/relationships" xmlns:p="http://schemas.openxmlformats.org/presentationml/2006/main" showMasterSp="0" showMasterPhAnim="0">
-  <p:cSld>
-    <p:spTree>
-      <p:nvGrpSpPr>
-        <p:cNvPr id="1" name="Shape 141"/>
-        <p:cNvGrpSpPr/>
-        <p:nvPr/>
-      </p:nvGrpSpPr>
-      <p:grpSpPr>
-        <a:xfrm>
-          <a:off x="0" y="0"/>
-          <a:ext cx="0" cy="0"/>
-          <a:chOff x="0" y="0"/>
-          <a:chExt cx="0" cy="0"/>
-        </a:xfrm>
-      </p:grpSpPr>
-      <p:sp>
-        <p:nvSpPr>
-          <p:cNvPr id="142" name="Google Shape;142;g112c5be6094_0_72:notes"/>
-          <p:cNvSpPr>
-            <a:spLocks noGrp="1" noRot="1" noChangeAspect="1"/>
-          </p:cNvSpPr>
-          <p:nvPr>
-            <p:ph type="sldImg" idx="2"/>
-          </p:nvPr>
-        </p:nvSpPr>
-        <p:spPr>
-          <a:xfrm>
-            <a:off x="381000" y="685800"/>
-            <a:ext cx="6096000" cy="3429000"/>
-          </a:xfrm>
-          <a:custGeom>
-            <a:avLst/>
-            <a:gdLst/>
-            <a:ahLst/>
-            <a:cxnLst/>
-            <a:rect l="l" t="t" r="r" b="b"/>
-            <a:pathLst>
-              <a:path w="120000" h="120000" extrusionOk="0">
-                <a:moveTo>
-                  <a:pt x="0" y="0"/>
-                </a:moveTo>
-                <a:lnTo>
-                  <a:pt x="120000" y="0"/>
-                </a:lnTo>
-                <a:lnTo>
-                  <a:pt x="120000" y="120000"/>
-                </a:lnTo>
-                <a:lnTo>
-                  <a:pt x="0" y="120000"/>
-                </a:lnTo>
-                <a:close/>
-              </a:path>
-            </a:pathLst>
-          </a:custGeom>
-        </p:spPr>
-      </p:sp>
-      <p:sp>
-        <p:nvSpPr>
-          <p:cNvPr id="143" name="Google Shape;143;g112c5be6094_0_72:notes"/>
-          <p:cNvSpPr txBox="1">
-            <a:spLocks noGrp="1"/>
-          </p:cNvSpPr>
-          <p:nvPr>
-            <p:ph type="body" idx="1"/>
-          </p:nvPr>
-        </p:nvSpPr>
-        <p:spPr>
-          <a:xfrm>
-            <a:off x="685800" y="4343400"/>
-            <a:ext cx="5486400" cy="4114800"/>
-          </a:xfrm>
-          <a:prstGeom prst="rect">
-            <a:avLst/>
-          </a:prstGeom>
-        </p:spPr>
-        <p:txBody>
-          <a:bodyPr spcFirstLastPara="1" wrap="square" lIns="91425" tIns="91425" rIns="91425" bIns="91425" anchor="t" anchorCtr="0">
-            <a:noAutofit/>
-          </a:bodyPr>
-          <a:lstStyle/>
-          <a:p>
-            <a:pPr marL="0" lvl="0" indent="0" algn="l" rtl="0">
-              <a:spcBef>
-                <a:spcPts val="0"/>
-              </a:spcBef>
-              <a:spcAft>
-                <a:spcPts val="0"/>
-              </a:spcAft>
-              <a:buNone/>
-            </a:pPr>
-            <a:endParaRPr/>
-          </a:p>
-        </p:txBody>
-      </p:sp>
-    </p:spTree>
-  </p:cSld>
-  <p:clrMapOvr>
-    <a:masterClrMapping/>
-  </p:clrMapOvr>
-</p:notes>
-</file>
-
-<file path=ppt/notesSlides/notesSlide19.xml><?xml version="1.0" encoding="utf-8"?>
-<p:notes xmlns:a="http://schemas.openxmlformats.org/drawingml/2006/main" xmlns:r="http://schemas.openxmlformats.org/officeDocument/2006/relationships" xmlns:p="http://schemas.openxmlformats.org/presentationml/2006/main" showMasterSp="0" showMasterPhAnim="0">
-  <p:cSld>
-    <p:spTree>
-      <p:nvGrpSpPr>
-        <p:cNvPr id="1" name="Shape 141"/>
-        <p:cNvGrpSpPr/>
-        <p:nvPr/>
-      </p:nvGrpSpPr>
-      <p:grpSpPr>
-        <a:xfrm>
-          <a:off x="0" y="0"/>
-          <a:ext cx="0" cy="0"/>
-          <a:chOff x="0" y="0"/>
-          <a:chExt cx="0" cy="0"/>
-        </a:xfrm>
-      </p:grpSpPr>
-      <p:sp>
-        <p:nvSpPr>
-          <p:cNvPr id="142" name="Google Shape;142;g112c5be6094_0_72:notes"/>
-          <p:cNvSpPr>
-            <a:spLocks noGrp="1" noRot="1" noChangeAspect="1"/>
-          </p:cNvSpPr>
-          <p:nvPr>
-            <p:ph type="sldImg" idx="2"/>
-          </p:nvPr>
-        </p:nvSpPr>
-        <p:spPr>
-          <a:xfrm>
-            <a:off x="381000" y="685800"/>
-            <a:ext cx="6096000" cy="3429000"/>
-          </a:xfrm>
-          <a:custGeom>
-            <a:avLst/>
-            <a:gdLst/>
-            <a:ahLst/>
-            <a:cxnLst/>
-            <a:rect l="l" t="t" r="r" b="b"/>
-            <a:pathLst>
-              <a:path w="120000" h="120000" extrusionOk="0">
-                <a:moveTo>
-                  <a:pt x="0" y="0"/>
-                </a:moveTo>
-                <a:lnTo>
-                  <a:pt x="120000" y="0"/>
-                </a:lnTo>
-                <a:lnTo>
-                  <a:pt x="120000" y="120000"/>
-                </a:lnTo>
-                <a:lnTo>
-                  <a:pt x="0" y="120000"/>
-                </a:lnTo>
-                <a:close/>
-              </a:path>
-            </a:pathLst>
-          </a:custGeom>
-        </p:spPr>
-      </p:sp>
-      <p:sp>
-        <p:nvSpPr>
-          <p:cNvPr id="143" name="Google Shape;143;g112c5be6094_0_72:notes"/>
-          <p:cNvSpPr txBox="1">
-            <a:spLocks noGrp="1"/>
-          </p:cNvSpPr>
-          <p:nvPr>
-            <p:ph type="body" idx="1"/>
-          </p:nvPr>
-        </p:nvSpPr>
-        <p:spPr>
-          <a:xfrm>
-            <a:off x="685800" y="4343400"/>
-            <a:ext cx="5486400" cy="4114800"/>
-          </a:xfrm>
-          <a:prstGeom prst="rect">
-            <a:avLst/>
-          </a:prstGeom>
-        </p:spPr>
-        <p:txBody>
-          <a:bodyPr spcFirstLastPara="1" wrap="square" lIns="91425" tIns="91425" rIns="91425" bIns="91425" anchor="t" anchorCtr="0">
-            <a:noAutofit/>
-          </a:bodyPr>
-          <a:lstStyle/>
-          <a:p>
-            <a:pPr marL="0" lvl="0" indent="0" algn="l" rtl="0">
-              <a:spcBef>
-                <a:spcPts val="0"/>
-              </a:spcBef>
-              <a:spcAft>
-                <a:spcPts val="0"/>
-              </a:spcAft>
-              <a:buNone/>
-            </a:pPr>
-            <a:r>
-              <a:rPr lang="en-US" dirty="0" smtClean="0"/>
-              <a:t>https://towardsdatascience.com/the-vanishing-exploding-gradient-problem-in-deep-neural-networks-191358470c11 </a:t>
-            </a:r>
-            <a:endParaRPr dirty="0"/>
-          </a:p>
-        </p:txBody>
-      </p:sp>
-    </p:spTree>
-    <p:extLst>
-      <p:ext uri="{BB962C8B-B14F-4D97-AF65-F5344CB8AC3E}">
-        <p14:creationId xmlns:p14="http://schemas.microsoft.com/office/powerpoint/2010/main" val="392189878"/>
       </p:ext>
     </p:extLst>
   </p:cSld>
@@ -1893,6 +1873,223 @@
     <p:extLst>
       <p:ext uri="{BB962C8B-B14F-4D97-AF65-F5344CB8AC3E}">
         <p14:creationId xmlns:p14="http://schemas.microsoft.com/office/powerpoint/2010/main" val="1532246457"/>
+      </p:ext>
+    </p:extLst>
+  </p:cSld>
+  <p:clrMapOvr>
+    <a:masterClrMapping/>
+  </p:clrMapOvr>
+</p:notes>
+</file>
+
+<file path=ppt/notesSlides/notesSlide20.xml><?xml version="1.0" encoding="utf-8"?>
+<p:notes xmlns:a="http://schemas.openxmlformats.org/drawingml/2006/main" xmlns:r="http://schemas.openxmlformats.org/officeDocument/2006/relationships" xmlns:p="http://schemas.openxmlformats.org/presentationml/2006/main" showMasterSp="0" showMasterPhAnim="0">
+  <p:cSld>
+    <p:spTree>
+      <p:nvGrpSpPr>
+        <p:cNvPr id="1" name="Shape 141"/>
+        <p:cNvGrpSpPr/>
+        <p:nvPr/>
+      </p:nvGrpSpPr>
+      <p:grpSpPr>
+        <a:xfrm>
+          <a:off x="0" y="0"/>
+          <a:ext cx="0" cy="0"/>
+          <a:chOff x="0" y="0"/>
+          <a:chExt cx="0" cy="0"/>
+        </a:xfrm>
+      </p:grpSpPr>
+      <p:sp>
+        <p:nvSpPr>
+          <p:cNvPr id="142" name="Google Shape;142;g112c5be6094_0_72:notes"/>
+          <p:cNvSpPr>
+            <a:spLocks noGrp="1" noRot="1" noChangeAspect="1"/>
+          </p:cNvSpPr>
+          <p:nvPr>
+            <p:ph type="sldImg" idx="2"/>
+          </p:nvPr>
+        </p:nvSpPr>
+        <p:spPr>
+          <a:xfrm>
+            <a:off x="381000" y="685800"/>
+            <a:ext cx="6096000" cy="3429000"/>
+          </a:xfrm>
+          <a:custGeom>
+            <a:avLst/>
+            <a:gdLst/>
+            <a:ahLst/>
+            <a:cxnLst/>
+            <a:rect l="l" t="t" r="r" b="b"/>
+            <a:pathLst>
+              <a:path w="120000" h="120000" extrusionOk="0">
+                <a:moveTo>
+                  <a:pt x="0" y="0"/>
+                </a:moveTo>
+                <a:lnTo>
+                  <a:pt x="120000" y="0"/>
+                </a:lnTo>
+                <a:lnTo>
+                  <a:pt x="120000" y="120000"/>
+                </a:lnTo>
+                <a:lnTo>
+                  <a:pt x="0" y="120000"/>
+                </a:lnTo>
+                <a:close/>
+              </a:path>
+            </a:pathLst>
+          </a:custGeom>
+        </p:spPr>
+      </p:sp>
+      <p:sp>
+        <p:nvSpPr>
+          <p:cNvPr id="143" name="Google Shape;143;g112c5be6094_0_72:notes"/>
+          <p:cNvSpPr txBox="1">
+            <a:spLocks noGrp="1"/>
+          </p:cNvSpPr>
+          <p:nvPr>
+            <p:ph type="body" idx="1"/>
+          </p:nvPr>
+        </p:nvSpPr>
+        <p:spPr>
+          <a:xfrm>
+            <a:off x="685800" y="4343400"/>
+            <a:ext cx="5486400" cy="4114800"/>
+          </a:xfrm>
+          <a:prstGeom prst="rect">
+            <a:avLst/>
+          </a:prstGeom>
+        </p:spPr>
+        <p:txBody>
+          <a:bodyPr spcFirstLastPara="1" wrap="square" lIns="91425" tIns="91425" rIns="91425" bIns="91425" anchor="t" anchorCtr="0">
+            <a:noAutofit/>
+          </a:bodyPr>
+          <a:lstStyle/>
+          <a:p>
+            <a:pPr marL="0" lvl="0" indent="0" algn="l" rtl="0">
+              <a:spcBef>
+                <a:spcPts val="0"/>
+              </a:spcBef>
+              <a:spcAft>
+                <a:spcPts val="0"/>
+              </a:spcAft>
+              <a:buNone/>
+            </a:pPr>
+            <a:endParaRPr/>
+          </a:p>
+        </p:txBody>
+      </p:sp>
+    </p:spTree>
+  </p:cSld>
+  <p:clrMapOvr>
+    <a:masterClrMapping/>
+  </p:clrMapOvr>
+</p:notes>
+</file>
+
+<file path=ppt/notesSlides/notesSlide21.xml><?xml version="1.0" encoding="utf-8"?>
+<p:notes xmlns:a="http://schemas.openxmlformats.org/drawingml/2006/main" xmlns:r="http://schemas.openxmlformats.org/officeDocument/2006/relationships" xmlns:p="http://schemas.openxmlformats.org/presentationml/2006/main" showMasterSp="0" showMasterPhAnim="0">
+  <p:cSld>
+    <p:spTree>
+      <p:nvGrpSpPr>
+        <p:cNvPr id="1" name="Shape 141"/>
+        <p:cNvGrpSpPr/>
+        <p:nvPr/>
+      </p:nvGrpSpPr>
+      <p:grpSpPr>
+        <a:xfrm>
+          <a:off x="0" y="0"/>
+          <a:ext cx="0" cy="0"/>
+          <a:chOff x="0" y="0"/>
+          <a:chExt cx="0" cy="0"/>
+        </a:xfrm>
+      </p:grpSpPr>
+      <p:sp>
+        <p:nvSpPr>
+          <p:cNvPr id="142" name="Google Shape;142;g112c5be6094_0_72:notes"/>
+          <p:cNvSpPr>
+            <a:spLocks noGrp="1" noRot="1" noChangeAspect="1"/>
+          </p:cNvSpPr>
+          <p:nvPr>
+            <p:ph type="sldImg" idx="2"/>
+          </p:nvPr>
+        </p:nvSpPr>
+        <p:spPr>
+          <a:xfrm>
+            <a:off x="381000" y="685800"/>
+            <a:ext cx="6096000" cy="3429000"/>
+          </a:xfrm>
+          <a:custGeom>
+            <a:avLst/>
+            <a:gdLst/>
+            <a:ahLst/>
+            <a:cxnLst/>
+            <a:rect l="l" t="t" r="r" b="b"/>
+            <a:pathLst>
+              <a:path w="120000" h="120000" extrusionOk="0">
+                <a:moveTo>
+                  <a:pt x="0" y="0"/>
+                </a:moveTo>
+                <a:lnTo>
+                  <a:pt x="120000" y="0"/>
+                </a:lnTo>
+                <a:lnTo>
+                  <a:pt x="120000" y="120000"/>
+                </a:lnTo>
+                <a:lnTo>
+                  <a:pt x="0" y="120000"/>
+                </a:lnTo>
+                <a:close/>
+              </a:path>
+            </a:pathLst>
+          </a:custGeom>
+        </p:spPr>
+      </p:sp>
+      <p:sp>
+        <p:nvSpPr>
+          <p:cNvPr id="143" name="Google Shape;143;g112c5be6094_0_72:notes"/>
+          <p:cNvSpPr txBox="1">
+            <a:spLocks noGrp="1"/>
+          </p:cNvSpPr>
+          <p:nvPr>
+            <p:ph type="body" idx="1"/>
+          </p:nvPr>
+        </p:nvSpPr>
+        <p:spPr>
+          <a:xfrm>
+            <a:off x="685800" y="4343400"/>
+            <a:ext cx="5486400" cy="4114800"/>
+          </a:xfrm>
+          <a:prstGeom prst="rect">
+            <a:avLst/>
+          </a:prstGeom>
+        </p:spPr>
+        <p:txBody>
+          <a:bodyPr spcFirstLastPara="1" wrap="square" lIns="91425" tIns="91425" rIns="91425" bIns="91425" anchor="t" anchorCtr="0">
+            <a:noAutofit/>
+          </a:bodyPr>
+          <a:lstStyle/>
+          <a:p>
+            <a:pPr marL="0" lvl="0" indent="0" algn="l" rtl="0">
+              <a:spcBef>
+                <a:spcPts val="0"/>
+              </a:spcBef>
+              <a:spcAft>
+                <a:spcPts val="0"/>
+              </a:spcAft>
+              <a:buNone/>
+            </a:pPr>
+            <a:r>
+              <a:rPr lang="en-US" dirty="0" smtClean="0"/>
+              <a:t>https://towardsdatascience.com/the-vanishing-exploding-gradient-problem-in-deep-neural-networks-191358470c11 </a:t>
+            </a:r>
+            <a:endParaRPr dirty="0"/>
+          </a:p>
+        </p:txBody>
+      </p:sp>
+    </p:spTree>
+    <p:extLst>
+      <p:ext uri="{BB962C8B-B14F-4D97-AF65-F5344CB8AC3E}">
+        <p14:creationId xmlns:p14="http://schemas.microsoft.com/office/powerpoint/2010/main" val="392189878"/>
       </p:ext>
     </p:extLst>
   </p:cSld>
@@ -3430,6 +3627,422 @@
         </p:txBody>
       </p:sp>
     </p:spTree>
+  </p:cSld>
+  <p:clrMapOvr>
+    <a:masterClrMapping/>
+  </p:clrMapOvr>
+</p:sldLayout>
+</file>
+
+<file path=ppt/slideLayouts/slideLayout12.xml><?xml version="1.0" encoding="utf-8"?>
+<p:sldLayout xmlns:a="http://schemas.openxmlformats.org/drawingml/2006/main" xmlns:r="http://schemas.openxmlformats.org/officeDocument/2006/relationships" xmlns:p="http://schemas.openxmlformats.org/presentationml/2006/main" type="secHead">
+  <p:cSld name="1_Section Header">
+    <p:spTree>
+      <p:nvGrpSpPr>
+        <p:cNvPr id="1" name=""/>
+        <p:cNvGrpSpPr/>
+        <p:nvPr/>
+      </p:nvGrpSpPr>
+      <p:grpSpPr>
+        <a:xfrm>
+          <a:off x="0" y="0"/>
+          <a:ext cx="0" cy="0"/>
+          <a:chOff x="0" y="0"/>
+          <a:chExt cx="0" cy="0"/>
+        </a:xfrm>
+      </p:grpSpPr>
+      <p:sp>
+        <p:nvSpPr>
+          <p:cNvPr id="2" name="Title 1"/>
+          <p:cNvSpPr>
+            <a:spLocks noGrp="1"/>
+          </p:cNvSpPr>
+          <p:nvPr>
+            <p:ph type="title"/>
+          </p:nvPr>
+        </p:nvSpPr>
+        <p:spPr>
+          <a:xfrm>
+            <a:off x="623888" y="1282304"/>
+            <a:ext cx="7886700" cy="2139553"/>
+          </a:xfrm>
+        </p:spPr>
+        <p:txBody>
+          <a:bodyPr anchor="b"/>
+          <a:lstStyle>
+            <a:lvl1pPr>
+              <a:defRPr sz="4500"/>
+            </a:lvl1pPr>
+          </a:lstStyle>
+          <a:p>
+            <a:r>
+              <a:rPr lang="en-US" smtClean="0"/>
+              <a:t>Click to edit Master title style</a:t>
+            </a:r>
+            <a:endParaRPr lang="en-US"/>
+          </a:p>
+        </p:txBody>
+      </p:sp>
+      <p:sp>
+        <p:nvSpPr>
+          <p:cNvPr id="3" name="Text Placeholder 2"/>
+          <p:cNvSpPr>
+            <a:spLocks noGrp="1"/>
+          </p:cNvSpPr>
+          <p:nvPr>
+            <p:ph type="body" idx="1"/>
+          </p:nvPr>
+        </p:nvSpPr>
+        <p:spPr>
+          <a:xfrm>
+            <a:off x="623888" y="3442098"/>
+            <a:ext cx="7886700" cy="1125140"/>
+          </a:xfrm>
+        </p:spPr>
+        <p:txBody>
+          <a:bodyPr/>
+          <a:lstStyle>
+            <a:lvl1pPr marL="0" indent="0">
+              <a:buNone/>
+              <a:defRPr sz="1800">
+                <a:solidFill>
+                  <a:schemeClr val="tx1">
+                    <a:tint val="75000"/>
+                  </a:schemeClr>
+                </a:solidFill>
+              </a:defRPr>
+            </a:lvl1pPr>
+            <a:lvl2pPr marL="342900" indent="0">
+              <a:buNone/>
+              <a:defRPr sz="1500">
+                <a:solidFill>
+                  <a:schemeClr val="tx1">
+                    <a:tint val="75000"/>
+                  </a:schemeClr>
+                </a:solidFill>
+              </a:defRPr>
+            </a:lvl2pPr>
+            <a:lvl3pPr marL="685800" indent="0">
+              <a:buNone/>
+              <a:defRPr sz="1350">
+                <a:solidFill>
+                  <a:schemeClr val="tx1">
+                    <a:tint val="75000"/>
+                  </a:schemeClr>
+                </a:solidFill>
+              </a:defRPr>
+            </a:lvl3pPr>
+            <a:lvl4pPr marL="1028700" indent="0">
+              <a:buNone/>
+              <a:defRPr sz="1200">
+                <a:solidFill>
+                  <a:schemeClr val="tx1">
+                    <a:tint val="75000"/>
+                  </a:schemeClr>
+                </a:solidFill>
+              </a:defRPr>
+            </a:lvl4pPr>
+            <a:lvl5pPr marL="1371600" indent="0">
+              <a:buNone/>
+              <a:defRPr sz="1200">
+                <a:solidFill>
+                  <a:schemeClr val="tx1">
+                    <a:tint val="75000"/>
+                  </a:schemeClr>
+                </a:solidFill>
+              </a:defRPr>
+            </a:lvl5pPr>
+            <a:lvl6pPr marL="1714500" indent="0">
+              <a:buNone/>
+              <a:defRPr sz="1200">
+                <a:solidFill>
+                  <a:schemeClr val="tx1">
+                    <a:tint val="75000"/>
+                  </a:schemeClr>
+                </a:solidFill>
+              </a:defRPr>
+            </a:lvl6pPr>
+            <a:lvl7pPr marL="2057400" indent="0">
+              <a:buNone/>
+              <a:defRPr sz="1200">
+                <a:solidFill>
+                  <a:schemeClr val="tx1">
+                    <a:tint val="75000"/>
+                  </a:schemeClr>
+                </a:solidFill>
+              </a:defRPr>
+            </a:lvl7pPr>
+            <a:lvl8pPr marL="2400300" indent="0">
+              <a:buNone/>
+              <a:defRPr sz="1200">
+                <a:solidFill>
+                  <a:schemeClr val="tx1">
+                    <a:tint val="75000"/>
+                  </a:schemeClr>
+                </a:solidFill>
+              </a:defRPr>
+            </a:lvl8pPr>
+            <a:lvl9pPr marL="2743200" indent="0">
+              <a:buNone/>
+              <a:defRPr sz="1200">
+                <a:solidFill>
+                  <a:schemeClr val="tx1">
+                    <a:tint val="75000"/>
+                  </a:schemeClr>
+                </a:solidFill>
+              </a:defRPr>
+            </a:lvl9pPr>
+          </a:lstStyle>
+          <a:p>
+            <a:pPr lvl="0"/>
+            <a:r>
+              <a:rPr lang="en-US" smtClean="0"/>
+              <a:t>Edit Master text styles</a:t>
+            </a:r>
+          </a:p>
+        </p:txBody>
+      </p:sp>
+      <p:sp>
+        <p:nvSpPr>
+          <p:cNvPr id="4" name="Date Placeholder 3"/>
+          <p:cNvSpPr>
+            <a:spLocks noGrp="1"/>
+          </p:cNvSpPr>
+          <p:nvPr>
+            <p:ph type="dt" sz="half" idx="10"/>
+          </p:nvPr>
+        </p:nvSpPr>
+        <p:spPr/>
+        <p:txBody>
+          <a:bodyPr/>
+          <a:lstStyle/>
+          <a:p>
+            <a:fld id="{605F9D8B-F268-4FDC-9177-FD3B20249225}" type="datetimeFigureOut">
+              <a:rPr lang="en-US" smtClean="0"/>
+              <a:t>7/30/2022</a:t>
+            </a:fld>
+            <a:endParaRPr lang="en-US"/>
+          </a:p>
+        </p:txBody>
+      </p:sp>
+      <p:sp>
+        <p:nvSpPr>
+          <p:cNvPr id="5" name="Footer Placeholder 4"/>
+          <p:cNvSpPr>
+            <a:spLocks noGrp="1"/>
+          </p:cNvSpPr>
+          <p:nvPr>
+            <p:ph type="ftr" sz="quarter" idx="11"/>
+          </p:nvPr>
+        </p:nvSpPr>
+        <p:spPr/>
+        <p:txBody>
+          <a:bodyPr/>
+          <a:lstStyle/>
+          <a:p>
+            <a:endParaRPr lang="en-US"/>
+          </a:p>
+        </p:txBody>
+      </p:sp>
+      <p:sp>
+        <p:nvSpPr>
+          <p:cNvPr id="6" name="Slide Number Placeholder 5"/>
+          <p:cNvSpPr>
+            <a:spLocks noGrp="1"/>
+          </p:cNvSpPr>
+          <p:nvPr>
+            <p:ph type="sldNum" sz="quarter" idx="12"/>
+          </p:nvPr>
+        </p:nvSpPr>
+        <p:spPr/>
+        <p:txBody>
+          <a:bodyPr/>
+          <a:lstStyle/>
+          <a:p>
+            <a:fld id="{FFBE8BB3-5EBE-4E2C-838F-71C67BA38A13}" type="slidenum">
+              <a:rPr lang="en-US" smtClean="0"/>
+              <a:t>‹#›</a:t>
+            </a:fld>
+            <a:endParaRPr lang="en-US"/>
+          </a:p>
+        </p:txBody>
+      </p:sp>
+    </p:spTree>
+    <p:extLst>
+      <p:ext uri="{BB962C8B-B14F-4D97-AF65-F5344CB8AC3E}">
+        <p14:creationId xmlns:p14="http://schemas.microsoft.com/office/powerpoint/2010/main" val="1902641637"/>
+      </p:ext>
+    </p:extLst>
+  </p:cSld>
+  <p:clrMapOvr>
+    <a:masterClrMapping/>
+  </p:clrMapOvr>
+</p:sldLayout>
+</file>
+
+<file path=ppt/slideLayouts/slideLayout13.xml><?xml version="1.0" encoding="utf-8"?>
+<p:sldLayout xmlns:a="http://schemas.openxmlformats.org/drawingml/2006/main" xmlns:r="http://schemas.openxmlformats.org/officeDocument/2006/relationships" xmlns:p="http://schemas.openxmlformats.org/presentationml/2006/main" type="obj">
+  <p:cSld name="Title and Content">
+    <p:spTree>
+      <p:nvGrpSpPr>
+        <p:cNvPr id="1" name=""/>
+        <p:cNvGrpSpPr/>
+        <p:nvPr/>
+      </p:nvGrpSpPr>
+      <p:grpSpPr>
+        <a:xfrm>
+          <a:off x="0" y="0"/>
+          <a:ext cx="0" cy="0"/>
+          <a:chOff x="0" y="0"/>
+          <a:chExt cx="0" cy="0"/>
+        </a:xfrm>
+      </p:grpSpPr>
+      <p:sp>
+        <p:nvSpPr>
+          <p:cNvPr id="2" name="Title 1"/>
+          <p:cNvSpPr>
+            <a:spLocks noGrp="1"/>
+          </p:cNvSpPr>
+          <p:nvPr>
+            <p:ph type="title"/>
+          </p:nvPr>
+        </p:nvSpPr>
+        <p:spPr/>
+        <p:txBody>
+          <a:bodyPr/>
+          <a:lstStyle/>
+          <a:p>
+            <a:r>
+              <a:rPr lang="en-US" smtClean="0"/>
+              <a:t>Click to edit Master title style</a:t>
+            </a:r>
+            <a:endParaRPr lang="en-US"/>
+          </a:p>
+        </p:txBody>
+      </p:sp>
+      <p:sp>
+        <p:nvSpPr>
+          <p:cNvPr id="3" name="Content Placeholder 2"/>
+          <p:cNvSpPr>
+            <a:spLocks noGrp="1"/>
+          </p:cNvSpPr>
+          <p:nvPr>
+            <p:ph idx="1"/>
+          </p:nvPr>
+        </p:nvSpPr>
+        <p:spPr/>
+        <p:txBody>
+          <a:bodyPr/>
+          <a:lstStyle/>
+          <a:p>
+            <a:pPr lvl="0"/>
+            <a:r>
+              <a:rPr lang="en-US" smtClean="0"/>
+              <a:t>Edit Master text styles</a:t>
+            </a:r>
+          </a:p>
+          <a:p>
+            <a:pPr lvl="1"/>
+            <a:r>
+              <a:rPr lang="en-US" smtClean="0"/>
+              <a:t>Second level</a:t>
+            </a:r>
+          </a:p>
+          <a:p>
+            <a:pPr lvl="2"/>
+            <a:r>
+              <a:rPr lang="en-US" smtClean="0"/>
+              <a:t>Third level</a:t>
+            </a:r>
+          </a:p>
+          <a:p>
+            <a:pPr lvl="3"/>
+            <a:r>
+              <a:rPr lang="en-US" smtClean="0"/>
+              <a:t>Fourth level</a:t>
+            </a:r>
+          </a:p>
+          <a:p>
+            <a:pPr lvl="4"/>
+            <a:r>
+              <a:rPr lang="en-US" smtClean="0"/>
+              <a:t>Fifth level</a:t>
+            </a:r>
+            <a:endParaRPr lang="en-US"/>
+          </a:p>
+        </p:txBody>
+      </p:sp>
+      <p:sp>
+        <p:nvSpPr>
+          <p:cNvPr id="4" name="Date Placeholder 3"/>
+          <p:cNvSpPr>
+            <a:spLocks noGrp="1"/>
+          </p:cNvSpPr>
+          <p:nvPr>
+            <p:ph type="dt" sz="half" idx="10"/>
+          </p:nvPr>
+        </p:nvSpPr>
+        <p:spPr/>
+        <p:txBody>
+          <a:bodyPr/>
+          <a:lstStyle/>
+          <a:p>
+            <a:fld id="{605F9D8B-F268-4FDC-9177-FD3B20249225}" type="datetimeFigureOut">
+              <a:rPr lang="en-US" smtClean="0"/>
+              <a:t>7/30/2022</a:t>
+            </a:fld>
+            <a:endParaRPr lang="en-US"/>
+          </a:p>
+        </p:txBody>
+      </p:sp>
+      <p:sp>
+        <p:nvSpPr>
+          <p:cNvPr id="5" name="Footer Placeholder 4"/>
+          <p:cNvSpPr>
+            <a:spLocks noGrp="1"/>
+          </p:cNvSpPr>
+          <p:nvPr>
+            <p:ph type="ftr" sz="quarter" idx="11"/>
+          </p:nvPr>
+        </p:nvSpPr>
+        <p:spPr/>
+        <p:txBody>
+          <a:bodyPr/>
+          <a:lstStyle/>
+          <a:p>
+            <a:endParaRPr lang="en-US"/>
+          </a:p>
+        </p:txBody>
+      </p:sp>
+      <p:sp>
+        <p:nvSpPr>
+          <p:cNvPr id="6" name="Slide Number Placeholder 5"/>
+          <p:cNvSpPr>
+            <a:spLocks noGrp="1"/>
+          </p:cNvSpPr>
+          <p:nvPr>
+            <p:ph type="sldNum" sz="quarter" idx="12"/>
+          </p:nvPr>
+        </p:nvSpPr>
+        <p:spPr/>
+        <p:txBody>
+          <a:bodyPr/>
+          <a:lstStyle/>
+          <a:p>
+            <a:fld id="{FFBE8BB3-5EBE-4E2C-838F-71C67BA38A13}" type="slidenum">
+              <a:rPr lang="en-US" smtClean="0"/>
+              <a:t>‹#›</a:t>
+            </a:fld>
+            <a:endParaRPr lang="en-US"/>
+          </a:p>
+        </p:txBody>
+      </p:sp>
+    </p:spTree>
+    <p:extLst>
+      <p:ext uri="{BB962C8B-B14F-4D97-AF65-F5344CB8AC3E}">
+        <p14:creationId xmlns:p14="http://schemas.microsoft.com/office/powerpoint/2010/main" val="2631103544"/>
+      </p:ext>
+    </p:extLst>
   </p:cSld>
   <p:clrMapOvr>
     <a:masterClrMapping/>
@@ -6635,6 +7248,8 @@
     <p:sldLayoutId id="2147483656" r:id="rId9"/>
     <p:sldLayoutId id="2147483657" r:id="rId10"/>
     <p:sldLayoutId id="2147483658" r:id="rId11"/>
+    <p:sldLayoutId id="2147483660" r:id="rId12"/>
+    <p:sldLayoutId id="2147483661" r:id="rId13"/>
   </p:sldLayoutIdLst>
   <p:hf sldNum="0" hdr="0" ftr="0" dt="0"/>
   <p:txStyles>
@@ -8104,15 +8719,7 @@
             </a:r>
             <a:r>
               <a:rPr lang="en-GB" dirty="0" smtClean="0"/>
-              <a:t> </a:t>
-            </a:r>
-            <a:r>
-              <a:rPr lang="en-GB" dirty="0" smtClean="0"/>
-              <a:t>a</a:t>
-            </a:r>
-            <a:r>
-              <a:rPr lang="en-GB" dirty="0" smtClean="0"/>
-              <a:t>ctivation</a:t>
+              <a:t> activation</a:t>
             </a:r>
             <a:endParaRPr dirty="0"/>
           </a:p>
@@ -8940,7 +9547,7 @@
   <p:cSld>
     <p:spTree>
       <p:nvGrpSpPr>
-        <p:cNvPr id="1" name=""/>
+        <p:cNvPr id="1" name="Shape 92"/>
         <p:cNvGrpSpPr/>
         <p:nvPr/>
       </p:nvGrpSpPr>
@@ -8954,162 +9561,125 @@
       </p:grpSpPr>
       <p:sp>
         <p:nvSpPr>
-          <p:cNvPr id="2" name="Title 1"/>
-          <p:cNvSpPr>
+          <p:cNvPr id="93" name="Google Shape;93;p20"/>
+          <p:cNvSpPr txBox="1">
             <a:spLocks noGrp="1"/>
           </p:cNvSpPr>
           <p:nvPr>
             <p:ph type="title"/>
           </p:nvPr>
         </p:nvSpPr>
-        <p:spPr/>
+        <p:spPr>
+          <a:xfrm>
+            <a:off x="311700" y="445025"/>
+            <a:ext cx="8520600" cy="572700"/>
+          </a:xfrm>
+          <a:prstGeom prst="rect">
+            <a:avLst/>
+          </a:prstGeom>
+        </p:spPr>
         <p:txBody>
-          <a:bodyPr>
+          <a:bodyPr spcFirstLastPara="1" wrap="square" lIns="91425" tIns="91425" rIns="91425" bIns="91425" anchor="t" anchorCtr="0">
             <a:normAutofit fontScale="90000"/>
           </a:bodyPr>
           <a:lstStyle/>
           <a:p>
-            <a:r>
-              <a:rPr lang="fr-FR" dirty="0" smtClean="0"/>
-              <a:t>Practice</a:t>
-            </a:r>
-            <a:endParaRPr lang="en-US" dirty="0"/>
+            <a:pPr marL="0" lvl="0" indent="0" algn="l" rtl="0">
+              <a:spcBef>
+                <a:spcPts val="0"/>
+              </a:spcBef>
+              <a:spcAft>
+                <a:spcPts val="0"/>
+              </a:spcAft>
+              <a:buNone/>
+            </a:pPr>
+            <a:r>
+              <a:rPr lang="en-GB" dirty="0" err="1"/>
+              <a:t>Underfit</a:t>
+            </a:r>
+            <a:r>
+              <a:rPr lang="en-GB" dirty="0"/>
+              <a:t> </a:t>
+            </a:r>
+            <a:r>
+              <a:rPr lang="en-GB" dirty="0" err="1" smtClean="0"/>
+              <a:t>và</a:t>
+            </a:r>
+            <a:r>
+              <a:rPr lang="en-GB" dirty="0" smtClean="0"/>
+              <a:t> </a:t>
+            </a:r>
+            <a:r>
+              <a:rPr lang="en-GB" dirty="0" err="1"/>
+              <a:t>overfit</a:t>
+            </a:r>
+            <a:endParaRPr dirty="0"/>
           </a:p>
         </p:txBody>
       </p:sp>
       <p:sp>
         <p:nvSpPr>
-          <p:cNvPr id="3" name="Text Placeholder 2"/>
-          <p:cNvSpPr>
+          <p:cNvPr id="94" name="Google Shape;94;p20"/>
+          <p:cNvSpPr txBox="1">
             <a:spLocks noGrp="1"/>
           </p:cNvSpPr>
           <p:nvPr>
             <p:ph type="body" idx="1"/>
           </p:nvPr>
         </p:nvSpPr>
-        <p:spPr/>
+        <p:spPr>
+          <a:xfrm>
+            <a:off x="311700" y="1152475"/>
+            <a:ext cx="8520600" cy="3416400"/>
+          </a:xfrm>
+          <a:prstGeom prst="rect">
+            <a:avLst/>
+          </a:prstGeom>
+        </p:spPr>
         <p:txBody>
-          <a:bodyPr/>
+          <a:bodyPr spcFirstLastPara="1" wrap="square" lIns="91425" tIns="91425" rIns="91425" bIns="91425" anchor="t" anchorCtr="0">
+            <a:normAutofit/>
+          </a:bodyPr>
           <a:lstStyle/>
           <a:p>
-            <a:r>
-              <a:rPr lang="fr-FR" dirty="0"/>
-              <a:t>Image </a:t>
-            </a:r>
-            <a:r>
-              <a:rPr lang="fr-FR" dirty="0" err="1"/>
-              <a:t>fashion</a:t>
-            </a:r>
-            <a:r>
-              <a:rPr lang="fr-FR" dirty="0"/>
-              <a:t> </a:t>
-            </a:r>
-            <a:r>
-              <a:rPr lang="fr-FR" dirty="0" err="1"/>
-              <a:t>dataset</a:t>
-            </a:r>
-            <a:r>
-              <a:rPr lang="fr-FR" dirty="0"/>
-              <a:t> </a:t>
-            </a:r>
-            <a:r>
-              <a:rPr lang="fr-FR" dirty="0" err="1"/>
-              <a:t>analysis</a:t>
-            </a:r>
-            <a:endParaRPr lang="fr-FR" dirty="0"/>
-          </a:p>
-          <a:p>
-            <a:r>
-              <a:rPr lang="fr-FR" dirty="0" err="1"/>
-              <a:t>Logistic</a:t>
-            </a:r>
-            <a:r>
-              <a:rPr lang="fr-FR" dirty="0"/>
-              <a:t> </a:t>
-            </a:r>
-            <a:r>
-              <a:rPr lang="fr-FR" dirty="0" err="1"/>
-              <a:t>regression</a:t>
-            </a:r>
-            <a:r>
-              <a:rPr lang="fr-FR" dirty="0"/>
-              <a:t> </a:t>
-            </a:r>
-            <a:r>
-              <a:rPr lang="fr-FR" dirty="0" err="1"/>
-              <a:t>with</a:t>
-            </a:r>
-            <a:r>
-              <a:rPr lang="fr-FR" dirty="0"/>
-              <a:t> </a:t>
-            </a:r>
-            <a:r>
-              <a:rPr lang="fr-FR" dirty="0" err="1"/>
-              <a:t>fashion</a:t>
-            </a:r>
-            <a:r>
-              <a:rPr lang="fr-FR" dirty="0"/>
-              <a:t> </a:t>
-            </a:r>
-            <a:r>
-              <a:rPr lang="fr-FR" dirty="0" err="1"/>
-              <a:t>dataset</a:t>
-            </a:r>
-            <a:endParaRPr lang="fr-FR" dirty="0"/>
-          </a:p>
-          <a:p>
-            <a:r>
-              <a:rPr lang="fr-FR" dirty="0" err="1" smtClean="0"/>
-              <a:t>Fashion</a:t>
-            </a:r>
-            <a:r>
-              <a:rPr lang="fr-FR" dirty="0" smtClean="0"/>
-              <a:t> </a:t>
-            </a:r>
-            <a:r>
-              <a:rPr lang="fr-FR" dirty="0" err="1" smtClean="0"/>
-              <a:t>dataset</a:t>
-            </a:r>
-            <a:r>
-              <a:rPr lang="fr-FR" dirty="0" smtClean="0"/>
-              <a:t> </a:t>
-            </a:r>
-            <a:r>
-              <a:rPr lang="fr-FR" dirty="0" err="1" smtClean="0"/>
-              <a:t>with</a:t>
-            </a:r>
-            <a:r>
-              <a:rPr lang="fr-FR" dirty="0" smtClean="0"/>
-              <a:t> MLP</a:t>
-            </a:r>
-          </a:p>
-          <a:p>
-            <a:r>
-              <a:rPr lang="fr-FR" dirty="0" smtClean="0"/>
-              <a:t>TODO: </a:t>
-            </a:r>
-            <a:r>
-              <a:rPr lang="fr-FR" dirty="0" err="1" smtClean="0"/>
-              <a:t>add</a:t>
-            </a:r>
-            <a:r>
-              <a:rPr lang="fr-FR" dirty="0" smtClean="0"/>
-              <a:t> more use case </a:t>
-            </a:r>
-            <a:r>
-              <a:rPr lang="fr-FR" dirty="0" err="1" smtClean="0"/>
-              <a:t>example</a:t>
-            </a:r>
-            <a:endParaRPr lang="fr-FR" dirty="0" smtClean="0"/>
+            <a:pPr marL="0" lvl="0" indent="0" algn="l" rtl="0">
+              <a:spcBef>
+                <a:spcPts val="0"/>
+              </a:spcBef>
+              <a:spcAft>
+                <a:spcPts val="1200"/>
+              </a:spcAft>
+              <a:buNone/>
+            </a:pPr>
+            <a:endParaRPr/>
           </a:p>
         </p:txBody>
       </p:sp>
+      <p:pic>
+        <p:nvPicPr>
+          <p:cNvPr id="2" name="Picture 1"/>
+          <p:cNvPicPr>
+            <a:picLocks noChangeAspect="1"/>
+          </p:cNvPicPr>
+          <p:nvPr/>
+        </p:nvPicPr>
+        <p:blipFill>
+          <a:blip r:embed="rId3"/>
+          <a:stretch>
+            <a:fillRect/>
+          </a:stretch>
+        </p:blipFill>
+        <p:spPr>
+          <a:xfrm>
+            <a:off x="2452481" y="1549450"/>
+            <a:ext cx="4610100" cy="3019425"/>
+          </a:xfrm>
+          <a:prstGeom prst="rect">
+            <a:avLst/>
+          </a:prstGeom>
+        </p:spPr>
+      </p:pic>
     </p:spTree>
-    <p:extLst>
-      <p:ext uri="{BB962C8B-B14F-4D97-AF65-F5344CB8AC3E}">
-        <p14:creationId xmlns:p14="http://schemas.microsoft.com/office/powerpoint/2010/main" val="1162676693"/>
-      </p:ext>
-    </p:extLst>
   </p:cSld>
   <p:clrMapOvr>
     <a:masterClrMapping/>
@@ -9122,7 +9692,7 @@
   <p:cSld>
     <p:spTree>
       <p:nvGrpSpPr>
-        <p:cNvPr id="1" name=""/>
+        <p:cNvPr id="1" name="Shape 98"/>
         <p:cNvGrpSpPr/>
         <p:nvPr/>
       </p:nvGrpSpPr>
@@ -9136,108 +9706,208 @@
       </p:grpSpPr>
       <p:sp>
         <p:nvSpPr>
-          <p:cNvPr id="2" name="Title 1"/>
-          <p:cNvSpPr>
+          <p:cNvPr id="99" name="Google Shape;99;p21"/>
+          <p:cNvSpPr txBox="1">
             <a:spLocks noGrp="1"/>
           </p:cNvSpPr>
           <p:nvPr>
             <p:ph type="title"/>
           </p:nvPr>
         </p:nvSpPr>
-        <p:spPr/>
+        <p:spPr>
+          <a:xfrm>
+            <a:off x="311700" y="445025"/>
+            <a:ext cx="8520600" cy="572700"/>
+          </a:xfrm>
+          <a:prstGeom prst="rect">
+            <a:avLst/>
+          </a:prstGeom>
+        </p:spPr>
         <p:txBody>
-          <a:bodyPr>
+          <a:bodyPr spcFirstLastPara="1" wrap="square" lIns="91425" tIns="91425" rIns="91425" bIns="91425" anchor="t" anchorCtr="0">
             <a:normAutofit fontScale="90000"/>
           </a:bodyPr>
           <a:lstStyle/>
           <a:p>
-            <a:r>
-              <a:rPr lang="en-US" dirty="0" smtClean="0"/>
-              <a:t>Parameter initialization</a:t>
-            </a:r>
-            <a:endParaRPr lang="en-US" dirty="0"/>
+            <a:pPr marL="0" lvl="0" indent="0" algn="l" rtl="0">
+              <a:spcBef>
+                <a:spcPts val="0"/>
+              </a:spcBef>
+              <a:spcAft>
+                <a:spcPts val="0"/>
+              </a:spcAft>
+              <a:buNone/>
+            </a:pPr>
+            <a:r>
+              <a:rPr lang="en-GB"/>
+              <a:t>Regularization</a:t>
+            </a:r>
+            <a:endParaRPr/>
           </a:p>
         </p:txBody>
       </p:sp>
       <p:sp>
         <p:nvSpPr>
-          <p:cNvPr id="3" name="Text Placeholder 2"/>
-          <p:cNvSpPr>
+          <p:cNvPr id="100" name="Google Shape;100;p21"/>
+          <p:cNvSpPr txBox="1">
             <a:spLocks noGrp="1"/>
           </p:cNvSpPr>
           <p:nvPr>
             <p:ph type="body" idx="1"/>
           </p:nvPr>
         </p:nvSpPr>
-        <p:spPr/>
+        <p:spPr>
+          <a:xfrm>
+            <a:off x="311700" y="1152475"/>
+            <a:ext cx="8520600" cy="3416400"/>
+          </a:xfrm>
+          <a:prstGeom prst="rect">
+            <a:avLst/>
+          </a:prstGeom>
+        </p:spPr>
         <p:txBody>
-          <a:bodyPr/>
+          <a:bodyPr spcFirstLastPara="1" wrap="square" lIns="91425" tIns="91425" rIns="91425" bIns="91425" anchor="t" anchorCtr="0">
+            <a:normAutofit/>
+          </a:bodyPr>
           <a:lstStyle/>
           <a:p>
-            <a:r>
-              <a:rPr lang="en-US" dirty="0" smtClean="0"/>
-              <a:t>Default</a:t>
-            </a:r>
-          </a:p>
-          <a:p>
-            <a:endParaRPr lang="en-US" dirty="0"/>
-          </a:p>
-          <a:p>
-            <a:r>
-              <a:rPr lang="en-US" dirty="0" smtClean="0"/>
-              <a:t>Xavier</a:t>
-            </a:r>
-            <a:endParaRPr lang="en-US" dirty="0"/>
+            <a:pPr marL="0" lvl="0" indent="0" algn="l" rtl="0">
+              <a:spcBef>
+                <a:spcPts val="0"/>
+              </a:spcBef>
+              <a:spcAft>
+                <a:spcPts val="1200"/>
+              </a:spcAft>
+              <a:buNone/>
+            </a:pPr>
+            <a:r>
+              <a:rPr lang="en-GB" dirty="0"/>
+              <a:t>Drop </a:t>
+            </a:r>
+            <a:r>
+              <a:rPr lang="en-GB" dirty="0" smtClean="0"/>
+              <a:t>out</a:t>
+            </a:r>
+          </a:p>
+          <a:p>
+            <a:pPr marL="0" lvl="0" indent="0" algn="l" rtl="0">
+              <a:spcBef>
+                <a:spcPts val="0"/>
+              </a:spcBef>
+              <a:spcAft>
+                <a:spcPts val="1200"/>
+              </a:spcAft>
+              <a:buNone/>
+            </a:pPr>
+            <a:endParaRPr lang="en-GB" dirty="0" smtClean="0"/>
+          </a:p>
+          <a:p>
+            <a:pPr marL="0" lvl="0" indent="0" algn="l" rtl="0">
+              <a:spcBef>
+                <a:spcPts val="0"/>
+              </a:spcBef>
+              <a:spcAft>
+                <a:spcPts val="1200"/>
+              </a:spcAft>
+              <a:buNone/>
+            </a:pPr>
+            <a:endParaRPr lang="en-GB" dirty="0"/>
+          </a:p>
+          <a:p>
+            <a:pPr marL="0" lvl="0" indent="0" algn="l" rtl="0">
+              <a:spcBef>
+                <a:spcPts val="0"/>
+              </a:spcBef>
+              <a:spcAft>
+                <a:spcPts val="1200"/>
+              </a:spcAft>
+              <a:buNone/>
+            </a:pPr>
+            <a:endParaRPr lang="en-GB" dirty="0" smtClean="0"/>
+          </a:p>
+          <a:p>
+            <a:pPr marL="0" lvl="0" indent="0" algn="l" rtl="0">
+              <a:spcBef>
+                <a:spcPts val="0"/>
+              </a:spcBef>
+              <a:spcAft>
+                <a:spcPts val="1200"/>
+              </a:spcAft>
+              <a:buNone/>
+            </a:pPr>
+            <a:endParaRPr lang="en-GB" dirty="0"/>
+          </a:p>
+          <a:p>
+            <a:pPr marL="0" lvl="0" indent="0" algn="l" rtl="0">
+              <a:spcBef>
+                <a:spcPts val="0"/>
+              </a:spcBef>
+              <a:spcAft>
+                <a:spcPts val="1200"/>
+              </a:spcAft>
+              <a:buNone/>
+            </a:pPr>
+            <a:r>
+              <a:rPr lang="en-GB" dirty="0" smtClean="0"/>
+              <a:t>Weight decay</a:t>
+            </a:r>
+            <a:endParaRPr dirty="0"/>
           </a:p>
         </p:txBody>
       </p:sp>
       <p:pic>
         <p:nvPicPr>
-          <p:cNvPr id="4" name="Picture 3"/>
+          <p:cNvPr id="2" name="Picture 1"/>
           <p:cNvPicPr>
             <a:picLocks noChangeAspect="1"/>
           </p:cNvPicPr>
           <p:nvPr/>
         </p:nvPicPr>
         <p:blipFill>
-          <a:blip r:embed="rId3">
-            <a:extLst>
-              <a:ext uri="{28A0092B-C50C-407E-A947-70E740481C1C}">
-                <a14:useLocalDpi xmlns:a14="http://schemas.microsoft.com/office/drawing/2010/main" val="0"/>
-              </a:ext>
-            </a:extLst>
-          </a:blip>
+          <a:blip r:embed="rId3"/>
           <a:stretch>
             <a:fillRect/>
           </a:stretch>
         </p:blipFill>
         <p:spPr>
           <a:xfrm>
-            <a:off x="4660793" y="1152475"/>
-            <a:ext cx="3739429" cy="3033092"/>
+            <a:off x="3671887" y="3464242"/>
+            <a:ext cx="1800225" cy="714375"/>
           </a:xfrm>
           <a:prstGeom prst="rect">
             <a:avLst/>
           </a:prstGeom>
         </p:spPr>
       </p:pic>
+      <p:pic>
+        <p:nvPicPr>
+          <p:cNvPr id="3" name="Picture 2"/>
+          <p:cNvPicPr>
+            <a:picLocks noChangeAspect="1"/>
+          </p:cNvPicPr>
+          <p:nvPr/>
+        </p:nvPicPr>
+        <p:blipFill>
+          <a:blip r:embed="rId4"/>
+          <a:stretch>
+            <a:fillRect/>
+          </a:stretch>
+        </p:blipFill>
+        <p:spPr>
+          <a:xfrm>
+            <a:off x="2727007" y="879424"/>
+            <a:ext cx="4504373" cy="1834628"/>
+          </a:xfrm>
+          <a:prstGeom prst="rect">
+            <a:avLst/>
+          </a:prstGeom>
+        </p:spPr>
+      </p:pic>
     </p:spTree>
-    <p:extLst>
-      <p:ext uri="{BB962C8B-B14F-4D97-AF65-F5344CB8AC3E}">
-        <p14:creationId xmlns:p14="http://schemas.microsoft.com/office/powerpoint/2010/main" val="1663670296"/>
-      </p:ext>
-    </p:extLst>
   </p:cSld>
   <p:clrMapOvr>
     <a:masterClrMapping/>
   </p:clrMapOvr>
-  <p:timing>
-    <p:tnLst>
-      <p:par>
-        <p:cTn id="1" dur="indefinite" restart="never" nodeType="tmRoot"/>
-      </p:par>
-    </p:tnLst>
-  </p:timing>
 </p:sld>
 </file>
 
@@ -9281,11 +9951,7 @@
             </a:r>
             <a:r>
               <a:rPr lang="fr-FR" dirty="0" smtClean="0"/>
-              <a:t> </a:t>
-            </a:r>
-            <a:r>
-              <a:rPr lang="fr-FR" dirty="0" smtClean="0"/>
-              <a:t>classification (</a:t>
+              <a:t> classification (</a:t>
             </a:r>
             <a:r>
               <a:rPr lang="fr-FR" dirty="0" err="1" smtClean="0"/>
@@ -9423,204 +10089,6 @@
   <p:cSld>
     <p:spTree>
       <p:nvGrpSpPr>
-        <p:cNvPr id="1" name=""/>
-        <p:cNvGrpSpPr/>
-        <p:nvPr/>
-      </p:nvGrpSpPr>
-      <p:grpSpPr>
-        <a:xfrm>
-          <a:off x="0" y="0"/>
-          <a:ext cx="0" cy="0"/>
-          <a:chOff x="0" y="0"/>
-          <a:chExt cx="0" cy="0"/>
-        </a:xfrm>
-      </p:grpSpPr>
-      <p:sp>
-        <p:nvSpPr>
-          <p:cNvPr id="2" name="Title 1"/>
-          <p:cNvSpPr>
-            <a:spLocks noGrp="1"/>
-          </p:cNvSpPr>
-          <p:nvPr>
-            <p:ph type="title"/>
-          </p:nvPr>
-        </p:nvSpPr>
-        <p:spPr/>
-        <p:txBody>
-          <a:bodyPr>
-            <a:normAutofit fontScale="90000"/>
-          </a:bodyPr>
-          <a:lstStyle/>
-          <a:p>
-            <a:r>
-              <a:rPr lang="en-US" dirty="0" smtClean="0"/>
-              <a:t>Environment and distribution shift</a:t>
-            </a:r>
-            <a:endParaRPr lang="en-US" dirty="0"/>
-          </a:p>
-        </p:txBody>
-      </p:sp>
-      <p:sp>
-        <p:nvSpPr>
-          <p:cNvPr id="3" name="Text Placeholder 2"/>
-          <p:cNvSpPr>
-            <a:spLocks noGrp="1"/>
-          </p:cNvSpPr>
-          <p:nvPr>
-            <p:ph type="body" idx="1"/>
-          </p:nvPr>
-        </p:nvSpPr>
-        <p:spPr/>
-        <p:txBody>
-          <a:bodyPr/>
-          <a:lstStyle/>
-          <a:p>
-            <a:r>
-              <a:rPr lang="en-US" dirty="0" smtClean="0"/>
-              <a:t>Covariate shift</a:t>
-            </a:r>
-          </a:p>
-          <a:p>
-            <a:r>
-              <a:rPr lang="en-US" dirty="0" smtClean="0"/>
-              <a:t>Label shift</a:t>
-            </a:r>
-          </a:p>
-          <a:p>
-            <a:r>
-              <a:rPr lang="en-US" dirty="0"/>
-              <a:t>Concept Shift</a:t>
-            </a:r>
-          </a:p>
-          <a:p>
-            <a:endParaRPr lang="en-US" dirty="0"/>
-          </a:p>
-        </p:txBody>
-      </p:sp>
-    </p:spTree>
-    <p:extLst>
-      <p:ext uri="{BB962C8B-B14F-4D97-AF65-F5344CB8AC3E}">
-        <p14:creationId xmlns:p14="http://schemas.microsoft.com/office/powerpoint/2010/main" val="3633552660"/>
-      </p:ext>
-    </p:extLst>
-  </p:cSld>
-  <p:clrMapOvr>
-    <a:masterClrMapping/>
-  </p:clrMapOvr>
-  <p:timing>
-    <p:tnLst>
-      <p:par>
-        <p:cTn id="1" dur="indefinite" restart="never" nodeType="tmRoot"/>
-      </p:par>
-    </p:tnLst>
-  </p:timing>
-</p:sld>
-</file>
-
-<file path=ppt/slides/slide21.xml><?xml version="1.0" encoding="utf-8"?>
-<p:sld xmlns:a="http://schemas.openxmlformats.org/drawingml/2006/main" xmlns:r="http://schemas.openxmlformats.org/officeDocument/2006/relationships" xmlns:p="http://schemas.openxmlformats.org/presentationml/2006/main">
-  <p:cSld>
-    <p:spTree>
-      <p:nvGrpSpPr>
-        <p:cNvPr id="1" name=""/>
-        <p:cNvGrpSpPr/>
-        <p:nvPr/>
-      </p:nvGrpSpPr>
-      <p:grpSpPr>
-        <a:xfrm>
-          <a:off x="0" y="0"/>
-          <a:ext cx="0" cy="0"/>
-          <a:chOff x="0" y="0"/>
-          <a:chExt cx="0" cy="0"/>
-        </a:xfrm>
-      </p:grpSpPr>
-      <p:sp>
-        <p:nvSpPr>
-          <p:cNvPr id="2" name="Title 1"/>
-          <p:cNvSpPr>
-            <a:spLocks noGrp="1"/>
-          </p:cNvSpPr>
-          <p:nvPr>
-            <p:ph type="title"/>
-          </p:nvPr>
-        </p:nvSpPr>
-        <p:spPr/>
-        <p:txBody>
-          <a:bodyPr>
-            <a:normAutofit fontScale="90000"/>
-          </a:bodyPr>
-          <a:lstStyle/>
-          <a:p>
-            <a:r>
-              <a:rPr lang="fr-FR" dirty="0" smtClean="0"/>
-              <a:t>Computation performance</a:t>
-            </a:r>
-            <a:endParaRPr lang="en-US" dirty="0"/>
-          </a:p>
-        </p:txBody>
-      </p:sp>
-      <p:sp>
-        <p:nvSpPr>
-          <p:cNvPr id="3" name="Text Placeholder 2"/>
-          <p:cNvSpPr>
-            <a:spLocks noGrp="1"/>
-          </p:cNvSpPr>
-          <p:nvPr>
-            <p:ph type="body" idx="1"/>
-          </p:nvPr>
-        </p:nvSpPr>
-        <p:spPr/>
-        <p:txBody>
-          <a:bodyPr/>
-          <a:lstStyle/>
-          <a:p>
-            <a:r>
-              <a:rPr lang="fr-FR" dirty="0" err="1" smtClean="0"/>
-              <a:t>Asynchronous</a:t>
-            </a:r>
-            <a:r>
-              <a:rPr lang="fr-FR" dirty="0" smtClean="0"/>
-              <a:t> computation</a:t>
-            </a:r>
-          </a:p>
-          <a:p>
-            <a:r>
-              <a:rPr lang="fr-FR" dirty="0" err="1" smtClean="0"/>
-              <a:t>Automatic</a:t>
-            </a:r>
-            <a:r>
-              <a:rPr lang="fr-FR" dirty="0" smtClean="0"/>
-              <a:t> </a:t>
-            </a:r>
-            <a:r>
-              <a:rPr lang="fr-FR" dirty="0" err="1" smtClean="0"/>
-              <a:t>parallelism</a:t>
-            </a:r>
-            <a:endParaRPr lang="fr-FR" dirty="0" smtClean="0"/>
-          </a:p>
-          <a:p>
-            <a:endParaRPr lang="en-US" dirty="0"/>
-          </a:p>
-        </p:txBody>
-      </p:sp>
-    </p:spTree>
-    <p:extLst>
-      <p:ext uri="{BB962C8B-B14F-4D97-AF65-F5344CB8AC3E}">
-        <p14:creationId xmlns:p14="http://schemas.microsoft.com/office/powerpoint/2010/main" val="260866000"/>
-      </p:ext>
-    </p:extLst>
-  </p:cSld>
-  <p:clrMapOvr>
-    <a:masterClrMapping/>
-  </p:clrMapOvr>
-</p:sld>
-</file>
-
-<file path=ppt/slides/slide22.xml><?xml version="1.0" encoding="utf-8"?>
-<p:sld xmlns:a="http://schemas.openxmlformats.org/drawingml/2006/main" xmlns:r="http://schemas.openxmlformats.org/officeDocument/2006/relationships" xmlns:p="http://schemas.openxmlformats.org/presentationml/2006/main">
-  <p:cSld>
-    <p:spTree>
-      <p:nvGrpSpPr>
         <p:cNvPr id="1" name="Shape 86"/>
         <p:cNvGrpSpPr/>
         <p:nvPr/>
@@ -9762,12 +10230,12 @@
 </p:sld>
 </file>
 
-<file path=ppt/slides/slide23.xml><?xml version="1.0" encoding="utf-8"?>
+<file path=ppt/slides/slide21.xml><?xml version="1.0" encoding="utf-8"?>
 <p:sld xmlns:a="http://schemas.openxmlformats.org/drawingml/2006/main" xmlns:r="http://schemas.openxmlformats.org/officeDocument/2006/relationships" xmlns:p="http://schemas.openxmlformats.org/presentationml/2006/main">
   <p:cSld>
     <p:spTree>
       <p:nvGrpSpPr>
-        <p:cNvPr id="1" name="Shape 92"/>
+        <p:cNvPr id="1" name=""/>
         <p:cNvGrpSpPr/>
         <p:nvPr/>
       </p:nvGrpSpPr>
@@ -9781,87 +10249,351 @@
       </p:grpSpPr>
       <p:sp>
         <p:nvSpPr>
-          <p:cNvPr id="93" name="Google Shape;93;p20"/>
-          <p:cNvSpPr txBox="1">
+          <p:cNvPr id="2" name="Title 1"/>
+          <p:cNvSpPr>
             <a:spLocks noGrp="1"/>
           </p:cNvSpPr>
           <p:nvPr>
             <p:ph type="title"/>
           </p:nvPr>
         </p:nvSpPr>
+        <p:spPr/>
+        <p:txBody>
+          <a:bodyPr/>
+          <a:lstStyle/>
+          <a:p>
+            <a:r>
+              <a:rPr lang="fr-FR" dirty="0" err="1" smtClean="0"/>
+              <a:t>Tối</a:t>
+            </a:r>
+            <a:r>
+              <a:rPr lang="fr-FR" dirty="0" smtClean="0"/>
+              <a:t> </a:t>
+            </a:r>
+            <a:r>
+              <a:rPr lang="fr-FR" dirty="0" err="1" smtClean="0"/>
+              <a:t>ưu</a:t>
+            </a:r>
+            <a:r>
+              <a:rPr lang="fr-FR" dirty="0" smtClean="0"/>
+              <a:t> </a:t>
+            </a:r>
+            <a:r>
+              <a:rPr lang="fr-FR" dirty="0" err="1" smtClean="0"/>
+              <a:t>hoá</a:t>
+            </a:r>
+            <a:r>
+              <a:rPr lang="fr-FR" dirty="0" smtClean="0"/>
+              <a:t> (</a:t>
+            </a:r>
+            <a:r>
+              <a:rPr lang="fr-FR" dirty="0" err="1" smtClean="0"/>
+              <a:t>optimization</a:t>
+            </a:r>
+            <a:r>
+              <a:rPr lang="fr-FR" dirty="0" smtClean="0"/>
+              <a:t>)</a:t>
+            </a:r>
+            <a:endParaRPr lang="en-US" dirty="0"/>
+          </a:p>
+        </p:txBody>
+      </p:sp>
+      <p:sp>
+        <p:nvSpPr>
+          <p:cNvPr id="3" name="Text Placeholder 2"/>
+          <p:cNvSpPr>
+            <a:spLocks noGrp="1"/>
+          </p:cNvSpPr>
+          <p:nvPr>
+            <p:ph type="body" idx="1"/>
+          </p:nvPr>
+        </p:nvSpPr>
+        <p:spPr/>
+        <p:txBody>
+          <a:bodyPr/>
+          <a:lstStyle/>
+          <a:p>
+            <a:endParaRPr lang="en-US"/>
+          </a:p>
+        </p:txBody>
+      </p:sp>
+    </p:spTree>
+    <p:extLst>
+      <p:ext uri="{BB962C8B-B14F-4D97-AF65-F5344CB8AC3E}">
+        <p14:creationId xmlns:p14="http://schemas.microsoft.com/office/powerpoint/2010/main" val="924794225"/>
+      </p:ext>
+    </p:extLst>
+  </p:cSld>
+  <p:clrMapOvr>
+    <a:masterClrMapping/>
+  </p:clrMapOvr>
+</p:sld>
+</file>
+
+<file path=ppt/slides/slide22.xml><?xml version="1.0" encoding="utf-8"?>
+<p:sld xmlns:a="http://schemas.openxmlformats.org/drawingml/2006/main" xmlns:r="http://schemas.openxmlformats.org/officeDocument/2006/relationships" xmlns:p="http://schemas.openxmlformats.org/presentationml/2006/main">
+  <p:cSld>
+    <p:spTree>
+      <p:nvGrpSpPr>
+        <p:cNvPr id="1" name=""/>
+        <p:cNvGrpSpPr/>
+        <p:nvPr/>
+      </p:nvGrpSpPr>
+      <p:grpSpPr>
+        <a:xfrm>
+          <a:off x="0" y="0"/>
+          <a:ext cx="0" cy="0"/>
+          <a:chOff x="0" y="0"/>
+          <a:chExt cx="0" cy="0"/>
+        </a:xfrm>
+      </p:grpSpPr>
+      <p:sp>
+        <p:nvSpPr>
+          <p:cNvPr id="5" name="Content Placeholder 4"/>
+          <p:cNvSpPr>
+            <a:spLocks noGrp="1"/>
+          </p:cNvSpPr>
+          <p:nvPr>
+            <p:ph idx="1"/>
+          </p:nvPr>
+        </p:nvSpPr>
+        <p:spPr/>
+        <p:txBody>
+          <a:bodyPr/>
+          <a:lstStyle/>
+          <a:p>
+            <a:endParaRPr lang="en-US"/>
+          </a:p>
+        </p:txBody>
+      </p:sp>
+      <p:sp>
+        <p:nvSpPr>
+          <p:cNvPr id="7" name="Title 6"/>
+          <p:cNvSpPr>
+            <a:spLocks noGrp="1"/>
+          </p:cNvSpPr>
+          <p:nvPr>
+            <p:ph type="title"/>
+          </p:nvPr>
+        </p:nvSpPr>
+        <p:spPr/>
+        <p:txBody>
+          <a:bodyPr>
+            <a:normAutofit fontScale="90000"/>
+          </a:bodyPr>
+          <a:lstStyle/>
+          <a:p>
+            <a:r>
+              <a:rPr lang="fr-FR" dirty="0" smtClean="0"/>
+              <a:t>Local minima</a:t>
+            </a:r>
+            <a:endParaRPr lang="en-US" dirty="0"/>
+          </a:p>
+        </p:txBody>
+      </p:sp>
+      <p:pic>
+        <p:nvPicPr>
+          <p:cNvPr id="8" name="Picture 7"/>
+          <p:cNvPicPr>
+            <a:picLocks noChangeAspect="1"/>
+          </p:cNvPicPr>
+          <p:nvPr/>
+        </p:nvPicPr>
+        <p:blipFill>
+          <a:blip r:embed="rId2"/>
+          <a:stretch>
+            <a:fillRect/>
+          </a:stretch>
+        </p:blipFill>
         <p:spPr>
           <a:xfrm>
-            <a:off x="311700" y="445025"/>
-            <a:ext cx="8520600" cy="572700"/>
+            <a:off x="2649672" y="1819413"/>
+            <a:ext cx="3358222" cy="2430952"/>
           </a:xfrm>
           <a:prstGeom prst="rect">
             <a:avLst/>
           </a:prstGeom>
         </p:spPr>
+      </p:pic>
+    </p:spTree>
+    <p:extLst>
+      <p:ext uri="{BB962C8B-B14F-4D97-AF65-F5344CB8AC3E}">
+        <p14:creationId xmlns:p14="http://schemas.microsoft.com/office/powerpoint/2010/main" val="1286581309"/>
+      </p:ext>
+    </p:extLst>
+  </p:cSld>
+  <p:clrMapOvr>
+    <a:masterClrMapping/>
+  </p:clrMapOvr>
+</p:sld>
+</file>
+
+<file path=ppt/slides/slide23.xml><?xml version="1.0" encoding="utf-8"?>
+<p:sld xmlns:a="http://schemas.openxmlformats.org/drawingml/2006/main" xmlns:r="http://schemas.openxmlformats.org/officeDocument/2006/relationships" xmlns:p="http://schemas.openxmlformats.org/presentationml/2006/main">
+  <p:cSld>
+    <p:spTree>
+      <p:nvGrpSpPr>
+        <p:cNvPr id="1" name=""/>
+        <p:cNvGrpSpPr/>
+        <p:nvPr/>
+      </p:nvGrpSpPr>
+      <p:grpSpPr>
+        <a:xfrm>
+          <a:off x="0" y="0"/>
+          <a:ext cx="0" cy="0"/>
+          <a:chOff x="0" y="0"/>
+          <a:chExt cx="0" cy="0"/>
+        </a:xfrm>
+      </p:grpSpPr>
+      <p:sp>
+        <p:nvSpPr>
+          <p:cNvPr id="2" name="Title 1"/>
+          <p:cNvSpPr>
+            <a:spLocks noGrp="1"/>
+          </p:cNvSpPr>
+          <p:nvPr>
+            <p:ph type="title"/>
+          </p:nvPr>
+        </p:nvSpPr>
+        <p:spPr/>
         <p:txBody>
-          <a:bodyPr spcFirstLastPara="1" wrap="square" lIns="91425" tIns="91425" rIns="91425" bIns="91425" anchor="t" anchorCtr="0">
+          <a:bodyPr>
             <a:normAutofit fontScale="90000"/>
           </a:bodyPr>
           <a:lstStyle/>
           <a:p>
-            <a:pPr marL="0" lvl="0" indent="0" algn="l" rtl="0">
-              <a:spcBef>
-                <a:spcPts val="0"/>
-              </a:spcBef>
-              <a:spcAft>
-                <a:spcPts val="0"/>
-              </a:spcAft>
-              <a:buNone/>
-            </a:pPr>
-            <a:r>
-              <a:rPr lang="en-GB"/>
-              <a:t>Underfit and overfit</a:t>
-            </a:r>
-            <a:endParaRPr/>
+            <a:r>
+              <a:rPr lang="fr-FR" dirty="0" err="1" smtClean="0"/>
+              <a:t>Saddle</a:t>
+            </a:r>
+            <a:r>
+              <a:rPr lang="fr-FR" dirty="0" smtClean="0"/>
+              <a:t> point</a:t>
+            </a:r>
+            <a:endParaRPr lang="en-US" dirty="0"/>
           </a:p>
         </p:txBody>
       </p:sp>
       <p:sp>
         <p:nvSpPr>
-          <p:cNvPr id="94" name="Google Shape;94;p20"/>
-          <p:cNvSpPr txBox="1">
+          <p:cNvPr id="3" name="Content Placeholder 2"/>
+          <p:cNvSpPr>
             <a:spLocks noGrp="1"/>
           </p:cNvSpPr>
           <p:nvPr>
-            <p:ph type="body" idx="1"/>
-          </p:nvPr>
-        </p:nvSpPr>
+            <p:ph idx="1"/>
+          </p:nvPr>
+        </p:nvSpPr>
+        <p:spPr/>
+        <p:txBody>
+          <a:bodyPr/>
+          <a:lstStyle/>
+          <a:p>
+            <a:endParaRPr lang="en-US"/>
+          </a:p>
+        </p:txBody>
+      </p:sp>
+      <p:pic>
+        <p:nvPicPr>
+          <p:cNvPr id="4" name="Picture 3"/>
+          <p:cNvPicPr>
+            <a:picLocks noChangeAspect="1"/>
+          </p:cNvPicPr>
+          <p:nvPr/>
+        </p:nvPicPr>
+        <p:blipFill>
+          <a:blip r:embed="rId2"/>
+          <a:stretch>
+            <a:fillRect/>
+          </a:stretch>
+        </p:blipFill>
         <p:spPr>
           <a:xfrm>
-            <a:off x="311700" y="1152475"/>
-            <a:ext cx="8520600" cy="3416400"/>
+            <a:off x="3082528" y="1954411"/>
+            <a:ext cx="2978944" cy="2093119"/>
           </a:xfrm>
           <a:prstGeom prst="rect">
             <a:avLst/>
           </a:prstGeom>
         </p:spPr>
+      </p:pic>
+    </p:spTree>
+    <p:extLst>
+      <p:ext uri="{BB962C8B-B14F-4D97-AF65-F5344CB8AC3E}">
+        <p14:creationId xmlns:p14="http://schemas.microsoft.com/office/powerpoint/2010/main" val="1293435978"/>
+      </p:ext>
+    </p:extLst>
+  </p:cSld>
+  <p:clrMapOvr>
+    <a:masterClrMapping/>
+  </p:clrMapOvr>
+</p:sld>
+</file>
+
+<file path=ppt/slides/slide24.xml><?xml version="1.0" encoding="utf-8"?>
+<p:sld xmlns:a="http://schemas.openxmlformats.org/drawingml/2006/main" xmlns:r="http://schemas.openxmlformats.org/officeDocument/2006/relationships" xmlns:p="http://schemas.openxmlformats.org/presentationml/2006/main">
+  <p:cSld>
+    <p:spTree>
+      <p:nvGrpSpPr>
+        <p:cNvPr id="1" name=""/>
+        <p:cNvGrpSpPr/>
+        <p:nvPr/>
+      </p:nvGrpSpPr>
+      <p:grpSpPr>
+        <a:xfrm>
+          <a:off x="0" y="0"/>
+          <a:ext cx="0" cy="0"/>
+          <a:chOff x="0" y="0"/>
+          <a:chExt cx="0" cy="0"/>
+        </a:xfrm>
+      </p:grpSpPr>
+      <p:sp>
+        <p:nvSpPr>
+          <p:cNvPr id="2" name="Title 1"/>
+          <p:cNvSpPr>
+            <a:spLocks noGrp="1"/>
+          </p:cNvSpPr>
+          <p:nvPr>
+            <p:ph type="title"/>
+          </p:nvPr>
+        </p:nvSpPr>
+        <p:spPr/>
         <p:txBody>
-          <a:bodyPr spcFirstLastPara="1" wrap="square" lIns="91425" tIns="91425" rIns="91425" bIns="91425" anchor="t" anchorCtr="0">
-            <a:normAutofit/>
+          <a:bodyPr>
+            <a:normAutofit fontScale="90000"/>
           </a:bodyPr>
           <a:lstStyle/>
           <a:p>
-            <a:pPr marL="0" lvl="0" indent="0" algn="l" rtl="0">
-              <a:spcBef>
-                <a:spcPts val="0"/>
-              </a:spcBef>
-              <a:spcAft>
-                <a:spcPts val="1200"/>
-              </a:spcAft>
-              <a:buNone/>
-            </a:pPr>
-            <a:endParaRPr/>
+            <a:r>
+              <a:rPr lang="fr-FR" dirty="0" err="1" smtClean="0"/>
+              <a:t>Convexity</a:t>
+            </a:r>
+            <a:endParaRPr lang="en-US" dirty="0"/>
+          </a:p>
+        </p:txBody>
+      </p:sp>
+      <p:sp>
+        <p:nvSpPr>
+          <p:cNvPr id="3" name="Content Placeholder 2"/>
+          <p:cNvSpPr>
+            <a:spLocks noGrp="1"/>
+          </p:cNvSpPr>
+          <p:nvPr>
+            <p:ph idx="1"/>
+          </p:nvPr>
+        </p:nvSpPr>
+        <p:spPr/>
+        <p:txBody>
+          <a:bodyPr/>
+          <a:lstStyle/>
+          <a:p>
+            <a:endParaRPr lang="en-US"/>
           </a:p>
         </p:txBody>
       </p:sp>
       <p:pic>
         <p:nvPicPr>
-          <p:cNvPr id="2" name="Picture 1"/>
+          <p:cNvPr id="4" name="Picture 3"/>
           <p:cNvPicPr>
             <a:picLocks noChangeAspect="1"/>
           </p:cNvPicPr>
@@ -9875,15 +10607,68 @@
         </p:blipFill>
         <p:spPr>
           <a:xfrm>
-            <a:off x="2452481" y="1549450"/>
-            <a:ext cx="4610100" cy="3019425"/>
+            <a:off x="2173860" y="1268017"/>
+            <a:ext cx="4796281" cy="1252760"/>
           </a:xfrm>
           <a:prstGeom prst="rect">
             <a:avLst/>
           </a:prstGeom>
         </p:spPr>
       </p:pic>
+      <p:pic>
+        <p:nvPicPr>
+          <p:cNvPr id="5" name="Picture 4"/>
+          <p:cNvPicPr>
+            <a:picLocks noChangeAspect="1"/>
+          </p:cNvPicPr>
+          <p:nvPr/>
+        </p:nvPicPr>
+        <p:blipFill>
+          <a:blip r:embed="rId4"/>
+          <a:stretch>
+            <a:fillRect/>
+          </a:stretch>
+        </p:blipFill>
+        <p:spPr>
+          <a:xfrm>
+            <a:off x="1614985" y="2520777"/>
+            <a:ext cx="5914028" cy="1288498"/>
+          </a:xfrm>
+          <a:prstGeom prst="rect">
+            <a:avLst/>
+          </a:prstGeom>
+        </p:spPr>
+      </p:pic>
+      <p:pic>
+        <p:nvPicPr>
+          <p:cNvPr id="6" name="Picture 5"/>
+          <p:cNvPicPr>
+            <a:picLocks noChangeAspect="1"/>
+          </p:cNvPicPr>
+          <p:nvPr/>
+        </p:nvPicPr>
+        <p:blipFill>
+          <a:blip r:embed="rId5"/>
+          <a:stretch>
+            <a:fillRect/>
+          </a:stretch>
+        </p:blipFill>
+        <p:spPr>
+          <a:xfrm>
+            <a:off x="3168421" y="3871717"/>
+            <a:ext cx="2963909" cy="1089115"/>
+          </a:xfrm>
+          <a:prstGeom prst="rect">
+            <a:avLst/>
+          </a:prstGeom>
+        </p:spPr>
+      </p:pic>
     </p:spTree>
+    <p:extLst>
+      <p:ext uri="{BB962C8B-B14F-4D97-AF65-F5344CB8AC3E}">
+        <p14:creationId xmlns:p14="http://schemas.microsoft.com/office/powerpoint/2010/main" val="1365251199"/>
+      </p:ext>
+    </p:extLst>
   </p:cSld>
   <p:clrMapOvr>
     <a:masterClrMapping/>
@@ -9891,12 +10676,12 @@
 </p:sld>
 </file>
 
-<file path=ppt/slides/slide24.xml><?xml version="1.0" encoding="utf-8"?>
+<file path=ppt/slides/slide25.xml><?xml version="1.0" encoding="utf-8"?>
 <p:sld xmlns:a="http://schemas.openxmlformats.org/drawingml/2006/main" xmlns:r="http://schemas.openxmlformats.org/officeDocument/2006/relationships" xmlns:p="http://schemas.openxmlformats.org/presentationml/2006/main">
   <p:cSld>
     <p:spTree>
       <p:nvGrpSpPr>
-        <p:cNvPr id="1" name="Shape 98"/>
+        <p:cNvPr id="1" name=""/>
         <p:cNvGrpSpPr/>
         <p:nvPr/>
       </p:nvGrpSpPr>
@@ -9910,158 +10695,498 @@
       </p:grpSpPr>
       <p:sp>
         <p:nvSpPr>
-          <p:cNvPr id="99" name="Google Shape;99;p21"/>
-          <p:cNvSpPr txBox="1">
+          <p:cNvPr id="3" name="Content Placeholder 2"/>
+          <p:cNvSpPr>
             <a:spLocks noGrp="1"/>
           </p:cNvSpPr>
           <p:nvPr>
+            <p:ph idx="1"/>
+          </p:nvPr>
+        </p:nvSpPr>
+        <p:spPr>
+          <a:xfrm>
+            <a:off x="174967" y="1590785"/>
+            <a:ext cx="4108646" cy="1616649"/>
+          </a:xfrm>
+        </p:spPr>
+        <p:txBody>
+          <a:bodyPr>
+            <a:normAutofit fontScale="85000" lnSpcReduction="20000"/>
+          </a:bodyPr>
+          <a:lstStyle/>
+          <a:p>
+            <a:r>
+              <a:rPr lang="fr-FR" dirty="0" err="1"/>
+              <a:t>Stochastic</a:t>
+            </a:r>
+            <a:r>
+              <a:rPr lang="fr-FR" dirty="0"/>
+              <a:t> Gradient </a:t>
+            </a:r>
+            <a:r>
+              <a:rPr lang="fr-FR" dirty="0" err="1" smtClean="0"/>
+              <a:t>Descent</a:t>
+            </a:r>
+            <a:r>
+              <a:rPr lang="fr-FR" dirty="0" smtClean="0"/>
+              <a:t> (SGD): </a:t>
+            </a:r>
+            <a:r>
+              <a:rPr lang="en-US" dirty="0" err="1" smtClean="0"/>
+              <a:t>Tính</a:t>
+            </a:r>
+            <a:r>
+              <a:rPr lang="en-US" dirty="0" smtClean="0"/>
+              <a:t> gradient </a:t>
+            </a:r>
+            <a:r>
+              <a:rPr lang="en-US" dirty="0" err="1" smtClean="0"/>
+              <a:t>tại</a:t>
+            </a:r>
+            <a:r>
+              <a:rPr lang="en-US" dirty="0" smtClean="0"/>
+              <a:t> </a:t>
+            </a:r>
+            <a:r>
+              <a:rPr lang="en-US" dirty="0" err="1" smtClean="0"/>
+              <a:t>mỗi</a:t>
+            </a:r>
+            <a:r>
+              <a:rPr lang="en-US" dirty="0" smtClean="0"/>
+              <a:t> </a:t>
+            </a:r>
+            <a:r>
+              <a:rPr lang="en-US" dirty="0" err="1" smtClean="0"/>
+              <a:t>thời</a:t>
+            </a:r>
+            <a:r>
+              <a:rPr lang="en-US" dirty="0" smtClean="0"/>
+              <a:t> </a:t>
+            </a:r>
+            <a:r>
+              <a:rPr lang="en-US" dirty="0" err="1" smtClean="0"/>
+              <a:t>điểm</a:t>
+            </a:r>
+            <a:r>
+              <a:rPr lang="en-US" dirty="0" smtClean="0"/>
+              <a:t> </a:t>
+            </a:r>
+            <a:r>
+              <a:rPr lang="en-US" dirty="0" err="1" smtClean="0"/>
+              <a:t>bằng</a:t>
+            </a:r>
+            <a:r>
+              <a:rPr lang="en-US" dirty="0" smtClean="0"/>
+              <a:t> </a:t>
+            </a:r>
+            <a:r>
+              <a:rPr lang="en-US" dirty="0" err="1" smtClean="0"/>
+              <a:t>cách</a:t>
+            </a:r>
+            <a:r>
+              <a:rPr lang="en-US" dirty="0" smtClean="0"/>
+              <a:t> </a:t>
+            </a:r>
+            <a:r>
+              <a:rPr lang="en-US" dirty="0" err="1" smtClean="0"/>
+              <a:t>lấy</a:t>
+            </a:r>
+            <a:r>
+              <a:rPr lang="en-US" dirty="0" smtClean="0"/>
+              <a:t> </a:t>
+            </a:r>
+            <a:r>
+              <a:rPr lang="en-US" dirty="0" err="1" smtClean="0"/>
+              <a:t>mẫu</a:t>
+            </a:r>
+            <a:r>
+              <a:rPr lang="en-US" dirty="0" smtClean="0"/>
+              <a:t> </a:t>
+            </a:r>
+            <a:r>
+              <a:rPr lang="en-US" dirty="0" err="1" smtClean="0">
+                <a:solidFill>
+                  <a:srgbClr val="FF0000"/>
+                </a:solidFill>
+              </a:rPr>
+              <a:t>một</a:t>
+            </a:r>
+            <a:r>
+              <a:rPr lang="en-US" dirty="0" smtClean="0"/>
+              <a:t> </a:t>
+            </a:r>
+            <a:r>
+              <a:rPr lang="en-US" dirty="0" err="1" smtClean="0"/>
+              <a:t>điểm</a:t>
+            </a:r>
+            <a:r>
+              <a:rPr lang="en-US" dirty="0" smtClean="0"/>
+              <a:t> </a:t>
+            </a:r>
+            <a:r>
+              <a:rPr lang="en-US" dirty="0" err="1" smtClean="0"/>
+              <a:t>dữ</a:t>
+            </a:r>
+            <a:r>
+              <a:rPr lang="en-US" dirty="0" smtClean="0"/>
+              <a:t> </a:t>
+            </a:r>
+            <a:r>
+              <a:rPr lang="en-US" dirty="0" err="1" smtClean="0"/>
+              <a:t>liệu</a:t>
+            </a:r>
+            <a:r>
+              <a:rPr lang="en-US" dirty="0" smtClean="0"/>
+              <a:t>.</a:t>
+            </a:r>
+          </a:p>
+          <a:p>
+            <a:r>
+              <a:rPr lang="en-US" dirty="0" err="1" smtClean="0"/>
+              <a:t>Minibatch</a:t>
+            </a:r>
+            <a:r>
+              <a:rPr lang="en-US" dirty="0" smtClean="0"/>
+              <a:t> SGD: </a:t>
+            </a:r>
+            <a:r>
+              <a:rPr lang="en-US" dirty="0" err="1"/>
+              <a:t>Tính</a:t>
+            </a:r>
+            <a:r>
+              <a:rPr lang="en-US" dirty="0"/>
+              <a:t> gradient </a:t>
+            </a:r>
+            <a:r>
+              <a:rPr lang="en-US" dirty="0" err="1"/>
+              <a:t>tại</a:t>
+            </a:r>
+            <a:r>
+              <a:rPr lang="en-US" dirty="0"/>
+              <a:t> </a:t>
+            </a:r>
+            <a:r>
+              <a:rPr lang="en-US" dirty="0" err="1"/>
+              <a:t>mỗi</a:t>
+            </a:r>
+            <a:r>
+              <a:rPr lang="en-US" dirty="0"/>
+              <a:t> </a:t>
+            </a:r>
+            <a:r>
+              <a:rPr lang="en-US" dirty="0" err="1"/>
+              <a:t>thời</a:t>
+            </a:r>
+            <a:r>
+              <a:rPr lang="en-US" dirty="0"/>
+              <a:t> </a:t>
+            </a:r>
+            <a:r>
+              <a:rPr lang="en-US" dirty="0" err="1"/>
+              <a:t>điểm</a:t>
+            </a:r>
+            <a:r>
+              <a:rPr lang="en-US" dirty="0"/>
+              <a:t> </a:t>
+            </a:r>
+            <a:r>
+              <a:rPr lang="en-US" dirty="0" err="1"/>
+              <a:t>bằng</a:t>
+            </a:r>
+            <a:r>
+              <a:rPr lang="en-US" dirty="0"/>
+              <a:t> </a:t>
+            </a:r>
+            <a:r>
+              <a:rPr lang="en-US" dirty="0" err="1"/>
+              <a:t>cách</a:t>
+            </a:r>
+            <a:r>
+              <a:rPr lang="en-US" dirty="0"/>
+              <a:t> </a:t>
+            </a:r>
+            <a:r>
+              <a:rPr lang="en-US" dirty="0" err="1"/>
+              <a:t>lấy</a:t>
+            </a:r>
+            <a:r>
+              <a:rPr lang="en-US" dirty="0"/>
+              <a:t> </a:t>
+            </a:r>
+            <a:r>
+              <a:rPr lang="en-US" dirty="0" err="1"/>
+              <a:t>mẫu</a:t>
+            </a:r>
+            <a:r>
+              <a:rPr lang="en-US" dirty="0"/>
+              <a:t> </a:t>
+            </a:r>
+            <a:r>
+              <a:rPr lang="en-US" dirty="0" err="1">
+                <a:solidFill>
+                  <a:srgbClr val="FF0000"/>
+                </a:solidFill>
+              </a:rPr>
+              <a:t>một</a:t>
+            </a:r>
+            <a:r>
+              <a:rPr lang="en-US" dirty="0">
+                <a:solidFill>
+                  <a:srgbClr val="FF0000"/>
+                </a:solidFill>
+              </a:rPr>
+              <a:t> </a:t>
+            </a:r>
+            <a:r>
+              <a:rPr lang="en-US" dirty="0" err="1">
+                <a:solidFill>
+                  <a:srgbClr val="FF0000"/>
+                </a:solidFill>
+              </a:rPr>
+              <a:t>nhóm</a:t>
+            </a:r>
+            <a:r>
+              <a:rPr lang="en-US" dirty="0"/>
+              <a:t> </a:t>
+            </a:r>
+            <a:r>
+              <a:rPr lang="en-US" dirty="0" err="1"/>
+              <a:t>điểm</a:t>
+            </a:r>
+            <a:r>
+              <a:rPr lang="en-US" dirty="0"/>
+              <a:t> </a:t>
+            </a:r>
+            <a:r>
+              <a:rPr lang="en-US" dirty="0" err="1"/>
+              <a:t>dữ</a:t>
+            </a:r>
+            <a:r>
+              <a:rPr lang="en-US" dirty="0"/>
+              <a:t> </a:t>
+            </a:r>
+            <a:r>
+              <a:rPr lang="en-US" dirty="0" err="1"/>
+              <a:t>liệu</a:t>
+            </a:r>
+            <a:endParaRPr lang="en-US" dirty="0"/>
+          </a:p>
+          <a:p>
+            <a:endParaRPr lang="en-US" dirty="0"/>
+          </a:p>
+        </p:txBody>
+      </p:sp>
+      <p:sp>
+        <p:nvSpPr>
+          <p:cNvPr id="5" name="Title 4"/>
+          <p:cNvSpPr>
+            <a:spLocks noGrp="1"/>
+          </p:cNvSpPr>
+          <p:nvPr>
             <p:ph type="title"/>
           </p:nvPr>
         </p:nvSpPr>
+        <p:spPr/>
+        <p:txBody>
+          <a:bodyPr>
+            <a:normAutofit fontScale="90000"/>
+          </a:bodyPr>
+          <a:lstStyle/>
+          <a:p>
+            <a:r>
+              <a:rPr lang="fr-FR" dirty="0" err="1" smtClean="0"/>
+              <a:t>Các</a:t>
+            </a:r>
+            <a:r>
+              <a:rPr lang="fr-FR" dirty="0" smtClean="0"/>
+              <a:t> </a:t>
+            </a:r>
+            <a:r>
+              <a:rPr lang="fr-FR" dirty="0" err="1" smtClean="0"/>
+              <a:t>cách</a:t>
+            </a:r>
+            <a:r>
+              <a:rPr lang="fr-FR" dirty="0" smtClean="0"/>
+              <a:t> </a:t>
+            </a:r>
+            <a:r>
+              <a:rPr lang="fr-FR" dirty="0" err="1" smtClean="0"/>
+              <a:t>tính</a:t>
+            </a:r>
+            <a:r>
+              <a:rPr lang="fr-FR" dirty="0" smtClean="0"/>
+              <a:t> gradient</a:t>
+            </a:r>
+            <a:endParaRPr lang="en-US" dirty="0"/>
+          </a:p>
+        </p:txBody>
+      </p:sp>
+      <p:pic>
+        <p:nvPicPr>
+          <p:cNvPr id="6" name="Picture 5"/>
+          <p:cNvPicPr>
+            <a:picLocks noChangeAspect="1"/>
+          </p:cNvPicPr>
+          <p:nvPr/>
+        </p:nvPicPr>
+        <p:blipFill>
+          <a:blip r:embed="rId2"/>
+          <a:stretch>
+            <a:fillRect/>
+          </a:stretch>
+        </p:blipFill>
         <p:spPr>
           <a:xfrm>
-            <a:off x="311700" y="445025"/>
-            <a:ext cx="8520600" cy="572700"/>
+            <a:off x="4572000" y="1268017"/>
+            <a:ext cx="4358348" cy="3176606"/>
           </a:xfrm>
           <a:prstGeom prst="rect">
             <a:avLst/>
           </a:prstGeom>
         </p:spPr>
+      </p:pic>
+    </p:spTree>
+    <p:extLst>
+      <p:ext uri="{BB962C8B-B14F-4D97-AF65-F5344CB8AC3E}">
+        <p14:creationId xmlns:p14="http://schemas.microsoft.com/office/powerpoint/2010/main" val="3063862436"/>
+      </p:ext>
+    </p:extLst>
+  </p:cSld>
+  <p:clrMapOvr>
+    <a:masterClrMapping/>
+  </p:clrMapOvr>
+</p:sld>
+</file>
+
+<file path=ppt/slides/slide26.xml><?xml version="1.0" encoding="utf-8"?>
+<p:sld xmlns:a="http://schemas.openxmlformats.org/drawingml/2006/main" xmlns:r="http://schemas.openxmlformats.org/officeDocument/2006/relationships" xmlns:p="http://schemas.openxmlformats.org/presentationml/2006/main">
+  <p:cSld>
+    <p:spTree>
+      <p:nvGrpSpPr>
+        <p:cNvPr id="1" name=""/>
+        <p:cNvGrpSpPr/>
+        <p:nvPr/>
+      </p:nvGrpSpPr>
+      <p:grpSpPr>
+        <a:xfrm>
+          <a:off x="0" y="0"/>
+          <a:ext cx="0" cy="0"/>
+          <a:chOff x="0" y="0"/>
+          <a:chExt cx="0" cy="0"/>
+        </a:xfrm>
+      </p:grpSpPr>
+      <p:sp>
+        <p:nvSpPr>
+          <p:cNvPr id="2" name="Title 1"/>
+          <p:cNvSpPr>
+            <a:spLocks noGrp="1"/>
+          </p:cNvSpPr>
+          <p:nvPr>
+            <p:ph type="title"/>
+          </p:nvPr>
+        </p:nvSpPr>
+        <p:spPr/>
         <p:txBody>
-          <a:bodyPr spcFirstLastPara="1" wrap="square" lIns="91425" tIns="91425" rIns="91425" bIns="91425" anchor="t" anchorCtr="0">
+          <a:bodyPr>
             <a:normAutofit fontScale="90000"/>
           </a:bodyPr>
           <a:lstStyle/>
           <a:p>
-            <a:pPr marL="0" lvl="0" indent="0" algn="l" rtl="0">
-              <a:spcBef>
-                <a:spcPts val="0"/>
-              </a:spcBef>
-              <a:spcAft>
-                <a:spcPts val="0"/>
-              </a:spcAft>
-              <a:buNone/>
-            </a:pPr>
-            <a:r>
-              <a:rPr lang="en-GB"/>
-              <a:t>Regularization</a:t>
-            </a:r>
-            <a:endParaRPr/>
+            <a:r>
+              <a:rPr lang="fr-FR" dirty="0" err="1" smtClean="0"/>
+              <a:t>Momentum</a:t>
+            </a:r>
+            <a:endParaRPr lang="en-US" dirty="0"/>
           </a:p>
         </p:txBody>
       </p:sp>
       <p:sp>
         <p:nvSpPr>
-          <p:cNvPr id="100" name="Google Shape;100;p21"/>
-          <p:cNvSpPr txBox="1">
+          <p:cNvPr id="3" name="Content Placeholder 2"/>
+          <p:cNvSpPr>
             <a:spLocks noGrp="1"/>
           </p:cNvSpPr>
           <p:nvPr>
-            <p:ph type="body" idx="1"/>
-          </p:nvPr>
-        </p:nvSpPr>
-        <p:spPr>
-          <a:xfrm>
-            <a:off x="311700" y="1152475"/>
-            <a:ext cx="8520600" cy="3416400"/>
-          </a:xfrm>
-          <a:prstGeom prst="rect">
-            <a:avLst/>
-          </a:prstGeom>
-        </p:spPr>
+            <p:ph idx="1"/>
+          </p:nvPr>
+        </p:nvSpPr>
+        <p:spPr/>
         <p:txBody>
-          <a:bodyPr spcFirstLastPara="1" wrap="square" lIns="91425" tIns="91425" rIns="91425" bIns="91425" anchor="t" anchorCtr="0">
-            <a:normAutofit/>
-          </a:bodyPr>
+          <a:bodyPr/>
           <a:lstStyle/>
           <a:p>
-            <a:pPr marL="0" lvl="0" indent="0" algn="l" rtl="0">
-              <a:spcBef>
-                <a:spcPts val="0"/>
-              </a:spcBef>
-              <a:spcAft>
-                <a:spcPts val="1200"/>
-              </a:spcAft>
-              <a:buNone/>
-            </a:pPr>
-            <a:r>
-              <a:rPr lang="en-GB" dirty="0"/>
-              <a:t>Drop </a:t>
-            </a:r>
-            <a:r>
-              <a:rPr lang="en-GB" dirty="0" smtClean="0"/>
-              <a:t>out</a:t>
-            </a:r>
-          </a:p>
-          <a:p>
-            <a:pPr marL="0" lvl="0" indent="0" algn="l" rtl="0">
-              <a:spcBef>
-                <a:spcPts val="0"/>
-              </a:spcBef>
-              <a:spcAft>
-                <a:spcPts val="1200"/>
-              </a:spcAft>
-              <a:buNone/>
-            </a:pPr>
-            <a:endParaRPr lang="en-GB" dirty="0" smtClean="0"/>
-          </a:p>
-          <a:p>
-            <a:pPr marL="0" lvl="0" indent="0" algn="l" rtl="0">
-              <a:spcBef>
-                <a:spcPts val="0"/>
-              </a:spcBef>
-              <a:spcAft>
-                <a:spcPts val="1200"/>
-              </a:spcAft>
-              <a:buNone/>
-            </a:pPr>
-            <a:endParaRPr lang="en-GB" dirty="0"/>
-          </a:p>
-          <a:p>
-            <a:pPr marL="0" lvl="0" indent="0" algn="l" rtl="0">
-              <a:spcBef>
-                <a:spcPts val="0"/>
-              </a:spcBef>
-              <a:spcAft>
-                <a:spcPts val="1200"/>
-              </a:spcAft>
-              <a:buNone/>
-            </a:pPr>
-            <a:endParaRPr lang="en-GB" dirty="0" smtClean="0"/>
-          </a:p>
-          <a:p>
-            <a:pPr marL="0" lvl="0" indent="0" algn="l" rtl="0">
-              <a:spcBef>
-                <a:spcPts val="0"/>
-              </a:spcBef>
-              <a:spcAft>
-                <a:spcPts val="1200"/>
-              </a:spcAft>
-              <a:buNone/>
-            </a:pPr>
-            <a:endParaRPr lang="en-GB" dirty="0"/>
-          </a:p>
-          <a:p>
-            <a:pPr marL="0" lvl="0" indent="0" algn="l" rtl="0">
-              <a:spcBef>
-                <a:spcPts val="0"/>
-              </a:spcBef>
-              <a:spcAft>
-                <a:spcPts val="1200"/>
-              </a:spcAft>
-              <a:buNone/>
-            </a:pPr>
-            <a:r>
-              <a:rPr lang="en-GB" dirty="0" smtClean="0"/>
-              <a:t>Weight decay</a:t>
-            </a:r>
-            <a:endParaRPr dirty="0"/>
+            <a:r>
+              <a:rPr lang="en-US" dirty="0" smtClean="0"/>
+              <a:t>Quay </a:t>
+            </a:r>
+            <a:r>
+              <a:rPr lang="en-US" dirty="0" err="1" smtClean="0"/>
+              <a:t>lại</a:t>
+            </a:r>
+            <a:r>
+              <a:rPr lang="en-US" dirty="0" smtClean="0"/>
+              <a:t> </a:t>
+            </a:r>
+            <a:r>
+              <a:rPr lang="en-US" dirty="0" err="1" smtClean="0"/>
+              <a:t>với</a:t>
+            </a:r>
+            <a:r>
+              <a:rPr lang="en-US" dirty="0" smtClean="0"/>
+              <a:t> </a:t>
+            </a:r>
+            <a:r>
+              <a:rPr lang="en-US" dirty="0" err="1" smtClean="0"/>
+              <a:t>hàm</a:t>
+            </a:r>
+            <a:r>
+              <a:rPr lang="en-US" dirty="0" smtClean="0"/>
+              <a:t> loss:</a:t>
+            </a:r>
+          </a:p>
+          <a:p>
+            <a:endParaRPr lang="en-US" dirty="0"/>
+          </a:p>
+          <a:p>
+            <a:r>
+              <a:rPr lang="en-US" dirty="0" smtClean="0"/>
+              <a:t>F min </a:t>
+            </a:r>
+            <a:r>
+              <a:rPr lang="en-US" dirty="0" err="1" smtClean="0"/>
+              <a:t>tại</a:t>
+            </a:r>
+            <a:r>
+              <a:rPr lang="en-US" dirty="0" smtClean="0"/>
+              <a:t> (0,0)</a:t>
+            </a:r>
+          </a:p>
+          <a:p>
+            <a:r>
+              <a:rPr lang="en-US" dirty="0" err="1" smtClean="0"/>
+              <a:t>Với</a:t>
+            </a:r>
+            <a:r>
+              <a:rPr lang="en-US" dirty="0" smtClean="0"/>
+              <a:t> learning rate 0.4:</a:t>
+            </a:r>
+          </a:p>
+          <a:p>
+            <a:r>
+              <a:rPr lang="en-US" dirty="0" err="1" smtClean="0"/>
+              <a:t>Với</a:t>
+            </a:r>
+            <a:r>
+              <a:rPr lang="en-US" dirty="0" smtClean="0"/>
+              <a:t> learning rate 0.6:</a:t>
+            </a:r>
+            <a:endParaRPr lang="en-US" dirty="0"/>
           </a:p>
         </p:txBody>
       </p:sp>
       <p:pic>
         <p:nvPicPr>
-          <p:cNvPr id="2" name="Picture 1"/>
+          <p:cNvPr id="8" name="Picture 7"/>
           <p:cNvPicPr>
             <a:picLocks noChangeAspect="1"/>
           </p:cNvPicPr>
@@ -10075,8 +11200,8 @@
         </p:blipFill>
         <p:spPr>
           <a:xfrm>
-            <a:off x="3671887" y="3464242"/>
-            <a:ext cx="1800225" cy="714375"/>
+            <a:off x="2236907" y="1745566"/>
+            <a:ext cx="1464469" cy="328613"/>
           </a:xfrm>
           <a:prstGeom prst="rect">
             <a:avLst/>
@@ -10085,7 +11210,7 @@
       </p:pic>
       <p:pic>
         <p:nvPicPr>
-          <p:cNvPr id="3" name="Picture 2"/>
+          <p:cNvPr id="4" name="Picture 3"/>
           <p:cNvPicPr>
             <a:picLocks noChangeAspect="1"/>
           </p:cNvPicPr>
@@ -10099,228 +11224,32 @@
         </p:blipFill>
         <p:spPr>
           <a:xfrm>
-            <a:off x="2727007" y="879424"/>
-            <a:ext cx="4504373" cy="1834628"/>
+            <a:off x="4800018" y="881173"/>
+            <a:ext cx="2893219" cy="2057400"/>
           </a:xfrm>
           <a:prstGeom prst="rect">
             <a:avLst/>
           </a:prstGeom>
         </p:spPr>
       </p:pic>
-    </p:spTree>
-  </p:cSld>
-  <p:clrMapOvr>
-    <a:masterClrMapping/>
-  </p:clrMapOvr>
-</p:sld>
-</file>
-
-<file path=ppt/slides/slide25.xml><?xml version="1.0" encoding="utf-8"?>
-<p:sld xmlns:a="http://schemas.openxmlformats.org/drawingml/2006/main" xmlns:r="http://schemas.openxmlformats.org/officeDocument/2006/relationships" xmlns:p="http://schemas.openxmlformats.org/presentationml/2006/main">
-  <p:cSld>
-    <p:spTree>
-      <p:nvGrpSpPr>
-        <p:cNvPr id="1" name="Shape 138"/>
-        <p:cNvGrpSpPr/>
-        <p:nvPr/>
-      </p:nvGrpSpPr>
-      <p:grpSpPr>
-        <a:xfrm>
-          <a:off x="0" y="0"/>
-          <a:ext cx="0" cy="0"/>
-          <a:chOff x="0" y="0"/>
-          <a:chExt cx="0" cy="0"/>
-        </a:xfrm>
-      </p:grpSpPr>
-      <p:sp>
-        <p:nvSpPr>
-          <p:cNvPr id="139" name="Google Shape;139;p28"/>
-          <p:cNvSpPr txBox="1">
-            <a:spLocks noGrp="1"/>
-          </p:cNvSpPr>
-          <p:nvPr>
-            <p:ph type="title"/>
-          </p:nvPr>
-        </p:nvSpPr>
-        <p:spPr>
-          <a:xfrm>
-            <a:off x="311700" y="445025"/>
-            <a:ext cx="8520600" cy="572700"/>
-          </a:xfrm>
-          <a:prstGeom prst="rect">
-            <a:avLst/>
-          </a:prstGeom>
-        </p:spPr>
-        <p:txBody>
-          <a:bodyPr spcFirstLastPara="1" wrap="square" lIns="91425" tIns="91425" rIns="91425" bIns="91425" anchor="t" anchorCtr="0">
-            <a:normAutofit fontScale="90000"/>
-          </a:bodyPr>
-          <a:lstStyle/>
-          <a:p>
-            <a:pPr marL="0" lvl="0" indent="0" algn="l" rtl="0">
-              <a:spcBef>
-                <a:spcPts val="0"/>
-              </a:spcBef>
-              <a:spcAft>
-                <a:spcPts val="0"/>
-              </a:spcAft>
-              <a:buNone/>
-            </a:pPr>
-            <a:r>
-              <a:rPr lang="en-GB" dirty="0" smtClean="0"/>
-              <a:t>Vanishing Gradients</a:t>
-            </a:r>
-            <a:endParaRPr dirty="0"/>
-          </a:p>
-        </p:txBody>
-      </p:sp>
-      <p:sp>
-        <p:nvSpPr>
-          <p:cNvPr id="140" name="Google Shape;140;p28"/>
-          <p:cNvSpPr txBox="1">
-            <a:spLocks noGrp="1"/>
-          </p:cNvSpPr>
-          <p:nvPr>
-            <p:ph type="body" idx="1"/>
-          </p:nvPr>
-        </p:nvSpPr>
-        <p:spPr>
-          <a:xfrm>
-            <a:off x="311700" y="1152475"/>
-            <a:ext cx="8520600" cy="3416400"/>
-          </a:xfrm>
-          <a:prstGeom prst="rect">
-            <a:avLst/>
-          </a:prstGeom>
-        </p:spPr>
-        <p:txBody>
-          <a:bodyPr spcFirstLastPara="1" wrap="square" lIns="91425" tIns="91425" rIns="91425" bIns="91425" anchor="t" anchorCtr="0">
-            <a:normAutofit/>
-          </a:bodyPr>
-          <a:lstStyle/>
-          <a:p>
-            <a:r>
-              <a:rPr lang="en-US" dirty="0"/>
-              <a:t>The model will improve very slowly during the training phase and it is also possible that training stops very early, meaning that any further training does not improve the model.</a:t>
-            </a:r>
-          </a:p>
-          <a:p>
-            <a:r>
-              <a:rPr lang="en-US" dirty="0"/>
-              <a:t>The weights closer to the output layer of the model would witness more of a change whereas the layers that occur closer to the input layer would not change much (if at all).</a:t>
-            </a:r>
-          </a:p>
-          <a:p>
-            <a:r>
-              <a:rPr lang="en-US" dirty="0"/>
-              <a:t>Model weights shrink exponentially and become very small when training the model.</a:t>
-            </a:r>
-          </a:p>
-          <a:p>
-            <a:r>
-              <a:rPr lang="en-US" dirty="0"/>
-              <a:t>The model weights become 0 in the training phase.</a:t>
-            </a:r>
-          </a:p>
-          <a:p>
-            <a:pPr marL="0" lvl="0" indent="0" algn="l" rtl="0">
-              <a:spcBef>
-                <a:spcPts val="0"/>
-              </a:spcBef>
-              <a:spcAft>
-                <a:spcPts val="1200"/>
-              </a:spcAft>
-              <a:buNone/>
-            </a:pPr>
-            <a:endParaRPr dirty="0"/>
-          </a:p>
-        </p:txBody>
-      </p:sp>
-    </p:spTree>
-  </p:cSld>
-  <p:clrMapOvr>
-    <a:masterClrMapping/>
-  </p:clrMapOvr>
-</p:sld>
-</file>
-
-<file path=ppt/slides/slide26.xml><?xml version="1.0" encoding="utf-8"?>
-<p:sld xmlns:a="http://schemas.openxmlformats.org/drawingml/2006/main" xmlns:r="http://schemas.openxmlformats.org/officeDocument/2006/relationships" xmlns:p="http://schemas.openxmlformats.org/presentationml/2006/main">
-  <p:cSld>
-    <p:spTree>
-      <p:nvGrpSpPr>
-        <p:cNvPr id="1" name="Shape 138"/>
-        <p:cNvGrpSpPr/>
-        <p:nvPr/>
-      </p:nvGrpSpPr>
-      <p:grpSpPr>
-        <a:xfrm>
-          <a:off x="0" y="0"/>
-          <a:ext cx="0" cy="0"/>
-          <a:chOff x="0" y="0"/>
-          <a:chExt cx="0" cy="0"/>
-        </a:xfrm>
-      </p:grpSpPr>
-      <p:sp>
-        <p:nvSpPr>
-          <p:cNvPr id="139" name="Google Shape;139;p28"/>
-          <p:cNvSpPr txBox="1">
-            <a:spLocks noGrp="1"/>
-          </p:cNvSpPr>
-          <p:nvPr>
-            <p:ph type="title"/>
-          </p:nvPr>
-        </p:nvSpPr>
-        <p:spPr>
-          <a:xfrm>
-            <a:off x="311700" y="445025"/>
-            <a:ext cx="8520600" cy="572700"/>
-          </a:xfrm>
-          <a:prstGeom prst="rect">
-            <a:avLst/>
-          </a:prstGeom>
-        </p:spPr>
-        <p:txBody>
-          <a:bodyPr spcFirstLastPara="1" wrap="square" lIns="91425" tIns="91425" rIns="91425" bIns="91425" anchor="t" anchorCtr="0">
-            <a:normAutofit fontScale="90000"/>
-          </a:bodyPr>
-          <a:lstStyle/>
-          <a:p>
-            <a:pPr marL="0" lvl="0" indent="0" algn="l" rtl="0">
-              <a:spcBef>
-                <a:spcPts val="0"/>
-              </a:spcBef>
-              <a:spcAft>
-                <a:spcPts val="0"/>
-              </a:spcAft>
-              <a:buNone/>
-            </a:pPr>
-            <a:r>
-              <a:rPr lang="en-GB" dirty="0" smtClean="0"/>
-              <a:t>Vanishing Gradients</a:t>
-            </a:r>
-            <a:endParaRPr dirty="0"/>
-          </a:p>
-        </p:txBody>
-      </p:sp>
       <p:pic>
         <p:nvPicPr>
-          <p:cNvPr id="2" name="Picture 1"/>
+          <p:cNvPr id="5" name="Picture 4"/>
           <p:cNvPicPr>
             <a:picLocks noChangeAspect="1"/>
           </p:cNvPicPr>
           <p:nvPr/>
         </p:nvPicPr>
         <p:blipFill>
-          <a:blip r:embed="rId3"/>
+          <a:blip r:embed="rId5"/>
           <a:stretch>
             <a:fillRect/>
           </a:stretch>
         </p:blipFill>
         <p:spPr>
           <a:xfrm>
-            <a:off x="2597632" y="1633330"/>
-            <a:ext cx="4505325" cy="2552700"/>
+            <a:off x="4572000" y="2957110"/>
+            <a:ext cx="3057525" cy="2100263"/>
           </a:xfrm>
           <a:prstGeom prst="rect">
             <a:avLst/>
@@ -10330,7 +11259,7 @@
     </p:spTree>
     <p:extLst>
       <p:ext uri="{BB962C8B-B14F-4D97-AF65-F5344CB8AC3E}">
-        <p14:creationId xmlns:p14="http://schemas.microsoft.com/office/powerpoint/2010/main" val="1607833550"/>
+        <p14:creationId xmlns:p14="http://schemas.microsoft.com/office/powerpoint/2010/main" val="3470281719"/>
       </p:ext>
     </p:extLst>
   </p:cSld>
@@ -10345,7 +11274,7 @@
   <p:cSld>
     <p:spTree>
       <p:nvGrpSpPr>
-        <p:cNvPr id="1" name="Shape 144"/>
+        <p:cNvPr id="1" name=""/>
         <p:cNvGrpSpPr/>
         <p:nvPr/>
       </p:nvGrpSpPr>
@@ -10359,142 +11288,243 @@
       </p:grpSpPr>
       <p:sp>
         <p:nvSpPr>
-          <p:cNvPr id="145" name="Google Shape;145;p29"/>
-          <p:cNvSpPr txBox="1">
+          <p:cNvPr id="2" name="Title 1"/>
+          <p:cNvSpPr>
             <a:spLocks noGrp="1"/>
           </p:cNvSpPr>
           <p:nvPr>
             <p:ph type="title"/>
           </p:nvPr>
         </p:nvSpPr>
+        <p:spPr/>
+        <p:txBody>
+          <a:bodyPr>
+            <a:normAutofit fontScale="90000"/>
+          </a:bodyPr>
+          <a:lstStyle/>
+          <a:p>
+            <a:r>
+              <a:rPr lang="fr-FR" dirty="0" err="1" smtClean="0"/>
+              <a:t>Momentum</a:t>
+            </a:r>
+            <a:endParaRPr lang="en-US" dirty="0"/>
+          </a:p>
+        </p:txBody>
+      </p:sp>
+      <p:sp>
+        <p:nvSpPr>
+          <p:cNvPr id="3" name="Content Placeholder 2"/>
+          <p:cNvSpPr>
+            <a:spLocks noGrp="1"/>
+          </p:cNvSpPr>
+          <p:nvPr>
+            <p:ph idx="1"/>
+          </p:nvPr>
+        </p:nvSpPr>
         <p:spPr>
           <a:xfrm>
-            <a:off x="311700" y="445025"/>
-            <a:ext cx="8520600" cy="572700"/>
+            <a:off x="628650" y="1369219"/>
+            <a:ext cx="4673008" cy="3263504"/>
+          </a:xfrm>
+        </p:spPr>
+        <p:txBody>
+          <a:bodyPr/>
+          <a:lstStyle/>
+          <a:p>
+            <a:r>
+              <a:rPr lang="en-US" dirty="0" err="1" smtClean="0"/>
+              <a:t>Bằng</a:t>
+            </a:r>
+            <a:r>
+              <a:rPr lang="en-US" dirty="0" smtClean="0"/>
+              <a:t> </a:t>
+            </a:r>
+            <a:r>
+              <a:rPr lang="en-US" dirty="0" err="1" smtClean="0"/>
+              <a:t>cách</a:t>
+            </a:r>
+            <a:r>
+              <a:rPr lang="en-US" dirty="0" smtClean="0"/>
+              <a:t> </a:t>
+            </a:r>
+            <a:r>
+              <a:rPr lang="en-US" dirty="0" err="1" smtClean="0"/>
+              <a:t>cộng</a:t>
+            </a:r>
+            <a:r>
+              <a:rPr lang="en-US" dirty="0" smtClean="0"/>
+              <a:t> </a:t>
+            </a:r>
+            <a:r>
+              <a:rPr lang="en-US" dirty="0" err="1" smtClean="0"/>
+              <a:t>dồn</a:t>
+            </a:r>
+            <a:r>
+              <a:rPr lang="en-US" dirty="0" smtClean="0"/>
+              <a:t> gradient </a:t>
+            </a:r>
+            <a:r>
+              <a:rPr lang="en-US" dirty="0" err="1" smtClean="0"/>
+              <a:t>tại</a:t>
+            </a:r>
+            <a:r>
+              <a:rPr lang="en-US" dirty="0" smtClean="0"/>
+              <a:t> </a:t>
+            </a:r>
+            <a:r>
+              <a:rPr lang="en-US" dirty="0" err="1" smtClean="0"/>
+              <a:t>những</a:t>
+            </a:r>
+            <a:r>
+              <a:rPr lang="en-US" dirty="0" smtClean="0"/>
+              <a:t> </a:t>
+            </a:r>
+            <a:r>
+              <a:rPr lang="en-US" dirty="0" err="1" smtClean="0"/>
+              <a:t>thời</a:t>
+            </a:r>
+            <a:r>
+              <a:rPr lang="en-US" dirty="0" smtClean="0"/>
+              <a:t> </a:t>
+            </a:r>
+            <a:r>
+              <a:rPr lang="en-US" dirty="0" err="1" smtClean="0"/>
+              <a:t>điểm</a:t>
+            </a:r>
+            <a:r>
+              <a:rPr lang="en-US" dirty="0" smtClean="0"/>
+              <a:t> </a:t>
+            </a:r>
+            <a:r>
+              <a:rPr lang="en-US" dirty="0" err="1" smtClean="0"/>
+              <a:t>trước</a:t>
+            </a:r>
+            <a:r>
+              <a:rPr lang="en-US" dirty="0" smtClean="0"/>
+              <a:t>, </a:t>
+            </a:r>
+            <a:r>
+              <a:rPr lang="en-US" dirty="0" err="1" smtClean="0"/>
+              <a:t>hàm</a:t>
+            </a:r>
+            <a:r>
+              <a:rPr lang="en-US" dirty="0" smtClean="0"/>
+              <a:t> loss </a:t>
+            </a:r>
+            <a:r>
+              <a:rPr lang="en-US" dirty="0" err="1" smtClean="0"/>
+              <a:t>tiến</a:t>
+            </a:r>
+            <a:r>
+              <a:rPr lang="en-US" dirty="0" smtClean="0"/>
+              <a:t> </a:t>
+            </a:r>
+            <a:r>
+              <a:rPr lang="en-US" dirty="0" err="1" smtClean="0"/>
+              <a:t>tới</a:t>
+            </a:r>
+            <a:r>
+              <a:rPr lang="en-US" dirty="0" smtClean="0"/>
+              <a:t> </a:t>
+            </a:r>
+            <a:r>
+              <a:rPr lang="en-US" dirty="0" err="1" smtClean="0"/>
+              <a:t>điểm</a:t>
+            </a:r>
+            <a:r>
+              <a:rPr lang="en-US" dirty="0" smtClean="0"/>
+              <a:t> optimal </a:t>
+            </a:r>
+            <a:r>
+              <a:rPr lang="en-US" dirty="0" err="1" smtClean="0"/>
+              <a:t>với</a:t>
+            </a:r>
+            <a:r>
+              <a:rPr lang="en-US" dirty="0" smtClean="0"/>
+              <a:t> </a:t>
+            </a:r>
+            <a:r>
+              <a:rPr lang="en-US" dirty="0" err="1" smtClean="0"/>
+              <a:t>ít</a:t>
+            </a:r>
+            <a:r>
+              <a:rPr lang="en-US" dirty="0" smtClean="0"/>
+              <a:t> </a:t>
+            </a:r>
+            <a:r>
+              <a:rPr lang="en-US" dirty="0" err="1" smtClean="0"/>
+              <a:t>bước</a:t>
+            </a:r>
+            <a:r>
+              <a:rPr lang="en-US" dirty="0" smtClean="0"/>
+              <a:t> </a:t>
+            </a:r>
+            <a:r>
+              <a:rPr lang="en-US" dirty="0" err="1" smtClean="0"/>
+              <a:t>hơn</a:t>
+            </a:r>
+            <a:r>
+              <a:rPr lang="en-US" dirty="0" smtClean="0"/>
+              <a:t>:</a:t>
+            </a:r>
+            <a:endParaRPr lang="en-US" dirty="0"/>
+          </a:p>
+        </p:txBody>
+      </p:sp>
+      <p:pic>
+        <p:nvPicPr>
+          <p:cNvPr id="4" name="Picture 3"/>
+          <p:cNvPicPr>
+            <a:picLocks noChangeAspect="1"/>
+          </p:cNvPicPr>
+          <p:nvPr/>
+        </p:nvPicPr>
+        <p:blipFill>
+          <a:blip r:embed="rId2"/>
+          <a:stretch>
+            <a:fillRect/>
+          </a:stretch>
+        </p:blipFill>
+        <p:spPr>
+          <a:xfrm>
+            <a:off x="1755453" y="2418340"/>
+            <a:ext cx="1915619" cy="582631"/>
           </a:xfrm>
           <a:prstGeom prst="rect">
             <a:avLst/>
           </a:prstGeom>
         </p:spPr>
-        <p:txBody>
-          <a:bodyPr spcFirstLastPara="1" wrap="square" lIns="91425" tIns="91425" rIns="91425" bIns="91425" anchor="t" anchorCtr="0">
-            <a:normAutofit fontScale="90000"/>
-          </a:bodyPr>
-          <a:lstStyle/>
-          <a:p>
-            <a:pPr lvl="0"/>
-            <a:r>
-              <a:rPr lang="en-GB" dirty="0" smtClean="0"/>
-              <a:t>Exploding gradient</a:t>
-            </a:r>
-            <a:endParaRPr dirty="0"/>
-          </a:p>
-        </p:txBody>
-      </p:sp>
-      <p:sp>
-        <p:nvSpPr>
-          <p:cNvPr id="146" name="Google Shape;146;p29"/>
-          <p:cNvSpPr txBox="1">
-            <a:spLocks noGrp="1"/>
-          </p:cNvSpPr>
-          <p:nvPr>
-            <p:ph type="body" idx="1"/>
-          </p:nvPr>
-        </p:nvSpPr>
+      </p:pic>
+      <p:pic>
+        <p:nvPicPr>
+          <p:cNvPr id="5" name="Picture 4"/>
+          <p:cNvPicPr>
+            <a:picLocks noChangeAspect="1"/>
+          </p:cNvPicPr>
+          <p:nvPr/>
+        </p:nvPicPr>
+        <p:blipFill>
+          <a:blip r:embed="rId3"/>
+          <a:stretch>
+            <a:fillRect/>
+          </a:stretch>
+        </p:blipFill>
         <p:spPr>
           <a:xfrm>
-            <a:off x="311700" y="1152475"/>
-            <a:ext cx="8520600" cy="3416400"/>
+            <a:off x="5420361" y="1663095"/>
+            <a:ext cx="2864644" cy="2093119"/>
           </a:xfrm>
           <a:prstGeom prst="rect">
             <a:avLst/>
           </a:prstGeom>
         </p:spPr>
-        <p:txBody>
-          <a:bodyPr spcFirstLastPara="1" wrap="square" lIns="91425" tIns="91425" rIns="91425" bIns="91425" anchor="t" anchorCtr="0">
-            <a:normAutofit lnSpcReduction="10000"/>
-          </a:bodyPr>
-          <a:lstStyle/>
-          <a:p>
-            <a:r>
-              <a:rPr lang="en-US" dirty="0"/>
-              <a:t>The model is not learning much on the training data therefore resulting in a poor loss.</a:t>
-            </a:r>
-          </a:p>
-          <a:p>
-            <a:r>
-              <a:rPr lang="en-US" dirty="0"/>
-              <a:t>The model will have large changes in loss on each update due to the models instability.</a:t>
-            </a:r>
-          </a:p>
-          <a:p>
-            <a:r>
-              <a:rPr lang="en-US" dirty="0"/>
-              <a:t>The models loss will be </a:t>
-            </a:r>
-            <a:r>
-              <a:rPr lang="en-US" dirty="0" err="1"/>
-              <a:t>NaN</a:t>
-            </a:r>
-            <a:r>
-              <a:rPr lang="en-US" dirty="0"/>
-              <a:t> during training</a:t>
-            </a:r>
-            <a:r>
-              <a:rPr lang="en-US" dirty="0" smtClean="0"/>
-              <a:t>.</a:t>
-            </a:r>
-          </a:p>
-          <a:p>
-            <a:endParaRPr lang="en-US" dirty="0"/>
-          </a:p>
-          <a:p>
-            <a:endParaRPr lang="en-US" dirty="0" smtClean="0"/>
-          </a:p>
-          <a:p>
-            <a:r>
-              <a:rPr lang="en-US" dirty="0"/>
-              <a:t>Model weights grow exponentially and become very large when training the model.</a:t>
-            </a:r>
-          </a:p>
-          <a:p>
-            <a:r>
-              <a:rPr lang="en-US" dirty="0"/>
-              <a:t>The model weights become </a:t>
-            </a:r>
-            <a:r>
-              <a:rPr lang="en-US" dirty="0" err="1"/>
-              <a:t>NaN</a:t>
-            </a:r>
-            <a:r>
-              <a:rPr lang="en-US" dirty="0"/>
-              <a:t> in the training phase.</a:t>
-            </a:r>
-          </a:p>
-          <a:p>
-            <a:r>
-              <a:rPr lang="en-US" dirty="0"/>
-              <a:t>The derivatives are constantly</a:t>
-            </a:r>
-          </a:p>
-          <a:p>
-            <a:endParaRPr lang="en-US" dirty="0"/>
-          </a:p>
-          <a:p>
-            <a:pPr marL="0" lvl="0" indent="0" algn="l" rtl="0">
-              <a:spcBef>
-                <a:spcPts val="0"/>
-              </a:spcBef>
-              <a:spcAft>
-                <a:spcPts val="1200"/>
-              </a:spcAft>
-              <a:buNone/>
-            </a:pPr>
-            <a:endParaRPr dirty="0"/>
-          </a:p>
-        </p:txBody>
-      </p:sp>
+      </p:pic>
     </p:spTree>
+    <p:extLst>
+      <p:ext uri="{BB962C8B-B14F-4D97-AF65-F5344CB8AC3E}">
+        <p14:creationId xmlns:p14="http://schemas.microsoft.com/office/powerpoint/2010/main" val="4096155476"/>
+      </p:ext>
+    </p:extLst>
   </p:cSld>
   <p:clrMapOvr>
     <a:masterClrMapping/>
@@ -10507,7 +11537,7 @@
   <p:cSld>
     <p:spTree>
       <p:nvGrpSpPr>
-        <p:cNvPr id="1" name="Shape 144"/>
+        <p:cNvPr id="1" name=""/>
         <p:cNvGrpSpPr/>
         <p:nvPr/>
       </p:nvGrpSpPr>
@@ -10521,207 +11551,524 @@
       </p:grpSpPr>
       <p:sp>
         <p:nvSpPr>
-          <p:cNvPr id="145" name="Google Shape;145;p29"/>
-          <p:cNvSpPr txBox="1">
+          <p:cNvPr id="2" name="Title 1"/>
+          <p:cNvSpPr>
             <a:spLocks noGrp="1"/>
           </p:cNvSpPr>
           <p:nvPr>
             <p:ph type="title"/>
           </p:nvPr>
         </p:nvSpPr>
+        <p:spPr/>
+        <p:txBody>
+          <a:bodyPr>
+            <a:normAutofit fontScale="90000"/>
+          </a:bodyPr>
+          <a:lstStyle/>
+          <a:p>
+            <a:r>
+              <a:rPr lang="en-US" dirty="0" smtClean="0"/>
+              <a:t>Adam</a:t>
+            </a:r>
+            <a:endParaRPr lang="en-US" dirty="0"/>
+          </a:p>
+        </p:txBody>
+      </p:sp>
+      <p:pic>
+        <p:nvPicPr>
+          <p:cNvPr id="4" name="Picture 3"/>
+          <p:cNvPicPr>
+            <a:picLocks noChangeAspect="1"/>
+          </p:cNvPicPr>
+          <p:nvPr/>
+        </p:nvPicPr>
+        <p:blipFill rotWithShape="1">
+          <a:blip r:embed="rId2"/>
+          <a:srcRect l="29909" t="11827" r="28174" b="79812"/>
+          <a:stretch/>
+        </p:blipFill>
         <p:spPr>
           <a:xfrm>
-            <a:off x="311700" y="445025"/>
-            <a:ext cx="8520600" cy="572700"/>
+            <a:off x="3138551" y="2312582"/>
+            <a:ext cx="2866899" cy="534286"/>
           </a:xfrm>
           <a:prstGeom prst="rect">
             <a:avLst/>
           </a:prstGeom>
         </p:spPr>
+      </p:pic>
+      <p:sp>
+        <p:nvSpPr>
+          <p:cNvPr id="5" name="Content Placeholder 2"/>
+          <p:cNvSpPr>
+            <a:spLocks noGrp="1"/>
+          </p:cNvSpPr>
+          <p:nvPr>
+            <p:ph idx="1"/>
+          </p:nvPr>
+        </p:nvSpPr>
+        <p:spPr>
+          <a:xfrm>
+            <a:off x="628651" y="1369219"/>
+            <a:ext cx="7592975" cy="2602042"/>
+          </a:xfrm>
+        </p:spPr>
         <p:txBody>
-          <a:bodyPr spcFirstLastPara="1" wrap="square" lIns="91425" tIns="91425" rIns="91425" bIns="91425" anchor="t" anchorCtr="0">
+          <a:bodyPr/>
+          <a:lstStyle/>
+          <a:p>
+            <a:r>
+              <a:rPr lang="en-US" dirty="0" err="1" smtClean="0"/>
+              <a:t>Với</a:t>
+            </a:r>
+            <a:r>
+              <a:rPr lang="en-US" dirty="0" smtClean="0"/>
+              <a:t> gradient </a:t>
+            </a:r>
+            <a:r>
+              <a:rPr lang="en-US" dirty="0" err="1" smtClean="0"/>
+              <a:t>gt</a:t>
+            </a:r>
+            <a:r>
+              <a:rPr lang="en-US" dirty="0" smtClean="0"/>
+              <a:t>, ta </a:t>
+            </a:r>
+            <a:r>
+              <a:rPr lang="en-US" dirty="0" err="1" smtClean="0"/>
+              <a:t>tính</a:t>
+            </a:r>
+            <a:r>
+              <a:rPr lang="en-US" dirty="0" smtClean="0"/>
+              <a:t> </a:t>
+            </a:r>
+            <a:r>
+              <a:rPr lang="en-US" dirty="0" err="1" smtClean="0"/>
+              <a:t>các</a:t>
+            </a:r>
+            <a:r>
+              <a:rPr lang="en-US" dirty="0" smtClean="0"/>
+              <a:t> </a:t>
+            </a:r>
+            <a:r>
+              <a:rPr lang="en-US" dirty="0" err="1" smtClean="0"/>
+              <a:t>đại</a:t>
+            </a:r>
+            <a:r>
+              <a:rPr lang="en-US" dirty="0" smtClean="0"/>
+              <a:t> </a:t>
+            </a:r>
+            <a:r>
+              <a:rPr lang="en-US" dirty="0" err="1" smtClean="0"/>
+              <a:t>lượng</a:t>
+            </a:r>
+            <a:r>
+              <a:rPr lang="en-US" dirty="0" smtClean="0"/>
+              <a:t> </a:t>
+            </a:r>
+            <a:r>
+              <a:rPr lang="en-US" dirty="0" err="1" smtClean="0"/>
+              <a:t>vt</a:t>
+            </a:r>
+            <a:r>
+              <a:rPr lang="en-US" dirty="0" smtClean="0"/>
+              <a:t> </a:t>
+            </a:r>
+            <a:r>
+              <a:rPr lang="en-US" dirty="0" err="1" smtClean="0"/>
+              <a:t>và</a:t>
+            </a:r>
+            <a:r>
+              <a:rPr lang="en-US" dirty="0" smtClean="0"/>
+              <a:t> </a:t>
+            </a:r>
+            <a:r>
+              <a:rPr lang="en-US" dirty="0" err="1" smtClean="0"/>
+              <a:t>st</a:t>
+            </a:r>
+            <a:r>
+              <a:rPr lang="en-US" dirty="0" smtClean="0"/>
+              <a:t> </a:t>
+            </a:r>
+            <a:r>
+              <a:rPr lang="en-US" dirty="0" err="1" smtClean="0"/>
+              <a:t>bằng</a:t>
+            </a:r>
+            <a:r>
+              <a:rPr lang="en-US" dirty="0" smtClean="0"/>
+              <a:t> </a:t>
+            </a:r>
+            <a:r>
+              <a:rPr lang="en-US" dirty="0" err="1" smtClean="0"/>
+              <a:t>cách</a:t>
+            </a:r>
+            <a:r>
+              <a:rPr lang="en-US" dirty="0" smtClean="0"/>
+              <a:t> </a:t>
+            </a:r>
+            <a:r>
+              <a:rPr lang="en-US" dirty="0" err="1" smtClean="0"/>
+              <a:t>cộng</a:t>
+            </a:r>
+            <a:r>
+              <a:rPr lang="en-US" dirty="0" smtClean="0"/>
+              <a:t> </a:t>
+            </a:r>
+            <a:r>
+              <a:rPr lang="en-US" dirty="0" err="1" smtClean="0"/>
+              <a:t>dồn</a:t>
+            </a:r>
+            <a:r>
+              <a:rPr lang="en-US" dirty="0" smtClean="0"/>
+              <a:t> </a:t>
+            </a:r>
+            <a:r>
+              <a:rPr lang="en-US" dirty="0" err="1" smtClean="0"/>
+              <a:t>từ</a:t>
+            </a:r>
+            <a:r>
+              <a:rPr lang="en-US" dirty="0" smtClean="0"/>
+              <a:t> </a:t>
+            </a:r>
+            <a:r>
+              <a:rPr lang="en-US" dirty="0" err="1" smtClean="0"/>
+              <a:t>những</a:t>
+            </a:r>
+            <a:r>
+              <a:rPr lang="en-US" dirty="0" smtClean="0"/>
+              <a:t> </a:t>
+            </a:r>
+            <a:r>
+              <a:rPr lang="en-US" dirty="0" err="1" smtClean="0"/>
+              <a:t>bước</a:t>
+            </a:r>
+            <a:r>
+              <a:rPr lang="en-US" dirty="0" smtClean="0"/>
+              <a:t> </a:t>
+            </a:r>
+            <a:r>
+              <a:rPr lang="en-US" dirty="0" err="1" smtClean="0"/>
+              <a:t>trước</a:t>
+            </a:r>
+            <a:r>
+              <a:rPr lang="en-US" dirty="0" smtClean="0"/>
+              <a:t>:</a:t>
+            </a:r>
+          </a:p>
+          <a:p>
+            <a:endParaRPr lang="en-US" dirty="0"/>
+          </a:p>
+          <a:p>
+            <a:endParaRPr lang="en-US" dirty="0" smtClean="0"/>
+          </a:p>
+          <a:p>
+            <a:endParaRPr lang="en-US" dirty="0"/>
+          </a:p>
+          <a:p>
+            <a:r>
+              <a:rPr lang="en-US" dirty="0" smtClean="0"/>
+              <a:t>Momentum </a:t>
+            </a:r>
+            <a:r>
+              <a:rPr lang="en-US" dirty="0" err="1" smtClean="0"/>
+              <a:t>cũng</a:t>
+            </a:r>
+            <a:r>
+              <a:rPr lang="en-US" dirty="0" smtClean="0"/>
+              <a:t> </a:t>
+            </a:r>
+            <a:r>
+              <a:rPr lang="en-US" dirty="0" err="1" smtClean="0"/>
+              <a:t>nằm</a:t>
+            </a:r>
+            <a:r>
+              <a:rPr lang="en-US" dirty="0" smtClean="0"/>
+              <a:t> </a:t>
+            </a:r>
+            <a:r>
+              <a:rPr lang="en-US" dirty="0" err="1" smtClean="0"/>
+              <a:t>trong</a:t>
+            </a:r>
+            <a:r>
+              <a:rPr lang="en-US" dirty="0" smtClean="0"/>
+              <a:t> </a:t>
+            </a:r>
+            <a:r>
+              <a:rPr lang="en-US" dirty="0" err="1" smtClean="0"/>
+              <a:t>công</a:t>
+            </a:r>
+            <a:r>
+              <a:rPr lang="en-US" dirty="0" smtClean="0"/>
+              <a:t> </a:t>
+            </a:r>
+            <a:r>
+              <a:rPr lang="en-US" dirty="0" err="1" smtClean="0"/>
+              <a:t>thức</a:t>
+            </a:r>
+            <a:r>
+              <a:rPr lang="en-US" dirty="0" smtClean="0"/>
+              <a:t> </a:t>
+            </a:r>
+            <a:r>
+              <a:rPr lang="en-US" dirty="0" err="1" smtClean="0"/>
+              <a:t>này</a:t>
+            </a:r>
+            <a:endParaRPr lang="en-US" dirty="0"/>
+          </a:p>
+        </p:txBody>
+      </p:sp>
+    </p:spTree>
+    <p:extLst>
+      <p:ext uri="{BB962C8B-B14F-4D97-AF65-F5344CB8AC3E}">
+        <p14:creationId xmlns:p14="http://schemas.microsoft.com/office/powerpoint/2010/main" val="3743894359"/>
+      </p:ext>
+    </p:extLst>
+  </p:cSld>
+  <p:clrMapOvr>
+    <a:masterClrMapping/>
+  </p:clrMapOvr>
+</p:sld>
+</file>
+
+<file path=ppt/slides/slide29.xml><?xml version="1.0" encoding="utf-8"?>
+<p:sld xmlns:a="http://schemas.openxmlformats.org/drawingml/2006/main" xmlns:r="http://schemas.openxmlformats.org/officeDocument/2006/relationships" xmlns:p="http://schemas.openxmlformats.org/presentationml/2006/main">
+  <p:cSld>
+    <p:spTree>
+      <p:nvGrpSpPr>
+        <p:cNvPr id="1" name=""/>
+        <p:cNvGrpSpPr/>
+        <p:nvPr/>
+      </p:nvGrpSpPr>
+      <p:grpSpPr>
+        <a:xfrm>
+          <a:off x="0" y="0"/>
+          <a:ext cx="0" cy="0"/>
+          <a:chOff x="0" y="0"/>
+          <a:chExt cx="0" cy="0"/>
+        </a:xfrm>
+      </p:grpSpPr>
+      <p:sp>
+        <p:nvSpPr>
+          <p:cNvPr id="2" name="Title 1"/>
+          <p:cNvSpPr>
+            <a:spLocks noGrp="1"/>
+          </p:cNvSpPr>
+          <p:nvPr>
+            <p:ph type="title"/>
+          </p:nvPr>
+        </p:nvSpPr>
+        <p:spPr/>
+        <p:txBody>
+          <a:bodyPr>
             <a:normAutofit fontScale="90000"/>
           </a:bodyPr>
           <a:lstStyle/>
           <a:p>
-            <a:pPr lvl="0"/>
-            <a:r>
-              <a:rPr lang="en-GB" dirty="0" smtClean="0"/>
-              <a:t>Solution</a:t>
-            </a:r>
-            <a:endParaRPr dirty="0"/>
+            <a:r>
+              <a:rPr lang="en-US" dirty="0" smtClean="0"/>
+              <a:t>Adam</a:t>
+            </a:r>
+            <a:endParaRPr lang="en-US" dirty="0"/>
           </a:p>
         </p:txBody>
       </p:sp>
-      <p:sp>
-        <p:nvSpPr>
-          <p:cNvPr id="146" name="Google Shape;146;p29"/>
-          <p:cNvSpPr txBox="1">
-            <a:spLocks noGrp="1"/>
-          </p:cNvSpPr>
-          <p:nvPr>
-            <p:ph type="body" idx="1"/>
-          </p:nvPr>
-        </p:nvSpPr>
+      <p:pic>
+        <p:nvPicPr>
+          <p:cNvPr id="4" name="Picture 3"/>
+          <p:cNvPicPr>
+            <a:picLocks noChangeAspect="1"/>
+          </p:cNvPicPr>
+          <p:nvPr/>
+        </p:nvPicPr>
+        <p:blipFill rotWithShape="1">
+          <a:blip r:embed="rId2"/>
+          <a:srcRect l="27051" t="40374" r="27794" b="51674"/>
+          <a:stretch/>
+        </p:blipFill>
         <p:spPr>
           <a:xfrm>
-            <a:off x="311700" y="1152475"/>
-            <a:ext cx="8520600" cy="3416400"/>
+            <a:off x="4029526" y="1858039"/>
+            <a:ext cx="2956064" cy="486441"/>
           </a:xfrm>
           <a:prstGeom prst="rect">
             <a:avLst/>
           </a:prstGeom>
         </p:spPr>
+      </p:pic>
+      <p:sp>
+        <p:nvSpPr>
+          <p:cNvPr id="5" name="Content Placeholder 2"/>
+          <p:cNvSpPr>
+            <a:spLocks noGrp="1"/>
+          </p:cNvSpPr>
+          <p:nvPr>
+            <p:ph idx="1"/>
+          </p:nvPr>
+        </p:nvSpPr>
+        <p:spPr>
+          <a:xfrm>
+            <a:off x="628650" y="1369219"/>
+            <a:ext cx="5790757" cy="3263504"/>
+          </a:xfrm>
+        </p:spPr>
         <p:txBody>
-          <a:bodyPr spcFirstLastPara="1" wrap="square" lIns="91425" tIns="91425" rIns="91425" bIns="91425" anchor="t" anchorCtr="0">
-            <a:normAutofit fontScale="77500" lnSpcReduction="20000"/>
-          </a:bodyPr>
+          <a:bodyPr/>
           <a:lstStyle/>
           <a:p>
             <a:r>
-              <a:rPr lang="en-US" b="1" dirty="0" smtClean="0"/>
-              <a:t>1. Reducing </a:t>
-            </a:r>
-            <a:r>
-              <a:rPr lang="en-US" b="1" dirty="0"/>
-              <a:t>the amount of Layers</a:t>
-            </a:r>
+              <a:rPr lang="en-US" dirty="0" err="1" smtClean="0"/>
+              <a:t>Các</a:t>
+            </a:r>
+            <a:r>
+              <a:rPr lang="en-US" dirty="0" smtClean="0"/>
+              <a:t> </a:t>
+            </a:r>
+            <a:r>
+              <a:rPr lang="en-US" dirty="0" err="1" smtClean="0"/>
+              <a:t>đại</a:t>
+            </a:r>
+            <a:r>
+              <a:rPr lang="en-US" dirty="0" smtClean="0"/>
+              <a:t> </a:t>
+            </a:r>
+            <a:r>
+              <a:rPr lang="en-US" dirty="0" err="1" smtClean="0"/>
+              <a:t>lượng</a:t>
+            </a:r>
+            <a:r>
+              <a:rPr lang="en-US" dirty="0" smtClean="0"/>
+              <a:t> </a:t>
+            </a:r>
+            <a:r>
+              <a:rPr lang="en-US" dirty="0" err="1" smtClean="0"/>
+              <a:t>vt</a:t>
+            </a:r>
+            <a:r>
+              <a:rPr lang="en-US" dirty="0" smtClean="0"/>
+              <a:t> </a:t>
+            </a:r>
+            <a:r>
+              <a:rPr lang="en-US" dirty="0" err="1" smtClean="0"/>
+              <a:t>và</a:t>
+            </a:r>
+            <a:r>
+              <a:rPr lang="en-US" dirty="0" smtClean="0"/>
+              <a:t> </a:t>
+            </a:r>
+            <a:r>
+              <a:rPr lang="en-US" dirty="0" err="1" smtClean="0"/>
+              <a:t>st</a:t>
+            </a:r>
+            <a:r>
+              <a:rPr lang="en-US" dirty="0" smtClean="0"/>
+              <a:t> </a:t>
+            </a:r>
+            <a:r>
+              <a:rPr lang="en-US" dirty="0" err="1" smtClean="0"/>
+              <a:t>được</a:t>
+            </a:r>
+            <a:r>
+              <a:rPr lang="en-US" dirty="0" smtClean="0"/>
+              <a:t> normalize:</a:t>
+            </a:r>
+          </a:p>
+          <a:p>
             <a:endParaRPr lang="en-US" dirty="0"/>
           </a:p>
           <a:p>
-            <a:pPr marL="114300" indent="0">
-              <a:buNone/>
-            </a:pPr>
-            <a:r>
-              <a:rPr lang="en-US" dirty="0"/>
-              <a:t>This is the solution could be used in both, scenarios (exploding and vanishing gradient). However, by reducing the amount of layers in our network, we give up some of our models complexity, since having more layers makes the networks more capable of representing complex mappings</a:t>
-            </a:r>
-            <a:r>
-              <a:rPr lang="en-US" dirty="0" smtClean="0"/>
-              <a:t>.</a:t>
-            </a:r>
-          </a:p>
-          <a:p>
-            <a:pPr marL="114300" indent="0">
-              <a:buNone/>
-            </a:pPr>
+            <a:endParaRPr lang="en-US" dirty="0" smtClean="0"/>
+          </a:p>
+          <a:p>
+            <a:r>
+              <a:rPr lang="en-US" dirty="0" smtClean="0"/>
+              <a:t>Gradient </a:t>
+            </a:r>
+            <a:r>
+              <a:rPr lang="en-US" dirty="0" err="1" smtClean="0"/>
+              <a:t>cuối</a:t>
+            </a:r>
+            <a:r>
+              <a:rPr lang="en-US" dirty="0" smtClean="0"/>
+              <a:t> </a:t>
+            </a:r>
+            <a:r>
+              <a:rPr lang="en-US" dirty="0" err="1" smtClean="0"/>
+              <a:t>cùng</a:t>
+            </a:r>
+            <a:r>
+              <a:rPr lang="en-US" dirty="0" smtClean="0"/>
+              <a:t> </a:t>
+            </a:r>
+            <a:r>
+              <a:rPr lang="en-US" dirty="0" err="1" smtClean="0"/>
+              <a:t>được</a:t>
+            </a:r>
+            <a:r>
+              <a:rPr lang="en-US" dirty="0" smtClean="0"/>
+              <a:t> </a:t>
+            </a:r>
+            <a:r>
+              <a:rPr lang="en-US" dirty="0" err="1" smtClean="0"/>
+              <a:t>tính</a:t>
+            </a:r>
+            <a:r>
+              <a:rPr lang="en-US" dirty="0" smtClean="0"/>
+              <a:t> </a:t>
+            </a:r>
+            <a:r>
+              <a:rPr lang="en-US" dirty="0" err="1" smtClean="0"/>
+              <a:t>theo</a:t>
+            </a:r>
+            <a:r>
+              <a:rPr lang="en-US" dirty="0" smtClean="0"/>
+              <a:t> </a:t>
+            </a:r>
+            <a:r>
+              <a:rPr lang="en-US" dirty="0" err="1" smtClean="0"/>
+              <a:t>công</a:t>
+            </a:r>
+            <a:r>
+              <a:rPr lang="en-US" dirty="0" smtClean="0"/>
+              <a:t> </a:t>
+            </a:r>
+            <a:r>
+              <a:rPr lang="en-US" dirty="0" err="1" smtClean="0"/>
+              <a:t>thức</a:t>
+            </a:r>
+            <a:r>
+              <a:rPr lang="en-US" dirty="0" smtClean="0"/>
+              <a:t>:</a:t>
+            </a:r>
             <a:endParaRPr lang="en-US" dirty="0"/>
           </a:p>
-          <a:p>
-            <a:r>
-              <a:rPr lang="en-US" b="1" dirty="0"/>
-              <a:t>2. Gradient Clipping (Exploding Gradients)</a:t>
-            </a:r>
-            <a:endParaRPr lang="en-US" dirty="0"/>
-          </a:p>
-          <a:p>
-            <a:pPr marL="114300" indent="0">
-              <a:buNone/>
-            </a:pPr>
-            <a:r>
-              <a:rPr lang="en-US" dirty="0"/>
-              <a:t>Checking for and limiting the size of the gradients whilst our model trains is another solution. Going into the details of this technique is beyond the scope of this article, but you can read more about gradient clipping in an article by </a:t>
-            </a:r>
-            <a:r>
-              <a:rPr lang="en-US" dirty="0" err="1" smtClean="0">
-                <a:hlinkClick r:id="rId3"/>
-              </a:rPr>
-              <a:t>Wanshun</a:t>
-            </a:r>
-            <a:r>
-              <a:rPr lang="en-US" dirty="0" smtClean="0">
-                <a:hlinkClick r:id="rId3"/>
-              </a:rPr>
-              <a:t> Wong</a:t>
-            </a:r>
-            <a:r>
-              <a:rPr lang="en-US" dirty="0"/>
-              <a:t> titled What is </a:t>
-            </a:r>
-            <a:r>
-              <a:rPr lang="en-US" u="sng" dirty="0">
-                <a:hlinkClick r:id="rId4"/>
-              </a:rPr>
-              <a:t>Gradient </a:t>
-            </a:r>
-            <a:r>
-              <a:rPr lang="en-US" u="sng" dirty="0" smtClean="0">
-                <a:hlinkClick r:id="rId4"/>
-              </a:rPr>
-              <a:t>Clipping</a:t>
-            </a:r>
-            <a:r>
-              <a:rPr lang="en-US" dirty="0" smtClean="0"/>
-              <a:t>.</a:t>
-            </a:r>
-          </a:p>
-          <a:p>
-            <a:pPr marL="114300" indent="0">
-              <a:buNone/>
-            </a:pPr>
-            <a:endParaRPr lang="en-US" dirty="0" smtClean="0"/>
-          </a:p>
-          <a:p>
-            <a:r>
-              <a:rPr lang="en-US" b="1" dirty="0" smtClean="0"/>
-              <a:t>3</a:t>
-            </a:r>
-            <a:r>
-              <a:rPr lang="en-US" b="1" dirty="0"/>
-              <a:t>. Weight Initialization</a:t>
-            </a:r>
-            <a:endParaRPr lang="en-US" dirty="0"/>
-          </a:p>
-          <a:p>
-            <a:pPr marL="114300" indent="0">
-              <a:buNone/>
-            </a:pPr>
-            <a:r>
-              <a:rPr lang="en-US" dirty="0"/>
-              <a:t>A more careful initialization choice of the random initialization for your network tends to be a partial solution, since it does not solve the problem completely. Check out this article by </a:t>
-            </a:r>
-            <a:r>
-              <a:rPr lang="en-US" dirty="0" smtClean="0">
-                <a:hlinkClick r:id="rId5"/>
-              </a:rPr>
-              <a:t>James Dellinger</a:t>
-            </a:r>
-            <a:r>
-              <a:rPr lang="en-US" dirty="0"/>
-              <a:t> - </a:t>
-            </a:r>
-            <a:r>
-              <a:rPr lang="en-US" u="sng" dirty="0">
-                <a:hlinkClick r:id="rId6"/>
-              </a:rPr>
-              <a:t>Weight Initialization in Neural Networks: A journey from the basics to </a:t>
-            </a:r>
-            <a:r>
-              <a:rPr lang="en-US" u="sng" dirty="0" err="1">
-                <a:hlinkClick r:id="rId6"/>
-              </a:rPr>
-              <a:t>Kaiming</a:t>
-            </a:r>
-            <a:endParaRPr lang="en-US" dirty="0"/>
-          </a:p>
-          <a:p>
-            <a:pPr marL="0" lvl="0" indent="0" algn="l" rtl="0">
-              <a:spcBef>
-                <a:spcPts val="0"/>
-              </a:spcBef>
-              <a:spcAft>
-                <a:spcPts val="1200"/>
-              </a:spcAft>
-              <a:buNone/>
-            </a:pPr>
-            <a:endParaRPr dirty="0"/>
-          </a:p>
         </p:txBody>
       </p:sp>
+      <p:pic>
+        <p:nvPicPr>
+          <p:cNvPr id="6" name="Picture 5"/>
+          <p:cNvPicPr>
+            <a:picLocks noChangeAspect="1"/>
+          </p:cNvPicPr>
+          <p:nvPr/>
+        </p:nvPicPr>
+        <p:blipFill rotWithShape="1">
+          <a:blip r:embed="rId2"/>
+          <a:srcRect l="31624" t="57503" r="38463" b="32303"/>
+          <a:stretch/>
+        </p:blipFill>
+        <p:spPr>
+          <a:xfrm>
+            <a:off x="4122775" y="3117998"/>
+            <a:ext cx="2453885" cy="781493"/>
+          </a:xfrm>
+          <a:prstGeom prst="rect">
+            <a:avLst/>
+          </a:prstGeom>
+        </p:spPr>
+      </p:pic>
     </p:spTree>
     <p:extLst>
       <p:ext uri="{BB962C8B-B14F-4D97-AF65-F5344CB8AC3E}">
-        <p14:creationId xmlns:p14="http://schemas.microsoft.com/office/powerpoint/2010/main" val="3839797778"/>
+        <p14:creationId xmlns:p14="http://schemas.microsoft.com/office/powerpoint/2010/main" val="201946180"/>
       </p:ext>
     </p:extLst>
   </p:cSld>
@@ -10839,6 +12186,1564 @@
     <p:extLst>
       <p:ext uri="{BB962C8B-B14F-4D97-AF65-F5344CB8AC3E}">
         <p14:creationId xmlns:p14="http://schemas.microsoft.com/office/powerpoint/2010/main" val="614297317"/>
+      </p:ext>
+    </p:extLst>
+  </p:cSld>
+  <p:clrMapOvr>
+    <a:masterClrMapping/>
+  </p:clrMapOvr>
+</p:sld>
+</file>
+
+<file path=ppt/slides/slide30.xml><?xml version="1.0" encoding="utf-8"?>
+<p:sld xmlns:a="http://schemas.openxmlformats.org/drawingml/2006/main" xmlns:r="http://schemas.openxmlformats.org/officeDocument/2006/relationships" xmlns:p="http://schemas.openxmlformats.org/presentationml/2006/main">
+  <p:cSld>
+    <p:spTree>
+      <p:nvGrpSpPr>
+        <p:cNvPr id="1" name=""/>
+        <p:cNvGrpSpPr/>
+        <p:nvPr/>
+      </p:nvGrpSpPr>
+      <p:grpSpPr>
+        <a:xfrm>
+          <a:off x="0" y="0"/>
+          <a:ext cx="0" cy="0"/>
+          <a:chOff x="0" y="0"/>
+          <a:chExt cx="0" cy="0"/>
+        </a:xfrm>
+      </p:grpSpPr>
+      <p:sp>
+        <p:nvSpPr>
+          <p:cNvPr id="2" name="Title 1"/>
+          <p:cNvSpPr>
+            <a:spLocks noGrp="1"/>
+          </p:cNvSpPr>
+          <p:nvPr>
+            <p:ph type="title"/>
+          </p:nvPr>
+        </p:nvSpPr>
+        <p:spPr/>
+        <p:txBody>
+          <a:bodyPr>
+            <a:normAutofit fontScale="90000"/>
+          </a:bodyPr>
+          <a:lstStyle/>
+          <a:p>
+            <a:r>
+              <a:rPr lang="en-US" dirty="0" err="1" smtClean="0"/>
+              <a:t>Thay</a:t>
+            </a:r>
+            <a:r>
+              <a:rPr lang="en-US" dirty="0" smtClean="0"/>
+              <a:t> </a:t>
+            </a:r>
+            <a:r>
+              <a:rPr lang="en-US" dirty="0" err="1" smtClean="0"/>
+              <a:t>đổi</a:t>
+            </a:r>
+            <a:r>
+              <a:rPr lang="en-US" dirty="0" smtClean="0"/>
+              <a:t> learning rate </a:t>
+            </a:r>
+            <a:r>
+              <a:rPr lang="en-US" dirty="0" err="1" smtClean="0"/>
+              <a:t>theo</a:t>
+            </a:r>
+            <a:r>
+              <a:rPr lang="en-US" dirty="0" smtClean="0"/>
+              <a:t> </a:t>
+            </a:r>
+            <a:r>
+              <a:rPr lang="en-US" dirty="0" err="1" smtClean="0"/>
+              <a:t>lịch</a:t>
+            </a:r>
+            <a:r>
+              <a:rPr lang="en-US" dirty="0" smtClean="0"/>
+              <a:t> </a:t>
+            </a:r>
+            <a:r>
+              <a:rPr lang="en-US" dirty="0" err="1" smtClean="0"/>
+              <a:t>trình</a:t>
+            </a:r>
+            <a:endParaRPr lang="en-US" dirty="0"/>
+          </a:p>
+        </p:txBody>
+      </p:sp>
+      <p:sp>
+        <p:nvSpPr>
+          <p:cNvPr id="3" name="Content Placeholder 2"/>
+          <p:cNvSpPr>
+            <a:spLocks noGrp="1"/>
+          </p:cNvSpPr>
+          <p:nvPr>
+            <p:ph idx="1"/>
+          </p:nvPr>
+        </p:nvSpPr>
+        <p:spPr>
+          <a:xfrm>
+            <a:off x="628650" y="1369219"/>
+            <a:ext cx="3366534" cy="3263504"/>
+          </a:xfrm>
+        </p:spPr>
+        <p:txBody>
+          <a:bodyPr/>
+          <a:lstStyle/>
+          <a:p>
+            <a:r>
+              <a:rPr lang="en-US" dirty="0" smtClean="0"/>
+              <a:t>Theo </a:t>
+            </a:r>
+            <a:r>
+              <a:rPr lang="en-US" dirty="0" err="1" smtClean="0"/>
+              <a:t>số</a:t>
+            </a:r>
+            <a:r>
+              <a:rPr lang="en-US" dirty="0" smtClean="0"/>
+              <a:t> </a:t>
+            </a:r>
+            <a:r>
+              <a:rPr lang="en-US" dirty="0" err="1" smtClean="0"/>
+              <a:t>bước</a:t>
+            </a:r>
+            <a:r>
+              <a:rPr lang="en-US" dirty="0" smtClean="0"/>
+              <a:t> </a:t>
+            </a:r>
+            <a:r>
+              <a:rPr lang="en-US" dirty="0" err="1" smtClean="0"/>
+              <a:t>huấn</a:t>
+            </a:r>
+            <a:r>
+              <a:rPr lang="en-US" dirty="0" smtClean="0"/>
+              <a:t> </a:t>
+            </a:r>
+            <a:r>
+              <a:rPr lang="en-US" dirty="0" err="1" smtClean="0"/>
+              <a:t>luyện</a:t>
+            </a:r>
+            <a:r>
+              <a:rPr lang="en-US" dirty="0" smtClean="0"/>
+              <a:t>:</a:t>
+            </a:r>
+          </a:p>
+          <a:p>
+            <a:endParaRPr lang="en-US" dirty="0"/>
+          </a:p>
+          <a:p>
+            <a:r>
+              <a:rPr lang="en-US" dirty="0" smtClean="0"/>
+              <a:t>Theo </a:t>
+            </a:r>
+            <a:r>
+              <a:rPr lang="en-US" dirty="0" err="1" smtClean="0"/>
+              <a:t>hằng</a:t>
+            </a:r>
+            <a:r>
+              <a:rPr lang="en-US" dirty="0" smtClean="0"/>
+              <a:t> </a:t>
+            </a:r>
+            <a:r>
+              <a:rPr lang="en-US" dirty="0" err="1" smtClean="0"/>
+              <a:t>số</a:t>
+            </a:r>
+            <a:r>
+              <a:rPr lang="en-US" dirty="0" smtClean="0"/>
+              <a:t>:</a:t>
+            </a:r>
+            <a:endParaRPr lang="en-US" dirty="0"/>
+          </a:p>
+        </p:txBody>
+      </p:sp>
+      <p:pic>
+        <p:nvPicPr>
+          <p:cNvPr id="4" name="Picture 3"/>
+          <p:cNvPicPr>
+            <a:picLocks noChangeAspect="1"/>
+          </p:cNvPicPr>
+          <p:nvPr/>
+        </p:nvPicPr>
+        <p:blipFill>
+          <a:blip r:embed="rId2"/>
+          <a:stretch>
+            <a:fillRect/>
+          </a:stretch>
+        </p:blipFill>
+        <p:spPr>
+          <a:xfrm>
+            <a:off x="4376266" y="1473025"/>
+            <a:ext cx="2030516" cy="440836"/>
+          </a:xfrm>
+          <a:prstGeom prst="rect">
+            <a:avLst/>
+          </a:prstGeom>
+        </p:spPr>
+      </p:pic>
+      <p:pic>
+        <p:nvPicPr>
+          <p:cNvPr id="5" name="Picture 4"/>
+          <p:cNvPicPr>
+            <a:picLocks noChangeAspect="1"/>
+          </p:cNvPicPr>
+          <p:nvPr/>
+        </p:nvPicPr>
+        <p:blipFill>
+          <a:blip r:embed="rId3"/>
+          <a:stretch>
+            <a:fillRect/>
+          </a:stretch>
+        </p:blipFill>
+        <p:spPr>
+          <a:xfrm>
+            <a:off x="3995184" y="2181087"/>
+            <a:ext cx="2206106" cy="298958"/>
+          </a:xfrm>
+          <a:prstGeom prst="rect">
+            <a:avLst/>
+          </a:prstGeom>
+        </p:spPr>
+      </p:pic>
+      <p:pic>
+        <p:nvPicPr>
+          <p:cNvPr id="6" name="Picture 5"/>
+          <p:cNvPicPr>
+            <a:picLocks noChangeAspect="1"/>
+          </p:cNvPicPr>
+          <p:nvPr/>
+        </p:nvPicPr>
+        <p:blipFill>
+          <a:blip r:embed="rId4"/>
+          <a:stretch>
+            <a:fillRect/>
+          </a:stretch>
+        </p:blipFill>
+        <p:spPr>
+          <a:xfrm>
+            <a:off x="6594760" y="2199070"/>
+            <a:ext cx="2029262" cy="280975"/>
+          </a:xfrm>
+          <a:prstGeom prst="rect">
+            <a:avLst/>
+          </a:prstGeom>
+        </p:spPr>
+      </p:pic>
+    </p:spTree>
+    <p:extLst>
+      <p:ext uri="{BB962C8B-B14F-4D97-AF65-F5344CB8AC3E}">
+        <p14:creationId xmlns:p14="http://schemas.microsoft.com/office/powerpoint/2010/main" val="3693882434"/>
+      </p:ext>
+    </p:extLst>
+  </p:cSld>
+  <p:clrMapOvr>
+    <a:masterClrMapping/>
+  </p:clrMapOvr>
+</p:sld>
+</file>
+
+<file path=ppt/slides/slide31.xml><?xml version="1.0" encoding="utf-8"?>
+<p:sld xmlns:a="http://schemas.openxmlformats.org/drawingml/2006/main" xmlns:r="http://schemas.openxmlformats.org/officeDocument/2006/relationships" xmlns:p="http://schemas.openxmlformats.org/presentationml/2006/main">
+  <p:cSld>
+    <p:spTree>
+      <p:nvGrpSpPr>
+        <p:cNvPr id="1" name=""/>
+        <p:cNvGrpSpPr/>
+        <p:nvPr/>
+      </p:nvGrpSpPr>
+      <p:grpSpPr>
+        <a:xfrm>
+          <a:off x="0" y="0"/>
+          <a:ext cx="0" cy="0"/>
+          <a:chOff x="0" y="0"/>
+          <a:chExt cx="0" cy="0"/>
+        </a:xfrm>
+      </p:grpSpPr>
+      <p:sp>
+        <p:nvSpPr>
+          <p:cNvPr id="2" name="Title 1"/>
+          <p:cNvSpPr>
+            <a:spLocks noGrp="1"/>
+          </p:cNvSpPr>
+          <p:nvPr>
+            <p:ph type="title"/>
+          </p:nvPr>
+        </p:nvSpPr>
+        <p:spPr/>
+        <p:txBody>
+          <a:bodyPr>
+            <a:normAutofit fontScale="90000"/>
+          </a:bodyPr>
+          <a:lstStyle/>
+          <a:p>
+            <a:r>
+              <a:rPr lang="fr-FR" dirty="0" err="1" smtClean="0"/>
+              <a:t>Khởi</a:t>
+            </a:r>
+            <a:r>
+              <a:rPr lang="fr-FR" dirty="0" smtClean="0"/>
+              <a:t> </a:t>
+            </a:r>
+            <a:r>
+              <a:rPr lang="fr-FR" dirty="0" err="1" smtClean="0"/>
+              <a:t>động</a:t>
+            </a:r>
+            <a:r>
+              <a:rPr lang="fr-FR" dirty="0" smtClean="0"/>
+              <a:t> (warm up)</a:t>
+            </a:r>
+            <a:endParaRPr lang="en-US" dirty="0"/>
+          </a:p>
+        </p:txBody>
+      </p:sp>
+      <p:sp>
+        <p:nvSpPr>
+          <p:cNvPr id="3" name="Content Placeholder 2"/>
+          <p:cNvSpPr>
+            <a:spLocks noGrp="1"/>
+          </p:cNvSpPr>
+          <p:nvPr>
+            <p:ph idx="1"/>
+          </p:nvPr>
+        </p:nvSpPr>
+        <p:spPr/>
+        <p:txBody>
+          <a:bodyPr/>
+          <a:lstStyle/>
+          <a:p>
+            <a:r>
+              <a:rPr lang="en-US" dirty="0" err="1" smtClean="0"/>
+              <a:t>Trong</a:t>
+            </a:r>
+            <a:r>
+              <a:rPr lang="en-US" dirty="0" smtClean="0"/>
+              <a:t> </a:t>
+            </a:r>
+            <a:r>
+              <a:rPr lang="en-US" dirty="0" err="1" smtClean="0"/>
+              <a:t>những</a:t>
+            </a:r>
+            <a:r>
+              <a:rPr lang="en-US" dirty="0" smtClean="0"/>
+              <a:t> </a:t>
+            </a:r>
+            <a:r>
+              <a:rPr lang="en-US" dirty="0" err="1" smtClean="0"/>
+              <a:t>bước</a:t>
+            </a:r>
+            <a:r>
+              <a:rPr lang="en-US" dirty="0" smtClean="0"/>
+              <a:t> </a:t>
+            </a:r>
+            <a:r>
+              <a:rPr lang="en-US" dirty="0" err="1" smtClean="0"/>
+              <a:t>đầu</a:t>
+            </a:r>
+            <a:r>
+              <a:rPr lang="en-US" dirty="0" smtClean="0"/>
+              <a:t> </a:t>
+            </a:r>
+            <a:r>
+              <a:rPr lang="en-US" dirty="0" err="1" smtClean="0"/>
+              <a:t>tiên</a:t>
+            </a:r>
+            <a:r>
+              <a:rPr lang="en-US" dirty="0" smtClean="0"/>
+              <a:t>, dung learning rate </a:t>
+            </a:r>
+            <a:r>
+              <a:rPr lang="en-US" dirty="0" err="1" smtClean="0"/>
+              <a:t>lớn</a:t>
+            </a:r>
+            <a:r>
+              <a:rPr lang="en-US" dirty="0" smtClean="0"/>
+              <a:t> </a:t>
+            </a:r>
+            <a:r>
+              <a:rPr lang="en-US" dirty="0" err="1" smtClean="0"/>
+              <a:t>và</a:t>
+            </a:r>
+            <a:r>
+              <a:rPr lang="en-US" dirty="0" smtClean="0"/>
+              <a:t> </a:t>
+            </a:r>
+            <a:r>
+              <a:rPr lang="en-US" dirty="0" err="1" smtClean="0"/>
+              <a:t>sau</a:t>
+            </a:r>
+            <a:r>
+              <a:rPr lang="en-US" dirty="0" smtClean="0"/>
+              <a:t> </a:t>
+            </a:r>
+            <a:r>
+              <a:rPr lang="en-US" dirty="0" err="1" smtClean="0"/>
+              <a:t>đó</a:t>
+            </a:r>
+            <a:r>
+              <a:rPr lang="en-US" dirty="0" smtClean="0"/>
+              <a:t> </a:t>
+            </a:r>
+            <a:r>
+              <a:rPr lang="en-US" dirty="0" err="1" smtClean="0"/>
+              <a:t>giảm</a:t>
+            </a:r>
+            <a:r>
+              <a:rPr lang="en-US" dirty="0" smtClean="0"/>
+              <a:t> </a:t>
+            </a:r>
+            <a:r>
+              <a:rPr lang="en-US" dirty="0" err="1" smtClean="0"/>
+              <a:t>dần</a:t>
+            </a:r>
+            <a:endParaRPr lang="en-US" dirty="0"/>
+          </a:p>
+        </p:txBody>
+      </p:sp>
+      <p:pic>
+        <p:nvPicPr>
+          <p:cNvPr id="4" name="Picture 3"/>
+          <p:cNvPicPr>
+            <a:picLocks noChangeAspect="1"/>
+          </p:cNvPicPr>
+          <p:nvPr/>
+        </p:nvPicPr>
+        <p:blipFill>
+          <a:blip r:embed="rId2"/>
+          <a:stretch>
+            <a:fillRect/>
+          </a:stretch>
+        </p:blipFill>
+        <p:spPr>
+          <a:xfrm>
+            <a:off x="3196828" y="2457866"/>
+            <a:ext cx="2750344" cy="1950244"/>
+          </a:xfrm>
+          <a:prstGeom prst="rect">
+            <a:avLst/>
+          </a:prstGeom>
+        </p:spPr>
+      </p:pic>
+    </p:spTree>
+    <p:extLst>
+      <p:ext uri="{BB962C8B-B14F-4D97-AF65-F5344CB8AC3E}">
+        <p14:creationId xmlns:p14="http://schemas.microsoft.com/office/powerpoint/2010/main" val="4237647607"/>
+      </p:ext>
+    </p:extLst>
+  </p:cSld>
+  <p:clrMapOvr>
+    <a:masterClrMapping/>
+  </p:clrMapOvr>
+</p:sld>
+</file>
+
+<file path=ppt/slides/slide32.xml><?xml version="1.0" encoding="utf-8"?>
+<p:sld xmlns:a="http://schemas.openxmlformats.org/drawingml/2006/main" xmlns:r="http://schemas.openxmlformats.org/officeDocument/2006/relationships" xmlns:p="http://schemas.openxmlformats.org/presentationml/2006/main">
+  <p:cSld>
+    <p:spTree>
+      <p:nvGrpSpPr>
+        <p:cNvPr id="1" name=""/>
+        <p:cNvGrpSpPr/>
+        <p:nvPr/>
+      </p:nvGrpSpPr>
+      <p:grpSpPr>
+        <a:xfrm>
+          <a:off x="0" y="0"/>
+          <a:ext cx="0" cy="0"/>
+          <a:chOff x="0" y="0"/>
+          <a:chExt cx="0" cy="0"/>
+        </a:xfrm>
+      </p:grpSpPr>
+      <p:sp>
+        <p:nvSpPr>
+          <p:cNvPr id="2" name="Title 1"/>
+          <p:cNvSpPr>
+            <a:spLocks noGrp="1"/>
+          </p:cNvSpPr>
+          <p:nvPr>
+            <p:ph type="title"/>
+          </p:nvPr>
+        </p:nvSpPr>
+        <p:spPr/>
+        <p:txBody>
+          <a:bodyPr>
+            <a:normAutofit fontScale="90000"/>
+          </a:bodyPr>
+          <a:lstStyle/>
+          <a:p>
+            <a:r>
+              <a:rPr lang="fr-FR" dirty="0" smtClean="0"/>
+              <a:t>Practice</a:t>
+            </a:r>
+            <a:endParaRPr lang="en-US" dirty="0"/>
+          </a:p>
+        </p:txBody>
+      </p:sp>
+      <p:sp>
+        <p:nvSpPr>
+          <p:cNvPr id="3" name="Text Placeholder 2"/>
+          <p:cNvSpPr>
+            <a:spLocks noGrp="1"/>
+          </p:cNvSpPr>
+          <p:nvPr>
+            <p:ph type="body" idx="1"/>
+          </p:nvPr>
+        </p:nvSpPr>
+        <p:spPr/>
+        <p:txBody>
+          <a:bodyPr/>
+          <a:lstStyle/>
+          <a:p>
+            <a:r>
+              <a:rPr lang="fr-FR" dirty="0"/>
+              <a:t>Image </a:t>
+            </a:r>
+            <a:r>
+              <a:rPr lang="fr-FR" dirty="0" err="1"/>
+              <a:t>fashion</a:t>
+            </a:r>
+            <a:r>
+              <a:rPr lang="fr-FR" dirty="0"/>
+              <a:t> </a:t>
+            </a:r>
+            <a:r>
+              <a:rPr lang="fr-FR" dirty="0" err="1"/>
+              <a:t>dataset</a:t>
+            </a:r>
+            <a:r>
+              <a:rPr lang="fr-FR" dirty="0"/>
+              <a:t> </a:t>
+            </a:r>
+            <a:r>
+              <a:rPr lang="fr-FR" dirty="0" err="1"/>
+              <a:t>analysis</a:t>
+            </a:r>
+            <a:endParaRPr lang="fr-FR" dirty="0"/>
+          </a:p>
+          <a:p>
+            <a:r>
+              <a:rPr lang="fr-FR" dirty="0" err="1"/>
+              <a:t>Logistic</a:t>
+            </a:r>
+            <a:r>
+              <a:rPr lang="fr-FR" dirty="0"/>
+              <a:t> </a:t>
+            </a:r>
+            <a:r>
+              <a:rPr lang="fr-FR" dirty="0" err="1"/>
+              <a:t>regression</a:t>
+            </a:r>
+            <a:r>
+              <a:rPr lang="fr-FR" dirty="0"/>
+              <a:t> </a:t>
+            </a:r>
+            <a:r>
+              <a:rPr lang="fr-FR" dirty="0" err="1"/>
+              <a:t>with</a:t>
+            </a:r>
+            <a:r>
+              <a:rPr lang="fr-FR" dirty="0"/>
+              <a:t> </a:t>
+            </a:r>
+            <a:r>
+              <a:rPr lang="fr-FR" dirty="0" err="1"/>
+              <a:t>fashion</a:t>
+            </a:r>
+            <a:r>
+              <a:rPr lang="fr-FR" dirty="0"/>
+              <a:t> </a:t>
+            </a:r>
+            <a:r>
+              <a:rPr lang="fr-FR" dirty="0" err="1"/>
+              <a:t>dataset</a:t>
+            </a:r>
+            <a:endParaRPr lang="fr-FR" dirty="0"/>
+          </a:p>
+          <a:p>
+            <a:r>
+              <a:rPr lang="fr-FR" dirty="0" err="1" smtClean="0"/>
+              <a:t>Fashion</a:t>
+            </a:r>
+            <a:r>
+              <a:rPr lang="fr-FR" dirty="0" smtClean="0"/>
+              <a:t> </a:t>
+            </a:r>
+            <a:r>
+              <a:rPr lang="fr-FR" dirty="0" err="1" smtClean="0"/>
+              <a:t>dataset</a:t>
+            </a:r>
+            <a:r>
+              <a:rPr lang="fr-FR" dirty="0" smtClean="0"/>
+              <a:t> </a:t>
+            </a:r>
+            <a:r>
+              <a:rPr lang="fr-FR" dirty="0" err="1" smtClean="0"/>
+              <a:t>with</a:t>
+            </a:r>
+            <a:r>
+              <a:rPr lang="fr-FR" dirty="0" smtClean="0"/>
+              <a:t> MLP</a:t>
+            </a:r>
+          </a:p>
+          <a:p>
+            <a:r>
+              <a:rPr lang="fr-FR" dirty="0" smtClean="0"/>
+              <a:t>TODO: </a:t>
+            </a:r>
+            <a:r>
+              <a:rPr lang="fr-FR" dirty="0" err="1" smtClean="0"/>
+              <a:t>add</a:t>
+            </a:r>
+            <a:r>
+              <a:rPr lang="fr-FR" dirty="0" smtClean="0"/>
+              <a:t> more use case </a:t>
+            </a:r>
+            <a:r>
+              <a:rPr lang="fr-FR" dirty="0" err="1" smtClean="0"/>
+              <a:t>example</a:t>
+            </a:r>
+            <a:endParaRPr lang="fr-FR" dirty="0" smtClean="0"/>
+          </a:p>
+        </p:txBody>
+      </p:sp>
+    </p:spTree>
+    <p:extLst>
+      <p:ext uri="{BB962C8B-B14F-4D97-AF65-F5344CB8AC3E}">
+        <p14:creationId xmlns:p14="http://schemas.microsoft.com/office/powerpoint/2010/main" val="1162676693"/>
+      </p:ext>
+    </p:extLst>
+  </p:cSld>
+  <p:clrMapOvr>
+    <a:masterClrMapping/>
+  </p:clrMapOvr>
+</p:sld>
+</file>
+
+<file path=ppt/slides/slide33.xml><?xml version="1.0" encoding="utf-8"?>
+<p:sld xmlns:a="http://schemas.openxmlformats.org/drawingml/2006/main" xmlns:r="http://schemas.openxmlformats.org/officeDocument/2006/relationships" xmlns:p="http://schemas.openxmlformats.org/presentationml/2006/main">
+  <p:cSld>
+    <p:spTree>
+      <p:nvGrpSpPr>
+        <p:cNvPr id="1" name=""/>
+        <p:cNvGrpSpPr/>
+        <p:nvPr/>
+      </p:nvGrpSpPr>
+      <p:grpSpPr>
+        <a:xfrm>
+          <a:off x="0" y="0"/>
+          <a:ext cx="0" cy="0"/>
+          <a:chOff x="0" y="0"/>
+          <a:chExt cx="0" cy="0"/>
+        </a:xfrm>
+      </p:grpSpPr>
+      <p:sp>
+        <p:nvSpPr>
+          <p:cNvPr id="2" name="Title 1"/>
+          <p:cNvSpPr>
+            <a:spLocks noGrp="1"/>
+          </p:cNvSpPr>
+          <p:nvPr>
+            <p:ph type="title"/>
+          </p:nvPr>
+        </p:nvSpPr>
+        <p:spPr/>
+        <p:txBody>
+          <a:bodyPr>
+            <a:normAutofit fontScale="90000"/>
+          </a:bodyPr>
+          <a:lstStyle/>
+          <a:p>
+            <a:r>
+              <a:rPr lang="en-US" dirty="0" smtClean="0"/>
+              <a:t>Parameter initialization</a:t>
+            </a:r>
+            <a:endParaRPr lang="en-US" dirty="0"/>
+          </a:p>
+        </p:txBody>
+      </p:sp>
+      <p:sp>
+        <p:nvSpPr>
+          <p:cNvPr id="3" name="Text Placeholder 2"/>
+          <p:cNvSpPr>
+            <a:spLocks noGrp="1"/>
+          </p:cNvSpPr>
+          <p:nvPr>
+            <p:ph type="body" idx="1"/>
+          </p:nvPr>
+        </p:nvSpPr>
+        <p:spPr/>
+        <p:txBody>
+          <a:bodyPr/>
+          <a:lstStyle/>
+          <a:p>
+            <a:r>
+              <a:rPr lang="en-US" dirty="0" smtClean="0"/>
+              <a:t>Default</a:t>
+            </a:r>
+          </a:p>
+          <a:p>
+            <a:endParaRPr lang="en-US" dirty="0"/>
+          </a:p>
+          <a:p>
+            <a:r>
+              <a:rPr lang="en-US" dirty="0" smtClean="0"/>
+              <a:t>Xavier</a:t>
+            </a:r>
+            <a:endParaRPr lang="en-US" dirty="0"/>
+          </a:p>
+        </p:txBody>
+      </p:sp>
+      <p:pic>
+        <p:nvPicPr>
+          <p:cNvPr id="4" name="Picture 3"/>
+          <p:cNvPicPr>
+            <a:picLocks noChangeAspect="1"/>
+          </p:cNvPicPr>
+          <p:nvPr/>
+        </p:nvPicPr>
+        <p:blipFill>
+          <a:blip r:embed="rId3">
+            <a:extLst>
+              <a:ext uri="{28A0092B-C50C-407E-A947-70E740481C1C}">
+                <a14:useLocalDpi xmlns:a14="http://schemas.microsoft.com/office/drawing/2010/main" val="0"/>
+              </a:ext>
+            </a:extLst>
+          </a:blip>
+          <a:stretch>
+            <a:fillRect/>
+          </a:stretch>
+        </p:blipFill>
+        <p:spPr>
+          <a:xfrm>
+            <a:off x="4660793" y="1152475"/>
+            <a:ext cx="3739429" cy="3033092"/>
+          </a:xfrm>
+          <a:prstGeom prst="rect">
+            <a:avLst/>
+          </a:prstGeom>
+        </p:spPr>
+      </p:pic>
+    </p:spTree>
+    <p:extLst>
+      <p:ext uri="{BB962C8B-B14F-4D97-AF65-F5344CB8AC3E}">
+        <p14:creationId xmlns:p14="http://schemas.microsoft.com/office/powerpoint/2010/main" val="1663670296"/>
+      </p:ext>
+    </p:extLst>
+  </p:cSld>
+  <p:clrMapOvr>
+    <a:masterClrMapping/>
+  </p:clrMapOvr>
+  <p:timing>
+    <p:tnLst>
+      <p:par>
+        <p:cTn id="1" dur="indefinite" restart="never" nodeType="tmRoot"/>
+      </p:par>
+    </p:tnLst>
+  </p:timing>
+</p:sld>
+</file>
+
+<file path=ppt/slides/slide34.xml><?xml version="1.0" encoding="utf-8"?>
+<p:sld xmlns:a="http://schemas.openxmlformats.org/drawingml/2006/main" xmlns:r="http://schemas.openxmlformats.org/officeDocument/2006/relationships" xmlns:p="http://schemas.openxmlformats.org/presentationml/2006/main">
+  <p:cSld>
+    <p:spTree>
+      <p:nvGrpSpPr>
+        <p:cNvPr id="1" name=""/>
+        <p:cNvGrpSpPr/>
+        <p:nvPr/>
+      </p:nvGrpSpPr>
+      <p:grpSpPr>
+        <a:xfrm>
+          <a:off x="0" y="0"/>
+          <a:ext cx="0" cy="0"/>
+          <a:chOff x="0" y="0"/>
+          <a:chExt cx="0" cy="0"/>
+        </a:xfrm>
+      </p:grpSpPr>
+      <p:sp>
+        <p:nvSpPr>
+          <p:cNvPr id="2" name="Title 1"/>
+          <p:cNvSpPr>
+            <a:spLocks noGrp="1"/>
+          </p:cNvSpPr>
+          <p:nvPr>
+            <p:ph type="title"/>
+          </p:nvPr>
+        </p:nvSpPr>
+        <p:spPr/>
+        <p:txBody>
+          <a:bodyPr>
+            <a:normAutofit fontScale="90000"/>
+          </a:bodyPr>
+          <a:lstStyle/>
+          <a:p>
+            <a:r>
+              <a:rPr lang="en-US" dirty="0" smtClean="0"/>
+              <a:t>Environment and distribution shift</a:t>
+            </a:r>
+            <a:endParaRPr lang="en-US" dirty="0"/>
+          </a:p>
+        </p:txBody>
+      </p:sp>
+      <p:sp>
+        <p:nvSpPr>
+          <p:cNvPr id="3" name="Text Placeholder 2"/>
+          <p:cNvSpPr>
+            <a:spLocks noGrp="1"/>
+          </p:cNvSpPr>
+          <p:nvPr>
+            <p:ph type="body" idx="1"/>
+          </p:nvPr>
+        </p:nvSpPr>
+        <p:spPr/>
+        <p:txBody>
+          <a:bodyPr/>
+          <a:lstStyle/>
+          <a:p>
+            <a:r>
+              <a:rPr lang="en-US" dirty="0" smtClean="0"/>
+              <a:t>Covariate shift</a:t>
+            </a:r>
+          </a:p>
+          <a:p>
+            <a:r>
+              <a:rPr lang="en-US" dirty="0" smtClean="0"/>
+              <a:t>Label shift</a:t>
+            </a:r>
+          </a:p>
+          <a:p>
+            <a:r>
+              <a:rPr lang="en-US" dirty="0"/>
+              <a:t>Concept Shift</a:t>
+            </a:r>
+          </a:p>
+          <a:p>
+            <a:endParaRPr lang="en-US" dirty="0"/>
+          </a:p>
+        </p:txBody>
+      </p:sp>
+    </p:spTree>
+    <p:extLst>
+      <p:ext uri="{BB962C8B-B14F-4D97-AF65-F5344CB8AC3E}">
+        <p14:creationId xmlns:p14="http://schemas.microsoft.com/office/powerpoint/2010/main" val="3633552660"/>
+      </p:ext>
+    </p:extLst>
+  </p:cSld>
+  <p:clrMapOvr>
+    <a:masterClrMapping/>
+  </p:clrMapOvr>
+  <p:timing>
+    <p:tnLst>
+      <p:par>
+        <p:cTn id="1" dur="indefinite" restart="never" nodeType="tmRoot"/>
+      </p:par>
+    </p:tnLst>
+  </p:timing>
+</p:sld>
+</file>
+
+<file path=ppt/slides/slide35.xml><?xml version="1.0" encoding="utf-8"?>
+<p:sld xmlns:a="http://schemas.openxmlformats.org/drawingml/2006/main" xmlns:r="http://schemas.openxmlformats.org/officeDocument/2006/relationships" xmlns:p="http://schemas.openxmlformats.org/presentationml/2006/main">
+  <p:cSld>
+    <p:spTree>
+      <p:nvGrpSpPr>
+        <p:cNvPr id="1" name=""/>
+        <p:cNvGrpSpPr/>
+        <p:nvPr/>
+      </p:nvGrpSpPr>
+      <p:grpSpPr>
+        <a:xfrm>
+          <a:off x="0" y="0"/>
+          <a:ext cx="0" cy="0"/>
+          <a:chOff x="0" y="0"/>
+          <a:chExt cx="0" cy="0"/>
+        </a:xfrm>
+      </p:grpSpPr>
+      <p:sp>
+        <p:nvSpPr>
+          <p:cNvPr id="2" name="Title 1"/>
+          <p:cNvSpPr>
+            <a:spLocks noGrp="1"/>
+          </p:cNvSpPr>
+          <p:nvPr>
+            <p:ph type="title"/>
+          </p:nvPr>
+        </p:nvSpPr>
+        <p:spPr/>
+        <p:txBody>
+          <a:bodyPr>
+            <a:normAutofit fontScale="90000"/>
+          </a:bodyPr>
+          <a:lstStyle/>
+          <a:p>
+            <a:r>
+              <a:rPr lang="fr-FR" dirty="0" smtClean="0"/>
+              <a:t>Computation performance</a:t>
+            </a:r>
+            <a:endParaRPr lang="en-US" dirty="0"/>
+          </a:p>
+        </p:txBody>
+      </p:sp>
+      <p:sp>
+        <p:nvSpPr>
+          <p:cNvPr id="3" name="Text Placeholder 2"/>
+          <p:cNvSpPr>
+            <a:spLocks noGrp="1"/>
+          </p:cNvSpPr>
+          <p:nvPr>
+            <p:ph type="body" idx="1"/>
+          </p:nvPr>
+        </p:nvSpPr>
+        <p:spPr/>
+        <p:txBody>
+          <a:bodyPr/>
+          <a:lstStyle/>
+          <a:p>
+            <a:r>
+              <a:rPr lang="fr-FR" dirty="0" err="1" smtClean="0"/>
+              <a:t>Asynchronous</a:t>
+            </a:r>
+            <a:r>
+              <a:rPr lang="fr-FR" dirty="0" smtClean="0"/>
+              <a:t> computation</a:t>
+            </a:r>
+          </a:p>
+          <a:p>
+            <a:r>
+              <a:rPr lang="fr-FR" dirty="0" err="1" smtClean="0"/>
+              <a:t>Automatic</a:t>
+            </a:r>
+            <a:r>
+              <a:rPr lang="fr-FR" dirty="0" smtClean="0"/>
+              <a:t> </a:t>
+            </a:r>
+            <a:r>
+              <a:rPr lang="fr-FR" dirty="0" err="1" smtClean="0"/>
+              <a:t>parallelism</a:t>
+            </a:r>
+            <a:endParaRPr lang="fr-FR" dirty="0" smtClean="0"/>
+          </a:p>
+          <a:p>
+            <a:endParaRPr lang="en-US" dirty="0"/>
+          </a:p>
+        </p:txBody>
+      </p:sp>
+    </p:spTree>
+    <p:extLst>
+      <p:ext uri="{BB962C8B-B14F-4D97-AF65-F5344CB8AC3E}">
+        <p14:creationId xmlns:p14="http://schemas.microsoft.com/office/powerpoint/2010/main" val="260866000"/>
+      </p:ext>
+    </p:extLst>
+  </p:cSld>
+  <p:clrMapOvr>
+    <a:masterClrMapping/>
+  </p:clrMapOvr>
+</p:sld>
+</file>
+
+<file path=ppt/slides/slide36.xml><?xml version="1.0" encoding="utf-8"?>
+<p:sld xmlns:a="http://schemas.openxmlformats.org/drawingml/2006/main" xmlns:r="http://schemas.openxmlformats.org/officeDocument/2006/relationships" xmlns:p="http://schemas.openxmlformats.org/presentationml/2006/main">
+  <p:cSld>
+    <p:spTree>
+      <p:nvGrpSpPr>
+        <p:cNvPr id="1" name="Shape 138"/>
+        <p:cNvGrpSpPr/>
+        <p:nvPr/>
+      </p:nvGrpSpPr>
+      <p:grpSpPr>
+        <a:xfrm>
+          <a:off x="0" y="0"/>
+          <a:ext cx="0" cy="0"/>
+          <a:chOff x="0" y="0"/>
+          <a:chExt cx="0" cy="0"/>
+        </a:xfrm>
+      </p:grpSpPr>
+      <p:sp>
+        <p:nvSpPr>
+          <p:cNvPr id="139" name="Google Shape;139;p28"/>
+          <p:cNvSpPr txBox="1">
+            <a:spLocks noGrp="1"/>
+          </p:cNvSpPr>
+          <p:nvPr>
+            <p:ph type="title"/>
+          </p:nvPr>
+        </p:nvSpPr>
+        <p:spPr>
+          <a:xfrm>
+            <a:off x="311700" y="445025"/>
+            <a:ext cx="8520600" cy="572700"/>
+          </a:xfrm>
+          <a:prstGeom prst="rect">
+            <a:avLst/>
+          </a:prstGeom>
+        </p:spPr>
+        <p:txBody>
+          <a:bodyPr spcFirstLastPara="1" wrap="square" lIns="91425" tIns="91425" rIns="91425" bIns="91425" anchor="t" anchorCtr="0">
+            <a:normAutofit fontScale="90000"/>
+          </a:bodyPr>
+          <a:lstStyle/>
+          <a:p>
+            <a:pPr marL="0" lvl="0" indent="0" algn="l" rtl="0">
+              <a:spcBef>
+                <a:spcPts val="0"/>
+              </a:spcBef>
+              <a:spcAft>
+                <a:spcPts val="0"/>
+              </a:spcAft>
+              <a:buNone/>
+            </a:pPr>
+            <a:r>
+              <a:rPr lang="en-GB" dirty="0" smtClean="0"/>
+              <a:t>Vanishing Gradients</a:t>
+            </a:r>
+            <a:endParaRPr dirty="0"/>
+          </a:p>
+        </p:txBody>
+      </p:sp>
+      <p:sp>
+        <p:nvSpPr>
+          <p:cNvPr id="140" name="Google Shape;140;p28"/>
+          <p:cNvSpPr txBox="1">
+            <a:spLocks noGrp="1"/>
+          </p:cNvSpPr>
+          <p:nvPr>
+            <p:ph type="body" idx="1"/>
+          </p:nvPr>
+        </p:nvSpPr>
+        <p:spPr>
+          <a:xfrm>
+            <a:off x="311700" y="1152475"/>
+            <a:ext cx="8520600" cy="3416400"/>
+          </a:xfrm>
+          <a:prstGeom prst="rect">
+            <a:avLst/>
+          </a:prstGeom>
+        </p:spPr>
+        <p:txBody>
+          <a:bodyPr spcFirstLastPara="1" wrap="square" lIns="91425" tIns="91425" rIns="91425" bIns="91425" anchor="t" anchorCtr="0">
+            <a:normAutofit/>
+          </a:bodyPr>
+          <a:lstStyle/>
+          <a:p>
+            <a:r>
+              <a:rPr lang="en-US" dirty="0"/>
+              <a:t>The model will improve very slowly during the training phase and it is also possible that training stops very early, meaning that any further training does not improve the model.</a:t>
+            </a:r>
+          </a:p>
+          <a:p>
+            <a:r>
+              <a:rPr lang="en-US" dirty="0"/>
+              <a:t>The weights closer to the output layer of the model would witness more of a change whereas the layers that occur closer to the input layer would not change much (if at all).</a:t>
+            </a:r>
+          </a:p>
+          <a:p>
+            <a:r>
+              <a:rPr lang="en-US" dirty="0"/>
+              <a:t>Model weights shrink exponentially and become very small when training the model.</a:t>
+            </a:r>
+          </a:p>
+          <a:p>
+            <a:r>
+              <a:rPr lang="en-US" dirty="0"/>
+              <a:t>The model weights become 0 in the training phase.</a:t>
+            </a:r>
+          </a:p>
+          <a:p>
+            <a:pPr marL="0" lvl="0" indent="0" algn="l" rtl="0">
+              <a:spcBef>
+                <a:spcPts val="0"/>
+              </a:spcBef>
+              <a:spcAft>
+                <a:spcPts val="1200"/>
+              </a:spcAft>
+              <a:buNone/>
+            </a:pPr>
+            <a:endParaRPr dirty="0"/>
+          </a:p>
+        </p:txBody>
+      </p:sp>
+    </p:spTree>
+  </p:cSld>
+  <p:clrMapOvr>
+    <a:masterClrMapping/>
+  </p:clrMapOvr>
+</p:sld>
+</file>
+
+<file path=ppt/slides/slide37.xml><?xml version="1.0" encoding="utf-8"?>
+<p:sld xmlns:a="http://schemas.openxmlformats.org/drawingml/2006/main" xmlns:r="http://schemas.openxmlformats.org/officeDocument/2006/relationships" xmlns:p="http://schemas.openxmlformats.org/presentationml/2006/main">
+  <p:cSld>
+    <p:spTree>
+      <p:nvGrpSpPr>
+        <p:cNvPr id="1" name="Shape 138"/>
+        <p:cNvGrpSpPr/>
+        <p:nvPr/>
+      </p:nvGrpSpPr>
+      <p:grpSpPr>
+        <a:xfrm>
+          <a:off x="0" y="0"/>
+          <a:ext cx="0" cy="0"/>
+          <a:chOff x="0" y="0"/>
+          <a:chExt cx="0" cy="0"/>
+        </a:xfrm>
+      </p:grpSpPr>
+      <p:sp>
+        <p:nvSpPr>
+          <p:cNvPr id="139" name="Google Shape;139;p28"/>
+          <p:cNvSpPr txBox="1">
+            <a:spLocks noGrp="1"/>
+          </p:cNvSpPr>
+          <p:nvPr>
+            <p:ph type="title"/>
+          </p:nvPr>
+        </p:nvSpPr>
+        <p:spPr>
+          <a:xfrm>
+            <a:off x="311700" y="445025"/>
+            <a:ext cx="8520600" cy="572700"/>
+          </a:xfrm>
+          <a:prstGeom prst="rect">
+            <a:avLst/>
+          </a:prstGeom>
+        </p:spPr>
+        <p:txBody>
+          <a:bodyPr spcFirstLastPara="1" wrap="square" lIns="91425" tIns="91425" rIns="91425" bIns="91425" anchor="t" anchorCtr="0">
+            <a:normAutofit fontScale="90000"/>
+          </a:bodyPr>
+          <a:lstStyle/>
+          <a:p>
+            <a:pPr marL="0" lvl="0" indent="0" algn="l" rtl="0">
+              <a:spcBef>
+                <a:spcPts val="0"/>
+              </a:spcBef>
+              <a:spcAft>
+                <a:spcPts val="0"/>
+              </a:spcAft>
+              <a:buNone/>
+            </a:pPr>
+            <a:r>
+              <a:rPr lang="en-GB" dirty="0" smtClean="0"/>
+              <a:t>Vanishing Gradients</a:t>
+            </a:r>
+            <a:endParaRPr dirty="0"/>
+          </a:p>
+        </p:txBody>
+      </p:sp>
+      <p:pic>
+        <p:nvPicPr>
+          <p:cNvPr id="2" name="Picture 1"/>
+          <p:cNvPicPr>
+            <a:picLocks noChangeAspect="1"/>
+          </p:cNvPicPr>
+          <p:nvPr/>
+        </p:nvPicPr>
+        <p:blipFill>
+          <a:blip r:embed="rId3"/>
+          <a:stretch>
+            <a:fillRect/>
+          </a:stretch>
+        </p:blipFill>
+        <p:spPr>
+          <a:xfrm>
+            <a:off x="2597632" y="1633330"/>
+            <a:ext cx="4505325" cy="2552700"/>
+          </a:xfrm>
+          <a:prstGeom prst="rect">
+            <a:avLst/>
+          </a:prstGeom>
+        </p:spPr>
+      </p:pic>
+    </p:spTree>
+    <p:extLst>
+      <p:ext uri="{BB962C8B-B14F-4D97-AF65-F5344CB8AC3E}">
+        <p14:creationId xmlns:p14="http://schemas.microsoft.com/office/powerpoint/2010/main" val="1607833550"/>
+      </p:ext>
+    </p:extLst>
+  </p:cSld>
+  <p:clrMapOvr>
+    <a:masterClrMapping/>
+  </p:clrMapOvr>
+</p:sld>
+</file>
+
+<file path=ppt/slides/slide38.xml><?xml version="1.0" encoding="utf-8"?>
+<p:sld xmlns:a="http://schemas.openxmlformats.org/drawingml/2006/main" xmlns:r="http://schemas.openxmlformats.org/officeDocument/2006/relationships" xmlns:p="http://schemas.openxmlformats.org/presentationml/2006/main">
+  <p:cSld>
+    <p:spTree>
+      <p:nvGrpSpPr>
+        <p:cNvPr id="1" name="Shape 144"/>
+        <p:cNvGrpSpPr/>
+        <p:nvPr/>
+      </p:nvGrpSpPr>
+      <p:grpSpPr>
+        <a:xfrm>
+          <a:off x="0" y="0"/>
+          <a:ext cx="0" cy="0"/>
+          <a:chOff x="0" y="0"/>
+          <a:chExt cx="0" cy="0"/>
+        </a:xfrm>
+      </p:grpSpPr>
+      <p:sp>
+        <p:nvSpPr>
+          <p:cNvPr id="145" name="Google Shape;145;p29"/>
+          <p:cNvSpPr txBox="1">
+            <a:spLocks noGrp="1"/>
+          </p:cNvSpPr>
+          <p:nvPr>
+            <p:ph type="title"/>
+          </p:nvPr>
+        </p:nvSpPr>
+        <p:spPr>
+          <a:xfrm>
+            <a:off x="311700" y="445025"/>
+            <a:ext cx="8520600" cy="572700"/>
+          </a:xfrm>
+          <a:prstGeom prst="rect">
+            <a:avLst/>
+          </a:prstGeom>
+        </p:spPr>
+        <p:txBody>
+          <a:bodyPr spcFirstLastPara="1" wrap="square" lIns="91425" tIns="91425" rIns="91425" bIns="91425" anchor="t" anchorCtr="0">
+            <a:normAutofit fontScale="90000"/>
+          </a:bodyPr>
+          <a:lstStyle/>
+          <a:p>
+            <a:pPr lvl="0"/>
+            <a:r>
+              <a:rPr lang="en-GB" dirty="0" smtClean="0"/>
+              <a:t>Exploding gradient</a:t>
+            </a:r>
+            <a:endParaRPr dirty="0"/>
+          </a:p>
+        </p:txBody>
+      </p:sp>
+      <p:sp>
+        <p:nvSpPr>
+          <p:cNvPr id="146" name="Google Shape;146;p29"/>
+          <p:cNvSpPr txBox="1">
+            <a:spLocks noGrp="1"/>
+          </p:cNvSpPr>
+          <p:nvPr>
+            <p:ph type="body" idx="1"/>
+          </p:nvPr>
+        </p:nvSpPr>
+        <p:spPr>
+          <a:xfrm>
+            <a:off x="311700" y="1152475"/>
+            <a:ext cx="8520600" cy="3416400"/>
+          </a:xfrm>
+          <a:prstGeom prst="rect">
+            <a:avLst/>
+          </a:prstGeom>
+        </p:spPr>
+        <p:txBody>
+          <a:bodyPr spcFirstLastPara="1" wrap="square" lIns="91425" tIns="91425" rIns="91425" bIns="91425" anchor="t" anchorCtr="0">
+            <a:normAutofit lnSpcReduction="10000"/>
+          </a:bodyPr>
+          <a:lstStyle/>
+          <a:p>
+            <a:r>
+              <a:rPr lang="en-US" dirty="0"/>
+              <a:t>The model is not learning much on the training data therefore resulting in a poor loss.</a:t>
+            </a:r>
+          </a:p>
+          <a:p>
+            <a:r>
+              <a:rPr lang="en-US" dirty="0"/>
+              <a:t>The model will have large changes in loss on each update due to the models instability.</a:t>
+            </a:r>
+          </a:p>
+          <a:p>
+            <a:r>
+              <a:rPr lang="en-US" dirty="0"/>
+              <a:t>The models loss will be </a:t>
+            </a:r>
+            <a:r>
+              <a:rPr lang="en-US" dirty="0" err="1"/>
+              <a:t>NaN</a:t>
+            </a:r>
+            <a:r>
+              <a:rPr lang="en-US" dirty="0"/>
+              <a:t> during training</a:t>
+            </a:r>
+            <a:r>
+              <a:rPr lang="en-US" dirty="0" smtClean="0"/>
+              <a:t>.</a:t>
+            </a:r>
+          </a:p>
+          <a:p>
+            <a:endParaRPr lang="en-US" dirty="0"/>
+          </a:p>
+          <a:p>
+            <a:endParaRPr lang="en-US" dirty="0" smtClean="0"/>
+          </a:p>
+          <a:p>
+            <a:r>
+              <a:rPr lang="en-US" dirty="0"/>
+              <a:t>Model weights grow exponentially and become very large when training the model.</a:t>
+            </a:r>
+          </a:p>
+          <a:p>
+            <a:r>
+              <a:rPr lang="en-US" dirty="0"/>
+              <a:t>The model weights become </a:t>
+            </a:r>
+            <a:r>
+              <a:rPr lang="en-US" dirty="0" err="1"/>
+              <a:t>NaN</a:t>
+            </a:r>
+            <a:r>
+              <a:rPr lang="en-US" dirty="0"/>
+              <a:t> in the training phase.</a:t>
+            </a:r>
+          </a:p>
+          <a:p>
+            <a:r>
+              <a:rPr lang="en-US" dirty="0"/>
+              <a:t>The derivatives are constantly</a:t>
+            </a:r>
+          </a:p>
+          <a:p>
+            <a:endParaRPr lang="en-US" dirty="0"/>
+          </a:p>
+          <a:p>
+            <a:pPr marL="0" lvl="0" indent="0" algn="l" rtl="0">
+              <a:spcBef>
+                <a:spcPts val="0"/>
+              </a:spcBef>
+              <a:spcAft>
+                <a:spcPts val="1200"/>
+              </a:spcAft>
+              <a:buNone/>
+            </a:pPr>
+            <a:endParaRPr dirty="0"/>
+          </a:p>
+        </p:txBody>
+      </p:sp>
+    </p:spTree>
+  </p:cSld>
+  <p:clrMapOvr>
+    <a:masterClrMapping/>
+  </p:clrMapOvr>
+</p:sld>
+</file>
+
+<file path=ppt/slides/slide39.xml><?xml version="1.0" encoding="utf-8"?>
+<p:sld xmlns:a="http://schemas.openxmlformats.org/drawingml/2006/main" xmlns:r="http://schemas.openxmlformats.org/officeDocument/2006/relationships" xmlns:p="http://schemas.openxmlformats.org/presentationml/2006/main">
+  <p:cSld>
+    <p:spTree>
+      <p:nvGrpSpPr>
+        <p:cNvPr id="1" name="Shape 144"/>
+        <p:cNvGrpSpPr/>
+        <p:nvPr/>
+      </p:nvGrpSpPr>
+      <p:grpSpPr>
+        <a:xfrm>
+          <a:off x="0" y="0"/>
+          <a:ext cx="0" cy="0"/>
+          <a:chOff x="0" y="0"/>
+          <a:chExt cx="0" cy="0"/>
+        </a:xfrm>
+      </p:grpSpPr>
+      <p:sp>
+        <p:nvSpPr>
+          <p:cNvPr id="145" name="Google Shape;145;p29"/>
+          <p:cNvSpPr txBox="1">
+            <a:spLocks noGrp="1"/>
+          </p:cNvSpPr>
+          <p:nvPr>
+            <p:ph type="title"/>
+          </p:nvPr>
+        </p:nvSpPr>
+        <p:spPr>
+          <a:xfrm>
+            <a:off x="311700" y="445025"/>
+            <a:ext cx="8520600" cy="572700"/>
+          </a:xfrm>
+          <a:prstGeom prst="rect">
+            <a:avLst/>
+          </a:prstGeom>
+        </p:spPr>
+        <p:txBody>
+          <a:bodyPr spcFirstLastPara="1" wrap="square" lIns="91425" tIns="91425" rIns="91425" bIns="91425" anchor="t" anchorCtr="0">
+            <a:normAutofit fontScale="90000"/>
+          </a:bodyPr>
+          <a:lstStyle/>
+          <a:p>
+            <a:pPr lvl="0"/>
+            <a:r>
+              <a:rPr lang="en-GB" dirty="0" smtClean="0"/>
+              <a:t>Solution</a:t>
+            </a:r>
+            <a:endParaRPr dirty="0"/>
+          </a:p>
+        </p:txBody>
+      </p:sp>
+      <p:sp>
+        <p:nvSpPr>
+          <p:cNvPr id="146" name="Google Shape;146;p29"/>
+          <p:cNvSpPr txBox="1">
+            <a:spLocks noGrp="1"/>
+          </p:cNvSpPr>
+          <p:nvPr>
+            <p:ph type="body" idx="1"/>
+          </p:nvPr>
+        </p:nvSpPr>
+        <p:spPr>
+          <a:xfrm>
+            <a:off x="311700" y="1152475"/>
+            <a:ext cx="8520600" cy="3416400"/>
+          </a:xfrm>
+          <a:prstGeom prst="rect">
+            <a:avLst/>
+          </a:prstGeom>
+        </p:spPr>
+        <p:txBody>
+          <a:bodyPr spcFirstLastPara="1" wrap="square" lIns="91425" tIns="91425" rIns="91425" bIns="91425" anchor="t" anchorCtr="0">
+            <a:normAutofit fontScale="77500" lnSpcReduction="20000"/>
+          </a:bodyPr>
+          <a:lstStyle/>
+          <a:p>
+            <a:r>
+              <a:rPr lang="en-US" b="1" dirty="0" smtClean="0"/>
+              <a:t>1. Reducing </a:t>
+            </a:r>
+            <a:r>
+              <a:rPr lang="en-US" b="1" dirty="0"/>
+              <a:t>the amount of Layers</a:t>
+            </a:r>
+            <a:endParaRPr lang="en-US" dirty="0"/>
+          </a:p>
+          <a:p>
+            <a:pPr marL="114300" indent="0">
+              <a:buNone/>
+            </a:pPr>
+            <a:r>
+              <a:rPr lang="en-US" dirty="0"/>
+              <a:t>This is the solution could be used in both, scenarios (exploding and vanishing gradient). However, by reducing the amount of layers in our network, we give up some of our models complexity, since having more layers makes the networks more capable of representing complex mappings</a:t>
+            </a:r>
+            <a:r>
+              <a:rPr lang="en-US" dirty="0" smtClean="0"/>
+              <a:t>.</a:t>
+            </a:r>
+          </a:p>
+          <a:p>
+            <a:pPr marL="114300" indent="0">
+              <a:buNone/>
+            </a:pPr>
+            <a:endParaRPr lang="en-US" dirty="0"/>
+          </a:p>
+          <a:p>
+            <a:r>
+              <a:rPr lang="en-US" b="1" dirty="0"/>
+              <a:t>2. Gradient Clipping (Exploding Gradients)</a:t>
+            </a:r>
+            <a:endParaRPr lang="en-US" dirty="0"/>
+          </a:p>
+          <a:p>
+            <a:pPr marL="114300" indent="0">
+              <a:buNone/>
+            </a:pPr>
+            <a:r>
+              <a:rPr lang="en-US" dirty="0"/>
+              <a:t>Checking for and limiting the size of the gradients whilst our model trains is another solution. Going into the details of this technique is beyond the scope of this article, but you can read more about gradient clipping in an article by </a:t>
+            </a:r>
+            <a:r>
+              <a:rPr lang="en-US" dirty="0" err="1" smtClean="0">
+                <a:hlinkClick r:id="rId3"/>
+              </a:rPr>
+              <a:t>Wanshun</a:t>
+            </a:r>
+            <a:r>
+              <a:rPr lang="en-US" dirty="0" smtClean="0">
+                <a:hlinkClick r:id="rId3"/>
+              </a:rPr>
+              <a:t> Wong</a:t>
+            </a:r>
+            <a:r>
+              <a:rPr lang="en-US" dirty="0"/>
+              <a:t> titled What is </a:t>
+            </a:r>
+            <a:r>
+              <a:rPr lang="en-US" u="sng" dirty="0">
+                <a:hlinkClick r:id="rId4"/>
+              </a:rPr>
+              <a:t>Gradient </a:t>
+            </a:r>
+            <a:r>
+              <a:rPr lang="en-US" u="sng" dirty="0" smtClean="0">
+                <a:hlinkClick r:id="rId4"/>
+              </a:rPr>
+              <a:t>Clipping</a:t>
+            </a:r>
+            <a:r>
+              <a:rPr lang="en-US" dirty="0" smtClean="0"/>
+              <a:t>.</a:t>
+            </a:r>
+          </a:p>
+          <a:p>
+            <a:pPr marL="114300" indent="0">
+              <a:buNone/>
+            </a:pPr>
+            <a:endParaRPr lang="en-US" dirty="0" smtClean="0"/>
+          </a:p>
+          <a:p>
+            <a:r>
+              <a:rPr lang="en-US" b="1" dirty="0" smtClean="0"/>
+              <a:t>3</a:t>
+            </a:r>
+            <a:r>
+              <a:rPr lang="en-US" b="1" dirty="0"/>
+              <a:t>. Weight Initialization</a:t>
+            </a:r>
+            <a:endParaRPr lang="en-US" dirty="0"/>
+          </a:p>
+          <a:p>
+            <a:pPr marL="114300" indent="0">
+              <a:buNone/>
+            </a:pPr>
+            <a:r>
+              <a:rPr lang="en-US" dirty="0"/>
+              <a:t>A more careful initialization choice of the random initialization for your network tends to be a partial solution, since it does not solve the problem completely. Check out this article by </a:t>
+            </a:r>
+            <a:r>
+              <a:rPr lang="en-US" dirty="0" smtClean="0">
+                <a:hlinkClick r:id="rId5"/>
+              </a:rPr>
+              <a:t>James Dellinger</a:t>
+            </a:r>
+            <a:r>
+              <a:rPr lang="en-US" dirty="0"/>
+              <a:t> - </a:t>
+            </a:r>
+            <a:r>
+              <a:rPr lang="en-US" u="sng" dirty="0">
+                <a:hlinkClick r:id="rId6"/>
+              </a:rPr>
+              <a:t>Weight Initialization in Neural Networks: A journey from the basics to </a:t>
+            </a:r>
+            <a:r>
+              <a:rPr lang="en-US" u="sng" dirty="0" err="1">
+                <a:hlinkClick r:id="rId6"/>
+              </a:rPr>
+              <a:t>Kaiming</a:t>
+            </a:r>
+            <a:endParaRPr lang="en-US" dirty="0"/>
+          </a:p>
+          <a:p>
+            <a:pPr marL="0" lvl="0" indent="0" algn="l" rtl="0">
+              <a:spcBef>
+                <a:spcPts val="0"/>
+              </a:spcBef>
+              <a:spcAft>
+                <a:spcPts val="1200"/>
+              </a:spcAft>
+              <a:buNone/>
+            </a:pPr>
+            <a:endParaRPr dirty="0"/>
+          </a:p>
+        </p:txBody>
+      </p:sp>
+    </p:spTree>
+    <p:extLst>
+      <p:ext uri="{BB962C8B-B14F-4D97-AF65-F5344CB8AC3E}">
+        <p14:creationId xmlns:p14="http://schemas.microsoft.com/office/powerpoint/2010/main" val="3839797778"/>
       </p:ext>
     </p:extLst>
   </p:cSld>
@@ -11285,10 +14190,9 @@
           </a:p>
           <a:p>
             <a:r>
-              <a:rPr lang="en-US"/>
+              <a:rPr lang="en-US" dirty="0"/>
               <a:t>https://machinelearningcoban.com/2017/01/27/logisticregression/</a:t>
             </a:r>
-            <a:endParaRPr lang="en-US" dirty="0"/>
           </a:p>
         </p:txBody>
       </p:sp>
